--- a/videoSrc/videoDiagram.pptx
+++ b/videoSrc/videoDiagram.pptx
@@ -10,6 +10,7 @@
     <p:sldId id="258" r:id="rId4"/>
     <p:sldId id="259" r:id="rId5"/>
     <p:sldId id="260" r:id="rId6"/>
+    <p:sldId id="261" r:id="rId7"/>
   </p:sldIdLst>
   <p:sldSz cx="12192000" cy="6858000"/>
   <p:notesSz cx="6858000" cy="9144000"/>
@@ -265,7 +266,7 @@
           <a:p>
             <a:fld id="{BA645228-5478-4BEB-89AA-4F24018458AD}" type="datetimeFigureOut">
               <a:rPr lang="en-SG" smtClean="0"/>
-              <a:t>10/3/2021</a:t>
+              <a:t>15/3/2021</a:t>
             </a:fld>
             <a:endParaRPr lang="en-SG"/>
           </a:p>
@@ -465,7 +466,7 @@
           <a:p>
             <a:fld id="{BA645228-5478-4BEB-89AA-4F24018458AD}" type="datetimeFigureOut">
               <a:rPr lang="en-SG" smtClean="0"/>
-              <a:t>10/3/2021</a:t>
+              <a:t>15/3/2021</a:t>
             </a:fld>
             <a:endParaRPr lang="en-SG"/>
           </a:p>
@@ -675,7 +676,7 @@
           <a:p>
             <a:fld id="{BA645228-5478-4BEB-89AA-4F24018458AD}" type="datetimeFigureOut">
               <a:rPr lang="en-SG" smtClean="0"/>
-              <a:t>10/3/2021</a:t>
+              <a:t>15/3/2021</a:t>
             </a:fld>
             <a:endParaRPr lang="en-SG"/>
           </a:p>
@@ -875,7 +876,7 @@
           <a:p>
             <a:fld id="{BA645228-5478-4BEB-89AA-4F24018458AD}" type="datetimeFigureOut">
               <a:rPr lang="en-SG" smtClean="0"/>
-              <a:t>10/3/2021</a:t>
+              <a:t>15/3/2021</a:t>
             </a:fld>
             <a:endParaRPr lang="en-SG"/>
           </a:p>
@@ -1151,7 +1152,7 @@
           <a:p>
             <a:fld id="{BA645228-5478-4BEB-89AA-4F24018458AD}" type="datetimeFigureOut">
               <a:rPr lang="en-SG" smtClean="0"/>
-              <a:t>10/3/2021</a:t>
+              <a:t>15/3/2021</a:t>
             </a:fld>
             <a:endParaRPr lang="en-SG"/>
           </a:p>
@@ -1419,7 +1420,7 @@
           <a:p>
             <a:fld id="{BA645228-5478-4BEB-89AA-4F24018458AD}" type="datetimeFigureOut">
               <a:rPr lang="en-SG" smtClean="0"/>
-              <a:t>10/3/2021</a:t>
+              <a:t>15/3/2021</a:t>
             </a:fld>
             <a:endParaRPr lang="en-SG"/>
           </a:p>
@@ -1834,7 +1835,7 @@
           <a:p>
             <a:fld id="{BA645228-5478-4BEB-89AA-4F24018458AD}" type="datetimeFigureOut">
               <a:rPr lang="en-SG" smtClean="0"/>
-              <a:t>10/3/2021</a:t>
+              <a:t>15/3/2021</a:t>
             </a:fld>
             <a:endParaRPr lang="en-SG"/>
           </a:p>
@@ -1976,7 +1977,7 @@
           <a:p>
             <a:fld id="{BA645228-5478-4BEB-89AA-4F24018458AD}" type="datetimeFigureOut">
               <a:rPr lang="en-SG" smtClean="0"/>
-              <a:t>10/3/2021</a:t>
+              <a:t>15/3/2021</a:t>
             </a:fld>
             <a:endParaRPr lang="en-SG"/>
           </a:p>
@@ -2089,7 +2090,7 @@
           <a:p>
             <a:fld id="{BA645228-5478-4BEB-89AA-4F24018458AD}" type="datetimeFigureOut">
               <a:rPr lang="en-SG" smtClean="0"/>
-              <a:t>10/3/2021</a:t>
+              <a:t>15/3/2021</a:t>
             </a:fld>
             <a:endParaRPr lang="en-SG"/>
           </a:p>
@@ -2402,7 +2403,7 @@
           <a:p>
             <a:fld id="{BA645228-5478-4BEB-89AA-4F24018458AD}" type="datetimeFigureOut">
               <a:rPr lang="en-SG" smtClean="0"/>
-              <a:t>10/3/2021</a:t>
+              <a:t>15/3/2021</a:t>
             </a:fld>
             <a:endParaRPr lang="en-SG"/>
           </a:p>
@@ -2691,7 +2692,7 @@
           <a:p>
             <a:fld id="{BA645228-5478-4BEB-89AA-4F24018458AD}" type="datetimeFigureOut">
               <a:rPr lang="en-SG" smtClean="0"/>
-              <a:t>10/3/2021</a:t>
+              <a:t>15/3/2021</a:t>
             </a:fld>
             <a:endParaRPr lang="en-SG"/>
           </a:p>
@@ -2934,7 +2935,7 @@
           <a:p>
             <a:fld id="{BA645228-5478-4BEB-89AA-4F24018458AD}" type="datetimeFigureOut">
               <a:rPr lang="en-SG" smtClean="0"/>
-              <a:t>10/3/2021</a:t>
+              <a:t>15/3/2021</a:t>
             </a:fld>
             <a:endParaRPr lang="en-SG"/>
           </a:p>
@@ -6154,6 +6155,249 @@
 </p:sld>
 </file>
 
+<file path=ppt/slides/slide6.xml><?xml version="1.0" encoding="utf-8"?>
+<p:sld xmlns:a="http://schemas.openxmlformats.org/drawingml/2006/main" xmlns:r="http://schemas.openxmlformats.org/officeDocument/2006/relationships" xmlns:p="http://schemas.openxmlformats.org/presentationml/2006/main">
+  <p:cSld>
+    <p:spTree>
+      <p:nvGrpSpPr>
+        <p:cNvPr id="1" name=""/>
+        <p:cNvGrpSpPr/>
+        <p:nvPr/>
+      </p:nvGrpSpPr>
+      <p:grpSpPr>
+        <a:xfrm>
+          <a:off x="0" y="0"/>
+          <a:ext cx="0" cy="0"/>
+          <a:chOff x="0" y="0"/>
+          <a:chExt cx="0" cy="0"/>
+        </a:xfrm>
+      </p:grpSpPr>
+      <p:sp>
+        <p:nvSpPr>
+          <p:cNvPr id="4" name="TextBox 3">
+            <a:extLst>
+              <a:ext uri="{FF2B5EF4-FFF2-40B4-BE49-F238E27FC236}">
+                <a16:creationId xmlns:a16="http://schemas.microsoft.com/office/drawing/2014/main" id="{F051D49C-A995-4B12-8AB0-4E5E08F75FFC}"/>
+              </a:ext>
+            </a:extLst>
+          </p:cNvPr>
+          <p:cNvSpPr txBox="1"/>
+          <p:nvPr/>
+        </p:nvSpPr>
+        <p:spPr>
+          <a:xfrm>
+            <a:off x="4384854" y="1265501"/>
+            <a:ext cx="3303318" cy="575331"/>
+          </a:xfrm>
+          <a:prstGeom prst="rect">
+            <a:avLst/>
+          </a:prstGeom>
+          <a:solidFill>
+            <a:schemeClr val="bg1"/>
+          </a:solidFill>
+          <a:ln w="3175">
+            <a:solidFill>
+              <a:schemeClr val="tx1"/>
+            </a:solidFill>
+          </a:ln>
+        </p:spPr>
+        <p:txBody>
+          <a:bodyPr wrap="square" lIns="36000" tIns="36000" rIns="36000" bIns="36000" rtlCol="0">
+            <a:noAutofit/>
+          </a:bodyPr>
+          <a:lstStyle/>
+          <a:p>
+            <a:r>
+              <a:rPr lang="en-SG" b="1" dirty="0"/>
+              <a:t>5G Phone(172.31.123.201)</a:t>
+            </a:r>
+          </a:p>
+        </p:txBody>
+      </p:sp>
+      <p:sp>
+        <p:nvSpPr>
+          <p:cNvPr id="5" name="TextBox 4">
+            <a:extLst>
+              <a:ext uri="{FF2B5EF4-FFF2-40B4-BE49-F238E27FC236}">
+                <a16:creationId xmlns:a16="http://schemas.microsoft.com/office/drawing/2014/main" id="{B27305A2-44FE-4468-8B55-A4B18E8EB86F}"/>
+              </a:ext>
+            </a:extLst>
+          </p:cNvPr>
+          <p:cNvSpPr txBox="1"/>
+          <p:nvPr/>
+        </p:nvSpPr>
+        <p:spPr>
+          <a:xfrm>
+            <a:off x="5640417" y="3222305"/>
+            <a:ext cx="2047755" cy="1000779"/>
+          </a:xfrm>
+          <a:prstGeom prst="rect">
+            <a:avLst/>
+          </a:prstGeom>
+          <a:solidFill>
+            <a:schemeClr val="bg1"/>
+          </a:solidFill>
+          <a:ln w="3175">
+            <a:solidFill>
+              <a:schemeClr val="tx1"/>
+            </a:solidFill>
+          </a:ln>
+        </p:spPr>
+        <p:txBody>
+          <a:bodyPr wrap="square" lIns="36000" tIns="36000" rIns="36000" bIns="36000" rtlCol="0">
+            <a:noAutofit/>
+          </a:bodyPr>
+          <a:lstStyle/>
+          <a:p>
+            <a:r>
+              <a:rPr lang="en-SG" sz="1600" b="1" dirty="0" err="1"/>
+              <a:t>Telepark</a:t>
+            </a:r>
+            <a:r>
+              <a:rPr lang="en-SG" sz="1600" b="1" dirty="0"/>
+              <a:t> Notebook</a:t>
+            </a:r>
+          </a:p>
+          <a:p>
+            <a:r>
+              <a:rPr lang="en-SG" sz="1600" b="1" dirty="0"/>
+              <a:t>(192.168.10.x)</a:t>
+            </a:r>
+          </a:p>
+        </p:txBody>
+      </p:sp>
+      <p:cxnSp>
+        <p:nvCxnSpPr>
+          <p:cNvPr id="6" name="Straight Arrow Connector 5">
+            <a:extLst>
+              <a:ext uri="{FF2B5EF4-FFF2-40B4-BE49-F238E27FC236}">
+                <a16:creationId xmlns:a16="http://schemas.microsoft.com/office/drawing/2014/main" id="{6687EF17-FEC9-4E24-9D6D-534CEB75F9A6}"/>
+              </a:ext>
+            </a:extLst>
+          </p:cNvPr>
+          <p:cNvCxnSpPr/>
+          <p:nvPr/>
+        </p:nvCxnSpPr>
+        <p:spPr>
+          <a:xfrm>
+            <a:off x="6057074" y="1840832"/>
+            <a:ext cx="0" cy="1381473"/>
+          </a:xfrm>
+          <a:prstGeom prst="straightConnector1">
+            <a:avLst/>
+          </a:prstGeom>
+          <a:ln>
+            <a:tailEnd type="triangle"/>
+          </a:ln>
+        </p:spPr>
+        <p:style>
+          <a:lnRef idx="1">
+            <a:schemeClr val="accent1"/>
+          </a:lnRef>
+          <a:fillRef idx="0">
+            <a:schemeClr val="accent1"/>
+          </a:fillRef>
+          <a:effectRef idx="0">
+            <a:schemeClr val="accent1"/>
+          </a:effectRef>
+          <a:fontRef idx="minor">
+            <a:schemeClr val="tx1"/>
+          </a:fontRef>
+        </p:style>
+      </p:cxnSp>
+      <p:cxnSp>
+        <p:nvCxnSpPr>
+          <p:cNvPr id="7" name="Straight Arrow Connector 6">
+            <a:extLst>
+              <a:ext uri="{FF2B5EF4-FFF2-40B4-BE49-F238E27FC236}">
+                <a16:creationId xmlns:a16="http://schemas.microsoft.com/office/drawing/2014/main" id="{AB518A10-63BA-49E8-91AA-9E2EF2D6D10F}"/>
+              </a:ext>
+            </a:extLst>
+          </p:cNvPr>
+          <p:cNvCxnSpPr>
+            <a:cxnSpLocks/>
+          </p:cNvCxnSpPr>
+          <p:nvPr/>
+        </p:nvCxnSpPr>
+        <p:spPr>
+          <a:xfrm>
+            <a:off x="2154832" y="1518164"/>
+            <a:ext cx="2230022" cy="0"/>
+          </a:xfrm>
+          <a:prstGeom prst="straightConnector1">
+            <a:avLst/>
+          </a:prstGeom>
+          <a:ln>
+            <a:tailEnd type="triangle"/>
+          </a:ln>
+        </p:spPr>
+        <p:style>
+          <a:lnRef idx="1">
+            <a:schemeClr val="accent1"/>
+          </a:lnRef>
+          <a:fillRef idx="0">
+            <a:schemeClr val="accent1"/>
+          </a:fillRef>
+          <a:effectRef idx="0">
+            <a:schemeClr val="accent1"/>
+          </a:effectRef>
+          <a:fontRef idx="minor">
+            <a:schemeClr val="tx1"/>
+          </a:fontRef>
+        </p:style>
+      </p:cxnSp>
+      <p:sp>
+        <p:nvSpPr>
+          <p:cNvPr id="10" name="TextBox 9">
+            <a:extLst>
+              <a:ext uri="{FF2B5EF4-FFF2-40B4-BE49-F238E27FC236}">
+                <a16:creationId xmlns:a16="http://schemas.microsoft.com/office/drawing/2014/main" id="{0DC9EF85-EA38-417E-905D-315A056020E1}"/>
+              </a:ext>
+            </a:extLst>
+          </p:cNvPr>
+          <p:cNvSpPr txBox="1"/>
+          <p:nvPr/>
+        </p:nvSpPr>
+        <p:spPr>
+          <a:xfrm>
+            <a:off x="3028489" y="1265501"/>
+            <a:ext cx="985926" cy="307777"/>
+          </a:xfrm>
+          <a:prstGeom prst="rect">
+            <a:avLst/>
+          </a:prstGeom>
+          <a:noFill/>
+        </p:spPr>
+        <p:txBody>
+          <a:bodyPr wrap="square" rtlCol="0">
+            <a:spAutoFit/>
+          </a:bodyPr>
+          <a:lstStyle/>
+          <a:p>
+            <a:r>
+              <a:rPr lang="en-SG" sz="1400" b="1" dirty="0">
+                <a:solidFill>
+                  <a:srgbClr val="00B050"/>
+                </a:solidFill>
+              </a:rPr>
+              <a:t>5G</a:t>
+            </a:r>
+          </a:p>
+        </p:txBody>
+      </p:sp>
+    </p:spTree>
+    <p:extLst>
+      <p:ext uri="{BB962C8B-B14F-4D97-AF65-F5344CB8AC3E}">
+        <p14:creationId xmlns:p14="http://schemas.microsoft.com/office/powerpoint/2010/main" val="2439899165"/>
+      </p:ext>
+    </p:extLst>
+  </p:cSld>
+  <p:clrMapOvr>
+    <a:masterClrMapping/>
+  </p:clrMapOvr>
+</p:sld>
+</file>
+
 <file path=ppt/theme/theme1.xml><?xml version="1.0" encoding="utf-8"?>
 <a:theme xmlns:a="http://schemas.openxmlformats.org/drawingml/2006/main" name="Office Theme">
   <a:themeElements>

--- a/videoSrc/videoDiagram.pptx
+++ b/videoSrc/videoDiagram.pptx
@@ -4,13 +4,17 @@
   <p:sldMasterIdLst>
     <p:sldMasterId id="2147483648" r:id="rId1"/>
   </p:sldMasterIdLst>
+  <p:notesMasterIdLst>
+    <p:notesMasterId r:id="rId9"/>
+  </p:notesMasterIdLst>
   <p:sldIdLst>
     <p:sldId id="256" r:id="rId2"/>
     <p:sldId id="257" r:id="rId3"/>
-    <p:sldId id="258" r:id="rId4"/>
-    <p:sldId id="259" r:id="rId5"/>
-    <p:sldId id="260" r:id="rId6"/>
-    <p:sldId id="261" r:id="rId7"/>
+    <p:sldId id="263" r:id="rId4"/>
+    <p:sldId id="258" r:id="rId5"/>
+    <p:sldId id="259" r:id="rId6"/>
+    <p:sldId id="260" r:id="rId7"/>
+    <p:sldId id="261" r:id="rId8"/>
   </p:sldIdLst>
   <p:sldSz cx="12192000" cy="6858000"/>
   <p:notesSz cx="6858000" cy="9144000"/>
@@ -117,6 +121,466 @@
 </p:presentation>
 </file>
 
+<file path=ppt/commentAuthors.xml><?xml version="1.0" encoding="utf-8"?>
+<p:cmAuthorLst xmlns:a="http://schemas.openxmlformats.org/drawingml/2006/main" xmlns:r="http://schemas.openxmlformats.org/officeDocument/2006/relationships" xmlns:p="http://schemas.openxmlformats.org/presentationml/2006/main">
+  <p:cmAuthor id="1" name="Liu yuancheng" initials="Ly" lastIdx="1" clrIdx="0">
+    <p:extLst>
+      <p:ext uri="{19B8F6BF-5375-455C-9EA6-DF929625EA0E}">
+        <p15:presenceInfo xmlns:p15="http://schemas.microsoft.com/office/powerpoint/2012/main" userId="a88c2a71e4c9a4cb" providerId="Windows Live"/>
+      </p:ext>
+    </p:extLst>
+  </p:cmAuthor>
+</p:cmAuthorLst>
+</file>
+
+<file path=ppt/comments/comment1.xml><?xml version="1.0" encoding="utf-8"?>
+<p:cmLst xmlns:a="http://schemas.openxmlformats.org/drawingml/2006/main" xmlns:r="http://schemas.openxmlformats.org/officeDocument/2006/relationships" xmlns:p="http://schemas.openxmlformats.org/presentationml/2006/main">
+  <p:cm authorId="1" dt="2021-06-14T21:13:28.174" idx="1">
+    <p:pos x="10" y="10"/>
+    <p:text/>
+    <p:extLst>
+      <p:ext uri="{C676402C-5697-4E1C-873F-D02D1690AC5C}">
+        <p15:threadingInfo xmlns:p15="http://schemas.microsoft.com/office/powerpoint/2012/main" timeZoneBias="-480"/>
+      </p:ext>
+    </p:extLst>
+  </p:cm>
+</p:cmLst>
+</file>
+
+<file path=ppt/notesMasters/notesMaster1.xml><?xml version="1.0" encoding="utf-8"?>
+<p:notesMaster xmlns:a="http://schemas.openxmlformats.org/drawingml/2006/main" xmlns:r="http://schemas.openxmlformats.org/officeDocument/2006/relationships" xmlns:p="http://schemas.openxmlformats.org/presentationml/2006/main">
+  <p:cSld>
+    <p:bg>
+      <p:bgRef idx="1001">
+        <a:schemeClr val="bg1"/>
+      </p:bgRef>
+    </p:bg>
+    <p:spTree>
+      <p:nvGrpSpPr>
+        <p:cNvPr id="1" name=""/>
+        <p:cNvGrpSpPr/>
+        <p:nvPr/>
+      </p:nvGrpSpPr>
+      <p:grpSpPr>
+        <a:xfrm>
+          <a:off x="0" y="0"/>
+          <a:ext cx="0" cy="0"/>
+          <a:chOff x="0" y="0"/>
+          <a:chExt cx="0" cy="0"/>
+        </a:xfrm>
+      </p:grpSpPr>
+      <p:sp>
+        <p:nvSpPr>
+          <p:cNvPr id="2" name="Header Placeholder 1"/>
+          <p:cNvSpPr>
+            <a:spLocks noGrp="1"/>
+          </p:cNvSpPr>
+          <p:nvPr>
+            <p:ph type="hdr" sz="quarter"/>
+          </p:nvPr>
+        </p:nvSpPr>
+        <p:spPr>
+          <a:xfrm>
+            <a:off x="0" y="0"/>
+            <a:ext cx="2971800" cy="458788"/>
+          </a:xfrm>
+          <a:prstGeom prst="rect">
+            <a:avLst/>
+          </a:prstGeom>
+        </p:spPr>
+        <p:txBody>
+          <a:bodyPr vert="horz" lIns="91440" tIns="45720" rIns="91440" bIns="45720" rtlCol="0"/>
+          <a:lstStyle>
+            <a:lvl1pPr algn="l">
+              <a:defRPr sz="1200"/>
+            </a:lvl1pPr>
+          </a:lstStyle>
+          <a:p>
+            <a:endParaRPr lang="en-SG"/>
+          </a:p>
+        </p:txBody>
+      </p:sp>
+      <p:sp>
+        <p:nvSpPr>
+          <p:cNvPr id="3" name="Date Placeholder 2"/>
+          <p:cNvSpPr>
+            <a:spLocks noGrp="1"/>
+          </p:cNvSpPr>
+          <p:nvPr>
+            <p:ph type="dt" idx="1"/>
+          </p:nvPr>
+        </p:nvSpPr>
+        <p:spPr>
+          <a:xfrm>
+            <a:off x="3884613" y="0"/>
+            <a:ext cx="2971800" cy="458788"/>
+          </a:xfrm>
+          <a:prstGeom prst="rect">
+            <a:avLst/>
+          </a:prstGeom>
+        </p:spPr>
+        <p:txBody>
+          <a:bodyPr vert="horz" lIns="91440" tIns="45720" rIns="91440" bIns="45720" rtlCol="0"/>
+          <a:lstStyle>
+            <a:lvl1pPr algn="r">
+              <a:defRPr sz="1200"/>
+            </a:lvl1pPr>
+          </a:lstStyle>
+          <a:p>
+            <a:fld id="{DA29B1D1-0F16-46E5-9DC2-1B3330132891}" type="datetimeFigureOut">
+              <a:rPr lang="en-SG" smtClean="0"/>
+              <a:t>14/6/2021</a:t>
+            </a:fld>
+            <a:endParaRPr lang="en-SG"/>
+          </a:p>
+        </p:txBody>
+      </p:sp>
+      <p:sp>
+        <p:nvSpPr>
+          <p:cNvPr id="4" name="Slide Image Placeholder 3"/>
+          <p:cNvSpPr>
+            <a:spLocks noGrp="1" noRot="1" noChangeAspect="1"/>
+          </p:cNvSpPr>
+          <p:nvPr>
+            <p:ph type="sldImg" idx="2"/>
+          </p:nvPr>
+        </p:nvSpPr>
+        <p:spPr>
+          <a:xfrm>
+            <a:off x="685800" y="1143000"/>
+            <a:ext cx="5486400" cy="3086100"/>
+          </a:xfrm>
+          <a:prstGeom prst="rect">
+            <a:avLst/>
+          </a:prstGeom>
+          <a:noFill/>
+          <a:ln w="12700">
+            <a:solidFill>
+              <a:prstClr val="black"/>
+            </a:solidFill>
+          </a:ln>
+        </p:spPr>
+        <p:txBody>
+          <a:bodyPr vert="horz" lIns="91440" tIns="45720" rIns="91440" bIns="45720" rtlCol="0" anchor="ctr"/>
+          <a:lstStyle/>
+          <a:p>
+            <a:endParaRPr lang="en-SG"/>
+          </a:p>
+        </p:txBody>
+      </p:sp>
+      <p:sp>
+        <p:nvSpPr>
+          <p:cNvPr id="5" name="Notes Placeholder 4"/>
+          <p:cNvSpPr>
+            <a:spLocks noGrp="1"/>
+          </p:cNvSpPr>
+          <p:nvPr>
+            <p:ph type="body" sz="quarter" idx="3"/>
+          </p:nvPr>
+        </p:nvSpPr>
+        <p:spPr>
+          <a:xfrm>
+            <a:off x="685800" y="4400550"/>
+            <a:ext cx="5486400" cy="3600450"/>
+          </a:xfrm>
+          <a:prstGeom prst="rect">
+            <a:avLst/>
+          </a:prstGeom>
+        </p:spPr>
+        <p:txBody>
+          <a:bodyPr vert="horz" lIns="91440" tIns="45720" rIns="91440" bIns="45720" rtlCol="0"/>
+          <a:lstStyle/>
+          <a:p>
+            <a:pPr lvl="0"/>
+            <a:r>
+              <a:rPr lang="en-US"/>
+              <a:t>Click to edit Master text styles</a:t>
+            </a:r>
+          </a:p>
+          <a:p>
+            <a:pPr lvl="1"/>
+            <a:r>
+              <a:rPr lang="en-US"/>
+              <a:t>Second level</a:t>
+            </a:r>
+          </a:p>
+          <a:p>
+            <a:pPr lvl="2"/>
+            <a:r>
+              <a:rPr lang="en-US"/>
+              <a:t>Third level</a:t>
+            </a:r>
+          </a:p>
+          <a:p>
+            <a:pPr lvl="3"/>
+            <a:r>
+              <a:rPr lang="en-US"/>
+              <a:t>Fourth level</a:t>
+            </a:r>
+          </a:p>
+          <a:p>
+            <a:pPr lvl="4"/>
+            <a:r>
+              <a:rPr lang="en-US"/>
+              <a:t>Fifth level</a:t>
+            </a:r>
+            <a:endParaRPr lang="en-SG"/>
+          </a:p>
+        </p:txBody>
+      </p:sp>
+      <p:sp>
+        <p:nvSpPr>
+          <p:cNvPr id="6" name="Footer Placeholder 5"/>
+          <p:cNvSpPr>
+            <a:spLocks noGrp="1"/>
+          </p:cNvSpPr>
+          <p:nvPr>
+            <p:ph type="ftr" sz="quarter" idx="4"/>
+          </p:nvPr>
+        </p:nvSpPr>
+        <p:spPr>
+          <a:xfrm>
+            <a:off x="0" y="8685213"/>
+            <a:ext cx="2971800" cy="458787"/>
+          </a:xfrm>
+          <a:prstGeom prst="rect">
+            <a:avLst/>
+          </a:prstGeom>
+        </p:spPr>
+        <p:txBody>
+          <a:bodyPr vert="horz" lIns="91440" tIns="45720" rIns="91440" bIns="45720" rtlCol="0" anchor="b"/>
+          <a:lstStyle>
+            <a:lvl1pPr algn="l">
+              <a:defRPr sz="1200"/>
+            </a:lvl1pPr>
+          </a:lstStyle>
+          <a:p>
+            <a:endParaRPr lang="en-SG"/>
+          </a:p>
+        </p:txBody>
+      </p:sp>
+      <p:sp>
+        <p:nvSpPr>
+          <p:cNvPr id="7" name="Slide Number Placeholder 6"/>
+          <p:cNvSpPr>
+            <a:spLocks noGrp="1"/>
+          </p:cNvSpPr>
+          <p:nvPr>
+            <p:ph type="sldNum" sz="quarter" idx="5"/>
+          </p:nvPr>
+        </p:nvSpPr>
+        <p:spPr>
+          <a:xfrm>
+            <a:off x="3884613" y="8685213"/>
+            <a:ext cx="2971800" cy="458787"/>
+          </a:xfrm>
+          <a:prstGeom prst="rect">
+            <a:avLst/>
+          </a:prstGeom>
+        </p:spPr>
+        <p:txBody>
+          <a:bodyPr vert="horz" lIns="91440" tIns="45720" rIns="91440" bIns="45720" rtlCol="0" anchor="b"/>
+          <a:lstStyle>
+            <a:lvl1pPr algn="r">
+              <a:defRPr sz="1200"/>
+            </a:lvl1pPr>
+          </a:lstStyle>
+          <a:p>
+            <a:fld id="{535974CF-B249-4760-8C80-7906B8C4BD28}" type="slidenum">
+              <a:rPr lang="en-SG" smtClean="0"/>
+              <a:t>‹#›</a:t>
+            </a:fld>
+            <a:endParaRPr lang="en-SG"/>
+          </a:p>
+        </p:txBody>
+      </p:sp>
+    </p:spTree>
+    <p:extLst>
+      <p:ext uri="{BB962C8B-B14F-4D97-AF65-F5344CB8AC3E}">
+        <p14:creationId xmlns:p14="http://schemas.microsoft.com/office/powerpoint/2010/main" val="2835078917"/>
+      </p:ext>
+    </p:extLst>
+  </p:cSld>
+  <p:clrMap bg1="lt1" tx1="dk1" bg2="lt2" tx2="dk2" accent1="accent1" accent2="accent2" accent3="accent3" accent4="accent4" accent5="accent5" accent6="accent6" hlink="hlink" folHlink="folHlink"/>
+  <p:notesStyle>
+    <a:lvl1pPr marL="0" algn="l" defTabSz="914400" rtl="0" eaLnBrk="1" latinLnBrk="0" hangingPunct="1">
+      <a:defRPr sz="1200" kern="1200">
+        <a:solidFill>
+          <a:schemeClr val="tx1"/>
+        </a:solidFill>
+        <a:latin typeface="+mn-lt"/>
+        <a:ea typeface="+mn-ea"/>
+        <a:cs typeface="+mn-cs"/>
+      </a:defRPr>
+    </a:lvl1pPr>
+    <a:lvl2pPr marL="457200" algn="l" defTabSz="914400" rtl="0" eaLnBrk="1" latinLnBrk="0" hangingPunct="1">
+      <a:defRPr sz="1200" kern="1200">
+        <a:solidFill>
+          <a:schemeClr val="tx1"/>
+        </a:solidFill>
+        <a:latin typeface="+mn-lt"/>
+        <a:ea typeface="+mn-ea"/>
+        <a:cs typeface="+mn-cs"/>
+      </a:defRPr>
+    </a:lvl2pPr>
+    <a:lvl3pPr marL="914400" algn="l" defTabSz="914400" rtl="0" eaLnBrk="1" latinLnBrk="0" hangingPunct="1">
+      <a:defRPr sz="1200" kern="1200">
+        <a:solidFill>
+          <a:schemeClr val="tx1"/>
+        </a:solidFill>
+        <a:latin typeface="+mn-lt"/>
+        <a:ea typeface="+mn-ea"/>
+        <a:cs typeface="+mn-cs"/>
+      </a:defRPr>
+    </a:lvl3pPr>
+    <a:lvl4pPr marL="1371600" algn="l" defTabSz="914400" rtl="0" eaLnBrk="1" latinLnBrk="0" hangingPunct="1">
+      <a:defRPr sz="1200" kern="1200">
+        <a:solidFill>
+          <a:schemeClr val="tx1"/>
+        </a:solidFill>
+        <a:latin typeface="+mn-lt"/>
+        <a:ea typeface="+mn-ea"/>
+        <a:cs typeface="+mn-cs"/>
+      </a:defRPr>
+    </a:lvl4pPr>
+    <a:lvl5pPr marL="1828800" algn="l" defTabSz="914400" rtl="0" eaLnBrk="1" latinLnBrk="0" hangingPunct="1">
+      <a:defRPr sz="1200" kern="1200">
+        <a:solidFill>
+          <a:schemeClr val="tx1"/>
+        </a:solidFill>
+        <a:latin typeface="+mn-lt"/>
+        <a:ea typeface="+mn-ea"/>
+        <a:cs typeface="+mn-cs"/>
+      </a:defRPr>
+    </a:lvl5pPr>
+    <a:lvl6pPr marL="2286000" algn="l" defTabSz="914400" rtl="0" eaLnBrk="1" latinLnBrk="0" hangingPunct="1">
+      <a:defRPr sz="1200" kern="1200">
+        <a:solidFill>
+          <a:schemeClr val="tx1"/>
+        </a:solidFill>
+        <a:latin typeface="+mn-lt"/>
+        <a:ea typeface="+mn-ea"/>
+        <a:cs typeface="+mn-cs"/>
+      </a:defRPr>
+    </a:lvl6pPr>
+    <a:lvl7pPr marL="2743200" algn="l" defTabSz="914400" rtl="0" eaLnBrk="1" latinLnBrk="0" hangingPunct="1">
+      <a:defRPr sz="1200" kern="1200">
+        <a:solidFill>
+          <a:schemeClr val="tx1"/>
+        </a:solidFill>
+        <a:latin typeface="+mn-lt"/>
+        <a:ea typeface="+mn-ea"/>
+        <a:cs typeface="+mn-cs"/>
+      </a:defRPr>
+    </a:lvl7pPr>
+    <a:lvl8pPr marL="3200400" algn="l" defTabSz="914400" rtl="0" eaLnBrk="1" latinLnBrk="0" hangingPunct="1">
+      <a:defRPr sz="1200" kern="1200">
+        <a:solidFill>
+          <a:schemeClr val="tx1"/>
+        </a:solidFill>
+        <a:latin typeface="+mn-lt"/>
+        <a:ea typeface="+mn-ea"/>
+        <a:cs typeface="+mn-cs"/>
+      </a:defRPr>
+    </a:lvl8pPr>
+    <a:lvl9pPr marL="3657600" algn="l" defTabSz="914400" rtl="0" eaLnBrk="1" latinLnBrk="0" hangingPunct="1">
+      <a:defRPr sz="1200" kern="1200">
+        <a:solidFill>
+          <a:schemeClr val="tx1"/>
+        </a:solidFill>
+        <a:latin typeface="+mn-lt"/>
+        <a:ea typeface="+mn-ea"/>
+        <a:cs typeface="+mn-cs"/>
+      </a:defRPr>
+    </a:lvl9pPr>
+  </p:notesStyle>
+</p:notesMaster>
+</file>
+
+<file path=ppt/notesSlides/notesSlide1.xml><?xml version="1.0" encoding="utf-8"?>
+<p:notes xmlns:a="http://schemas.openxmlformats.org/drawingml/2006/main" xmlns:r="http://schemas.openxmlformats.org/officeDocument/2006/relationships" xmlns:p="http://schemas.openxmlformats.org/presentationml/2006/main">
+  <p:cSld>
+    <p:spTree>
+      <p:nvGrpSpPr>
+        <p:cNvPr id="1" name=""/>
+        <p:cNvGrpSpPr/>
+        <p:nvPr/>
+      </p:nvGrpSpPr>
+      <p:grpSpPr>
+        <a:xfrm>
+          <a:off x="0" y="0"/>
+          <a:ext cx="0" cy="0"/>
+          <a:chOff x="0" y="0"/>
+          <a:chExt cx="0" cy="0"/>
+        </a:xfrm>
+      </p:grpSpPr>
+      <p:sp>
+        <p:nvSpPr>
+          <p:cNvPr id="2" name="Slide Image Placeholder 1"/>
+          <p:cNvSpPr>
+            <a:spLocks noGrp="1" noRot="1" noChangeAspect="1"/>
+          </p:cNvSpPr>
+          <p:nvPr>
+            <p:ph type="sldImg"/>
+          </p:nvPr>
+        </p:nvSpPr>
+        <p:spPr/>
+      </p:sp>
+      <p:sp>
+        <p:nvSpPr>
+          <p:cNvPr id="3" name="Notes Placeholder 2"/>
+          <p:cNvSpPr>
+            <a:spLocks noGrp="1"/>
+          </p:cNvSpPr>
+          <p:nvPr>
+            <p:ph type="body" idx="1"/>
+          </p:nvPr>
+        </p:nvSpPr>
+        <p:spPr/>
+        <p:txBody>
+          <a:bodyPr/>
+          <a:lstStyle/>
+          <a:p>
+            <a:endParaRPr lang="en-SG" dirty="0"/>
+          </a:p>
+        </p:txBody>
+      </p:sp>
+      <p:sp>
+        <p:nvSpPr>
+          <p:cNvPr id="4" name="Slide Number Placeholder 3"/>
+          <p:cNvSpPr>
+            <a:spLocks noGrp="1"/>
+          </p:cNvSpPr>
+          <p:nvPr>
+            <p:ph type="sldNum" sz="quarter" idx="5"/>
+          </p:nvPr>
+        </p:nvSpPr>
+        <p:spPr/>
+        <p:txBody>
+          <a:bodyPr/>
+          <a:lstStyle/>
+          <a:p>
+            <a:fld id="{535974CF-B249-4760-8C80-7906B8C4BD28}" type="slidenum">
+              <a:rPr lang="en-SG" smtClean="0"/>
+              <a:t>1</a:t>
+            </a:fld>
+            <a:endParaRPr lang="en-SG"/>
+          </a:p>
+        </p:txBody>
+      </p:sp>
+    </p:spTree>
+    <p:extLst>
+      <p:ext uri="{BB962C8B-B14F-4D97-AF65-F5344CB8AC3E}">
+        <p14:creationId xmlns:p14="http://schemas.microsoft.com/office/powerpoint/2010/main" val="47681162"/>
+      </p:ext>
+    </p:extLst>
+  </p:cSld>
+  <p:clrMapOvr>
+    <a:masterClrMapping/>
+  </p:clrMapOvr>
+</p:notes>
+</file>
+
 <file path=ppt/slideLayouts/slideLayout1.xml><?xml version="1.0" encoding="utf-8"?>
 <p:sldLayout xmlns:a="http://schemas.openxmlformats.org/drawingml/2006/main" xmlns:r="http://schemas.openxmlformats.org/officeDocument/2006/relationships" xmlns:p="http://schemas.openxmlformats.org/presentationml/2006/main" type="title" preserve="1">
   <p:cSld name="Title Slide">
@@ -266,7 +730,7 @@
           <a:p>
             <a:fld id="{BA645228-5478-4BEB-89AA-4F24018458AD}" type="datetimeFigureOut">
               <a:rPr lang="en-SG" smtClean="0"/>
-              <a:t>15/3/2021</a:t>
+              <a:t>14/6/2021</a:t>
             </a:fld>
             <a:endParaRPr lang="en-SG"/>
           </a:p>
@@ -466,7 +930,7 @@
           <a:p>
             <a:fld id="{BA645228-5478-4BEB-89AA-4F24018458AD}" type="datetimeFigureOut">
               <a:rPr lang="en-SG" smtClean="0"/>
-              <a:t>15/3/2021</a:t>
+              <a:t>14/6/2021</a:t>
             </a:fld>
             <a:endParaRPr lang="en-SG"/>
           </a:p>
@@ -676,7 +1140,7 @@
           <a:p>
             <a:fld id="{BA645228-5478-4BEB-89AA-4F24018458AD}" type="datetimeFigureOut">
               <a:rPr lang="en-SG" smtClean="0"/>
-              <a:t>15/3/2021</a:t>
+              <a:t>14/6/2021</a:t>
             </a:fld>
             <a:endParaRPr lang="en-SG"/>
           </a:p>
@@ -876,7 +1340,7 @@
           <a:p>
             <a:fld id="{BA645228-5478-4BEB-89AA-4F24018458AD}" type="datetimeFigureOut">
               <a:rPr lang="en-SG" smtClean="0"/>
-              <a:t>15/3/2021</a:t>
+              <a:t>14/6/2021</a:t>
             </a:fld>
             <a:endParaRPr lang="en-SG"/>
           </a:p>
@@ -1152,7 +1616,7 @@
           <a:p>
             <a:fld id="{BA645228-5478-4BEB-89AA-4F24018458AD}" type="datetimeFigureOut">
               <a:rPr lang="en-SG" smtClean="0"/>
-              <a:t>15/3/2021</a:t>
+              <a:t>14/6/2021</a:t>
             </a:fld>
             <a:endParaRPr lang="en-SG"/>
           </a:p>
@@ -1420,7 +1884,7 @@
           <a:p>
             <a:fld id="{BA645228-5478-4BEB-89AA-4F24018458AD}" type="datetimeFigureOut">
               <a:rPr lang="en-SG" smtClean="0"/>
-              <a:t>15/3/2021</a:t>
+              <a:t>14/6/2021</a:t>
             </a:fld>
             <a:endParaRPr lang="en-SG"/>
           </a:p>
@@ -1835,7 +2299,7 @@
           <a:p>
             <a:fld id="{BA645228-5478-4BEB-89AA-4F24018458AD}" type="datetimeFigureOut">
               <a:rPr lang="en-SG" smtClean="0"/>
-              <a:t>15/3/2021</a:t>
+              <a:t>14/6/2021</a:t>
             </a:fld>
             <a:endParaRPr lang="en-SG"/>
           </a:p>
@@ -1977,7 +2441,7 @@
           <a:p>
             <a:fld id="{BA645228-5478-4BEB-89AA-4F24018458AD}" type="datetimeFigureOut">
               <a:rPr lang="en-SG" smtClean="0"/>
-              <a:t>15/3/2021</a:t>
+              <a:t>14/6/2021</a:t>
             </a:fld>
             <a:endParaRPr lang="en-SG"/>
           </a:p>
@@ -2090,7 +2554,7 @@
           <a:p>
             <a:fld id="{BA645228-5478-4BEB-89AA-4F24018458AD}" type="datetimeFigureOut">
               <a:rPr lang="en-SG" smtClean="0"/>
-              <a:t>15/3/2021</a:t>
+              <a:t>14/6/2021</a:t>
             </a:fld>
             <a:endParaRPr lang="en-SG"/>
           </a:p>
@@ -2403,7 +2867,7 @@
           <a:p>
             <a:fld id="{BA645228-5478-4BEB-89AA-4F24018458AD}" type="datetimeFigureOut">
               <a:rPr lang="en-SG" smtClean="0"/>
-              <a:t>15/3/2021</a:t>
+              <a:t>14/6/2021</a:t>
             </a:fld>
             <a:endParaRPr lang="en-SG"/>
           </a:p>
@@ -2692,7 +3156,7 @@
           <a:p>
             <a:fld id="{BA645228-5478-4BEB-89AA-4F24018458AD}" type="datetimeFigureOut">
               <a:rPr lang="en-SG" smtClean="0"/>
-              <a:t>15/3/2021</a:t>
+              <a:t>14/6/2021</a:t>
             </a:fld>
             <a:endParaRPr lang="en-SG"/>
           </a:p>
@@ -2935,7 +3399,7 @@
           <a:p>
             <a:fld id="{BA645228-5478-4BEB-89AA-4F24018458AD}" type="datetimeFigureOut">
               <a:rPr lang="en-SG" smtClean="0"/>
-              <a:t>15/3/2021</a:t>
+              <a:t>14/6/2021</a:t>
             </a:fld>
             <a:endParaRPr lang="en-SG"/>
           </a:p>
@@ -3354,67 +3818,32 @@
       </p:grpSpPr>
       <p:sp>
         <p:nvSpPr>
-          <p:cNvPr id="4" name="TextBox 3">
-            <a:extLst>
-              <a:ext uri="{FF2B5EF4-FFF2-40B4-BE49-F238E27FC236}">
-                <a16:creationId xmlns:a16="http://schemas.microsoft.com/office/drawing/2014/main" id="{1921C045-D1E4-41DF-A301-DACBDC389B34}"/>
-              </a:ext>
-            </a:extLst>
-          </p:cNvPr>
-          <p:cNvSpPr txBox="1"/>
-          <p:nvPr/>
-        </p:nvSpPr>
-        <p:spPr>
-          <a:xfrm>
-            <a:off x="278674" y="444706"/>
-            <a:ext cx="2274836" cy="369332"/>
+          <p:cNvPr id="7" name="Rectangle 6">
+            <a:extLst>
+              <a:ext uri="{FF2B5EF4-FFF2-40B4-BE49-F238E27FC236}">
+                <a16:creationId xmlns:a16="http://schemas.microsoft.com/office/drawing/2014/main" id="{B8E684BB-5C91-4BCF-8643-43230141762B}"/>
+              </a:ext>
+            </a:extLst>
+          </p:cNvPr>
+          <p:cNvSpPr/>
+          <p:nvPr/>
+        </p:nvSpPr>
+        <p:spPr>
+          <a:xfrm>
+            <a:off x="6096001" y="1402201"/>
+            <a:ext cx="2091526" cy="2460669"/>
           </a:xfrm>
           <a:prstGeom prst="rect">
             <a:avLst/>
           </a:prstGeom>
-          <a:noFill/>
-        </p:spPr>
-        <p:txBody>
-          <a:bodyPr wrap="square" rtlCol="0">
-            <a:spAutoFit/>
-          </a:bodyPr>
-          <a:lstStyle/>
-          <a:p>
-            <a:r>
-              <a:rPr lang="en-SG" b="1" dirty="0"/>
-              <a:t>Web Video Host Test </a:t>
-            </a:r>
-          </a:p>
-        </p:txBody>
-      </p:sp>
-      <p:sp>
-        <p:nvSpPr>
-          <p:cNvPr id="5" name="Rectangle 4">
-            <a:extLst>
-              <a:ext uri="{FF2B5EF4-FFF2-40B4-BE49-F238E27FC236}">
-                <a16:creationId xmlns:a16="http://schemas.microsoft.com/office/drawing/2014/main" id="{C46C5062-CB2F-49D1-B387-DDD07A5CFF6D}"/>
-              </a:ext>
-            </a:extLst>
-          </p:cNvPr>
-          <p:cNvSpPr/>
-          <p:nvPr/>
-        </p:nvSpPr>
-        <p:spPr>
-          <a:xfrm>
-            <a:off x="618972" y="1410622"/>
-            <a:ext cx="2274836" cy="2623496"/>
-          </a:xfrm>
-          <a:prstGeom prst="rect">
-            <a:avLst/>
-          </a:prstGeom>
-          <a:ln w="3175">
+          <a:ln w="19050">
             <a:solidFill>
               <a:schemeClr val="tx1">
                 <a:lumMod val="50000"/>
                 <a:lumOff val="50000"/>
               </a:schemeClr>
             </a:solidFill>
-            <a:prstDash val="dash"/>
+            <a:prstDash val="sysDash"/>
           </a:ln>
         </p:spPr>
         <p:style>
@@ -3442,83 +3871,25 @@
       </p:sp>
       <p:sp>
         <p:nvSpPr>
-          <p:cNvPr id="6" name="TextBox 5">
-            <a:extLst>
-              <a:ext uri="{FF2B5EF4-FFF2-40B4-BE49-F238E27FC236}">
-                <a16:creationId xmlns:a16="http://schemas.microsoft.com/office/drawing/2014/main" id="{2FC642BF-2744-453D-8BB8-8AF4451CEBB5}"/>
-              </a:ext>
-            </a:extLst>
-          </p:cNvPr>
-          <p:cNvSpPr txBox="1"/>
-          <p:nvPr/>
-        </p:nvSpPr>
-        <p:spPr>
-          <a:xfrm>
-            <a:off x="618971" y="1301596"/>
-            <a:ext cx="1080738" cy="260599"/>
+          <p:cNvPr id="32" name="Rectangle 31">
+            <a:extLst>
+              <a:ext uri="{FF2B5EF4-FFF2-40B4-BE49-F238E27FC236}">
+                <a16:creationId xmlns:a16="http://schemas.microsoft.com/office/drawing/2014/main" id="{C836478F-9956-4D48-90B8-5741FA1FED76}"/>
+              </a:ext>
+            </a:extLst>
+          </p:cNvPr>
+          <p:cNvSpPr/>
+          <p:nvPr/>
+        </p:nvSpPr>
+        <p:spPr>
+          <a:xfrm>
+            <a:off x="5971539" y="2025699"/>
+            <a:ext cx="323566" cy="1209697"/>
           </a:xfrm>
           <a:prstGeom prst="rect">
             <a:avLst/>
           </a:prstGeom>
-          <a:solidFill>
-            <a:schemeClr val="bg1"/>
-          </a:solidFill>
-          <a:ln w="3175">
-            <a:solidFill>
-              <a:schemeClr val="tx1"/>
-            </a:solidFill>
-          </a:ln>
-        </p:spPr>
-        <p:txBody>
-          <a:bodyPr wrap="square" lIns="36000" tIns="36000" rIns="36000" bIns="36000" rtlCol="0">
-            <a:noAutofit/>
-          </a:bodyPr>
-          <a:lstStyle/>
-          <a:p>
-            <a:r>
-              <a:rPr lang="en-SG" sz="1000" b="1" dirty="0"/>
-              <a:t>AYE </a:t>
-            </a:r>
-            <a:r>
-              <a:rPr lang="en-SG" sz="1000" b="1" dirty="0" err="1"/>
-              <a:t>NoteBook</a:t>
-            </a:r>
-            <a:r>
-              <a:rPr lang="en-SG" sz="1000" b="1" dirty="0"/>
-              <a:t> </a:t>
-            </a:r>
-          </a:p>
-        </p:txBody>
-      </p:sp>
-      <p:sp>
-        <p:nvSpPr>
-          <p:cNvPr id="7" name="Rectangle 6">
-            <a:extLst>
-              <a:ext uri="{FF2B5EF4-FFF2-40B4-BE49-F238E27FC236}">
-                <a16:creationId xmlns:a16="http://schemas.microsoft.com/office/drawing/2014/main" id="{B8E684BB-5C91-4BCF-8643-43230141762B}"/>
-              </a:ext>
-            </a:extLst>
-          </p:cNvPr>
-          <p:cNvSpPr/>
-          <p:nvPr/>
-        </p:nvSpPr>
-        <p:spPr>
-          <a:xfrm>
-            <a:off x="6096001" y="1402201"/>
-            <a:ext cx="2274836" cy="2623496"/>
-          </a:xfrm>
-          <a:prstGeom prst="rect">
-            <a:avLst/>
-          </a:prstGeom>
-          <a:ln w="3175">
-            <a:solidFill>
-              <a:schemeClr val="tx1">
-                <a:lumMod val="50000"/>
-                <a:lumOff val="50000"/>
-              </a:schemeClr>
-            </a:solidFill>
-            <a:prstDash val="dash"/>
-          </a:ln>
+          <a:ln w="38100"/>
         </p:spPr>
         <p:style>
           <a:lnRef idx="2">
@@ -3545,10 +3916,108 @@
       </p:sp>
       <p:sp>
         <p:nvSpPr>
-          <p:cNvPr id="8" name="TextBox 7">
-            <a:extLst>
-              <a:ext uri="{FF2B5EF4-FFF2-40B4-BE49-F238E27FC236}">
-                <a16:creationId xmlns:a16="http://schemas.microsoft.com/office/drawing/2014/main" id="{59F5DCB7-7B11-459B-A90E-DFB38C311F4C}"/>
+          <p:cNvPr id="5" name="Rectangle 4">
+            <a:extLst>
+              <a:ext uri="{FF2B5EF4-FFF2-40B4-BE49-F238E27FC236}">
+                <a16:creationId xmlns:a16="http://schemas.microsoft.com/office/drawing/2014/main" id="{C46C5062-CB2F-49D1-B387-DDD07A5CFF6D}"/>
+              </a:ext>
+            </a:extLst>
+          </p:cNvPr>
+          <p:cNvSpPr/>
+          <p:nvPr/>
+        </p:nvSpPr>
+        <p:spPr>
+          <a:xfrm>
+            <a:off x="640416" y="1402201"/>
+            <a:ext cx="2274836" cy="2520870"/>
+          </a:xfrm>
+          <a:prstGeom prst="rect">
+            <a:avLst/>
+          </a:prstGeom>
+          <a:ln w="19050">
+            <a:solidFill>
+              <a:schemeClr val="tx1">
+                <a:lumMod val="50000"/>
+                <a:lumOff val="50000"/>
+              </a:schemeClr>
+            </a:solidFill>
+            <a:prstDash val="sysDash"/>
+          </a:ln>
+        </p:spPr>
+        <p:style>
+          <a:lnRef idx="2">
+            <a:schemeClr val="accent6"/>
+          </a:lnRef>
+          <a:fillRef idx="1">
+            <a:schemeClr val="lt1"/>
+          </a:fillRef>
+          <a:effectRef idx="0">
+            <a:schemeClr val="accent6"/>
+          </a:effectRef>
+          <a:fontRef idx="minor">
+            <a:schemeClr val="dk1"/>
+          </a:fontRef>
+        </p:style>
+        <p:txBody>
+          <a:bodyPr rtlCol="0" anchor="ctr"/>
+          <a:lstStyle/>
+          <a:p>
+            <a:pPr algn="ctr"/>
+            <a:endParaRPr lang="en-SG" dirty="0"/>
+          </a:p>
+        </p:txBody>
+      </p:sp>
+      <p:sp>
+        <p:nvSpPr>
+          <p:cNvPr id="16" name="Rectangle 15">
+            <a:extLst>
+              <a:ext uri="{FF2B5EF4-FFF2-40B4-BE49-F238E27FC236}">
+                <a16:creationId xmlns:a16="http://schemas.microsoft.com/office/drawing/2014/main" id="{77FF9ED9-CBBC-43B2-AC42-2E2EE5E1C68F}"/>
+              </a:ext>
+            </a:extLst>
+          </p:cNvPr>
+          <p:cNvSpPr/>
+          <p:nvPr/>
+        </p:nvSpPr>
+        <p:spPr>
+          <a:xfrm>
+            <a:off x="2718725" y="2047527"/>
+            <a:ext cx="323566" cy="1209697"/>
+          </a:xfrm>
+          <a:prstGeom prst="rect">
+            <a:avLst/>
+          </a:prstGeom>
+          <a:ln w="38100"/>
+        </p:spPr>
+        <p:style>
+          <a:lnRef idx="2">
+            <a:schemeClr val="accent6"/>
+          </a:lnRef>
+          <a:fillRef idx="1">
+            <a:schemeClr val="lt1"/>
+          </a:fillRef>
+          <a:effectRef idx="0">
+            <a:schemeClr val="accent6"/>
+          </a:effectRef>
+          <a:fontRef idx="minor">
+            <a:schemeClr val="dk1"/>
+          </a:fontRef>
+        </p:style>
+        <p:txBody>
+          <a:bodyPr rtlCol="0" anchor="ctr"/>
+          <a:lstStyle/>
+          <a:p>
+            <a:pPr algn="ctr"/>
+            <a:endParaRPr lang="en-SG" dirty="0"/>
+          </a:p>
+        </p:txBody>
+      </p:sp>
+      <p:sp>
+        <p:nvSpPr>
+          <p:cNvPr id="4" name="TextBox 3">
+            <a:extLst>
+              <a:ext uri="{FF2B5EF4-FFF2-40B4-BE49-F238E27FC236}">
+                <a16:creationId xmlns:a16="http://schemas.microsoft.com/office/drawing/2014/main" id="{1921C045-D1E4-41DF-A301-DACBDC389B34}"/>
               </a:ext>
             </a:extLst>
           </p:cNvPr>
@@ -3557,8 +4026,43 @@
         </p:nvSpPr>
         <p:spPr>
           <a:xfrm>
-            <a:off x="6095999" y="1293175"/>
-            <a:ext cx="1333947" cy="260599"/>
+            <a:off x="547139" y="841948"/>
+            <a:ext cx="4164972" cy="369332"/>
+          </a:xfrm>
+          <a:prstGeom prst="rect">
+            <a:avLst/>
+          </a:prstGeom>
+          <a:noFill/>
+        </p:spPr>
+        <p:txBody>
+          <a:bodyPr wrap="square" rtlCol="0">
+            <a:spAutoFit/>
+          </a:bodyPr>
+          <a:lstStyle/>
+          <a:p>
+            <a:r>
+              <a:rPr lang="en-SG" b="1" dirty="0"/>
+              <a:t>Video Web Host Demo (TCP video stream)</a:t>
+            </a:r>
+          </a:p>
+        </p:txBody>
+      </p:sp>
+      <p:sp>
+        <p:nvSpPr>
+          <p:cNvPr id="6" name="TextBox 5">
+            <a:extLst>
+              <a:ext uri="{FF2B5EF4-FFF2-40B4-BE49-F238E27FC236}">
+                <a16:creationId xmlns:a16="http://schemas.microsoft.com/office/drawing/2014/main" id="{2FC642BF-2744-453D-8BB8-8AF4451CEBB5}"/>
+              </a:ext>
+            </a:extLst>
+          </p:cNvPr>
+          <p:cNvSpPr txBox="1"/>
+          <p:nvPr/>
+        </p:nvSpPr>
+        <p:spPr>
+          <a:xfrm>
+            <a:off x="636219" y="1301596"/>
+            <a:ext cx="1915252" cy="260599"/>
           </a:xfrm>
           <a:prstGeom prst="rect">
             <a:avLst/>
@@ -3566,7 +4070,7 @@
           <a:solidFill>
             <a:schemeClr val="bg1"/>
           </a:solidFill>
-          <a:ln w="3175">
+          <a:ln w="19050">
             <a:solidFill>
               <a:schemeClr val="tx1"/>
             </a:solidFill>
@@ -3579,30 +4083,23 @@
           <a:lstStyle/>
           <a:p>
             <a:r>
-              <a:rPr lang="en-SG" sz="1000" b="1" dirty="0" err="1"/>
-              <a:t>Telepark</a:t>
-            </a:r>
-            <a:r>
-              <a:rPr lang="en-SG" sz="1000" b="1" dirty="0"/>
-              <a:t> </a:t>
-            </a:r>
-            <a:r>
-              <a:rPr lang="en-SG" sz="1000" b="1" dirty="0" err="1"/>
-              <a:t>NoteBook</a:t>
-            </a:r>
-            <a:r>
-              <a:rPr lang="en-SG" sz="1000" b="1" dirty="0"/>
-              <a:t> </a:t>
-            </a:r>
-          </a:p>
-        </p:txBody>
-      </p:sp>
-      <p:sp>
-        <p:nvSpPr>
-          <p:cNvPr id="12" name="TextBox 11">
-            <a:extLst>
-              <a:ext uri="{FF2B5EF4-FFF2-40B4-BE49-F238E27FC236}">
-                <a16:creationId xmlns:a16="http://schemas.microsoft.com/office/drawing/2014/main" id="{BEB94DEA-107B-4C2F-9AD2-9D164AF18514}"/>
+              <a:rPr lang="en-US" sz="1100" b="1" dirty="0"/>
+              <a:t>CQT lab laptop in Science (S15</a:t>
+            </a:r>
+            <a:r>
+              <a:rPr lang="en-US" sz="1100" dirty="0"/>
+              <a:t>)</a:t>
+            </a:r>
+            <a:endParaRPr lang="en-SG" sz="1100" b="1" dirty="0"/>
+          </a:p>
+        </p:txBody>
+      </p:sp>
+      <p:sp>
+        <p:nvSpPr>
+          <p:cNvPr id="8" name="TextBox 7">
+            <a:extLst>
+              <a:ext uri="{FF2B5EF4-FFF2-40B4-BE49-F238E27FC236}">
+                <a16:creationId xmlns:a16="http://schemas.microsoft.com/office/drawing/2014/main" id="{59F5DCB7-7B11-459B-A90E-DFB38C311F4C}"/>
               </a:ext>
             </a:extLst>
           </p:cNvPr>
@@ -3611,8 +4108,8 @@
         </p:nvSpPr>
         <p:spPr>
           <a:xfrm>
-            <a:off x="963216" y="1791626"/>
-            <a:ext cx="833312" cy="255901"/>
+            <a:off x="6095999" y="1293175"/>
+            <a:ext cx="1388807" cy="260599"/>
           </a:xfrm>
           <a:prstGeom prst="rect">
             <a:avLst/>
@@ -3620,7 +4117,7 @@
           <a:solidFill>
             <a:schemeClr val="bg1"/>
           </a:solidFill>
-          <a:ln w="3175">
+          <a:ln w="19050">
             <a:solidFill>
               <a:schemeClr val="tx1"/>
             </a:solidFill>
@@ -3633,18 +4130,22 @@
           <a:lstStyle/>
           <a:p>
             <a:r>
-              <a:rPr lang="en-SG" sz="1000" b="1" dirty="0"/>
-              <a:t>videoHost.py</a:t>
-            </a:r>
-          </a:p>
-        </p:txBody>
-      </p:sp>
-      <p:sp>
-        <p:nvSpPr>
-          <p:cNvPr id="13" name="TextBox 12">
-            <a:extLst>
-              <a:ext uri="{FF2B5EF4-FFF2-40B4-BE49-F238E27FC236}">
-                <a16:creationId xmlns:a16="http://schemas.microsoft.com/office/drawing/2014/main" id="{ADBBDE76-012D-4BE9-961D-7E7565B21AD7}"/>
+              <a:rPr lang="en-SG" sz="1100" b="1" dirty="0" err="1"/>
+              <a:t>CorpLab</a:t>
+            </a:r>
+            <a:r>
+              <a:rPr lang="en-SG" sz="1100" b="1" dirty="0"/>
+              <a:t> Laptop in I4.0</a:t>
+            </a:r>
+          </a:p>
+        </p:txBody>
+      </p:sp>
+      <p:sp>
+        <p:nvSpPr>
+          <p:cNvPr id="12" name="TextBox 11">
+            <a:extLst>
+              <a:ext uri="{FF2B5EF4-FFF2-40B4-BE49-F238E27FC236}">
+                <a16:creationId xmlns:a16="http://schemas.microsoft.com/office/drawing/2014/main" id="{BEB94DEA-107B-4C2F-9AD2-9D164AF18514}"/>
               </a:ext>
             </a:extLst>
           </p:cNvPr>
@@ -3653,8 +4154,8 @@
         </p:nvSpPr>
         <p:spPr>
           <a:xfrm>
-            <a:off x="6346316" y="1791625"/>
-            <a:ext cx="1424148" cy="255894"/>
+            <a:off x="899652" y="1791626"/>
+            <a:ext cx="998324" cy="255901"/>
           </a:xfrm>
           <a:prstGeom prst="rect">
             <a:avLst/>
@@ -3662,7 +4163,7 @@
           <a:solidFill>
             <a:schemeClr val="bg1"/>
           </a:solidFill>
-          <a:ln w="3175">
+          <a:ln w="19050">
             <a:solidFill>
               <a:schemeClr val="tx1"/>
             </a:solidFill>
@@ -3676,7 +4177,49 @@
           <a:p>
             <a:r>
               <a:rPr lang="en-SG" sz="1000" b="1" dirty="0"/>
-              <a:t>Google Chrome browser </a:t>
+              <a:t>Video Web Host</a:t>
+            </a:r>
+          </a:p>
+        </p:txBody>
+      </p:sp>
+      <p:sp>
+        <p:nvSpPr>
+          <p:cNvPr id="13" name="TextBox 12">
+            <a:extLst>
+              <a:ext uri="{FF2B5EF4-FFF2-40B4-BE49-F238E27FC236}">
+                <a16:creationId xmlns:a16="http://schemas.microsoft.com/office/drawing/2014/main" id="{ADBBDE76-012D-4BE9-961D-7E7565B21AD7}"/>
+              </a:ext>
+            </a:extLst>
+          </p:cNvPr>
+          <p:cNvSpPr txBox="1"/>
+          <p:nvPr/>
+        </p:nvSpPr>
+        <p:spPr>
+          <a:xfrm>
+            <a:off x="6647214" y="1791633"/>
+            <a:ext cx="898192" cy="255894"/>
+          </a:xfrm>
+          <a:prstGeom prst="rect">
+            <a:avLst/>
+          </a:prstGeom>
+          <a:solidFill>
+            <a:schemeClr val="bg1"/>
+          </a:solidFill>
+          <a:ln w="19050">
+            <a:solidFill>
+              <a:schemeClr val="tx1"/>
+            </a:solidFill>
+          </a:ln>
+        </p:spPr>
+        <p:txBody>
+          <a:bodyPr wrap="square" lIns="36000" tIns="36000" rIns="36000" bIns="36000" rtlCol="0">
+            <a:noAutofit/>
+          </a:bodyPr>
+          <a:lstStyle/>
+          <a:p>
+            <a:r>
+              <a:rPr lang="en-SG" sz="1000" b="1" dirty="0"/>
+              <a:t>Web Browser </a:t>
             </a:r>
           </a:p>
         </p:txBody>
@@ -3737,8 +4280,8 @@
         </p:nvCxnSpPr>
         <p:spPr>
           <a:xfrm>
-            <a:off x="7058390" y="2047519"/>
-            <a:ext cx="0" cy="1381480"/>
+            <a:off x="7096310" y="2047527"/>
+            <a:ext cx="0" cy="1370921"/>
           </a:xfrm>
           <a:prstGeom prst="straightConnector1">
             <a:avLst/>
@@ -3777,7 +4320,7 @@
         <p:spPr>
           <a:xfrm>
             <a:off x="3112710" y="1791625"/>
-            <a:ext cx="2660389" cy="1528390"/>
+            <a:ext cx="2809795" cy="1637374"/>
           </a:xfrm>
           <a:prstGeom prst="leftRightArrow">
             <a:avLst/>
@@ -3829,7 +4372,7 @@
           <p:nvPr/>
         </p:nvPicPr>
         <p:blipFill>
-          <a:blip r:embed="rId2">
+          <a:blip r:embed="rId3">
             <a:extLst>
               <a:ext uri="{28A0092B-C50C-407E-A947-70E740481C1C}">
                 <a14:useLocalDpi xmlns:a14="http://schemas.microsoft.com/office/drawing/2010/main" val="0"/>
@@ -3842,7 +4385,7 @@
         </p:blipFill>
         <p:spPr>
           <a:xfrm>
-            <a:off x="2745324" y="3285578"/>
+            <a:off x="2747638" y="2945789"/>
             <a:ext cx="265740" cy="265740"/>
           </a:xfrm>
           <a:prstGeom prst="rect">
@@ -3865,7 +4408,7 @@
           <p:nvPr/>
         </p:nvPicPr>
         <p:blipFill>
-          <a:blip r:embed="rId2">
+          <a:blip r:embed="rId3">
             <a:extLst>
               <a:ext uri="{28A0092B-C50C-407E-A947-70E740481C1C}">
                 <a14:useLocalDpi xmlns:a14="http://schemas.microsoft.com/office/drawing/2010/main" val="0"/>
@@ -3878,7 +4421,7 @@
         </p:blipFill>
         <p:spPr>
           <a:xfrm>
-            <a:off x="5978745" y="3290078"/>
+            <a:off x="6008537" y="2948273"/>
             <a:ext cx="265740" cy="265740"/>
           </a:xfrm>
           <a:prstGeom prst="rect">
@@ -3921,140 +4464,6 @@
                 </a:solidFill>
               </a:rPr>
               <a:t>QSVPN Tunnel</a:t>
-            </a:r>
-          </a:p>
-        </p:txBody>
-      </p:sp>
-      <p:sp>
-        <p:nvSpPr>
-          <p:cNvPr id="23" name="Callout: Line with Accent Bar 22">
-            <a:extLst>
-              <a:ext uri="{FF2B5EF4-FFF2-40B4-BE49-F238E27FC236}">
-                <a16:creationId xmlns:a16="http://schemas.microsoft.com/office/drawing/2014/main" id="{92BAEC28-43FA-426F-A5D5-288ED213C8C2}"/>
-              </a:ext>
-            </a:extLst>
-          </p:cNvPr>
-          <p:cNvSpPr/>
-          <p:nvPr/>
-        </p:nvSpPr>
-        <p:spPr>
-          <a:xfrm>
-            <a:off x="7013289" y="4263548"/>
-            <a:ext cx="1574619" cy="292573"/>
-          </a:xfrm>
-          <a:prstGeom prst="accentCallout1">
-            <a:avLst>
-              <a:gd name="adj1" fmla="val 60724"/>
-              <a:gd name="adj2" fmla="val -5100"/>
-              <a:gd name="adj3" fmla="val -246172"/>
-              <a:gd name="adj4" fmla="val -58607"/>
-            </a:avLst>
-          </a:prstGeom>
-          <a:noFill/>
-          <a:ln w="9525" cap="flat" cmpd="sng" algn="ctr">
-            <a:solidFill>
-              <a:schemeClr val="dk1"/>
-            </a:solidFill>
-            <a:prstDash val="sysDash"/>
-            <a:round/>
-            <a:headEnd type="none" w="med" len="med"/>
-            <a:tailEnd type="none" w="med" len="med"/>
-          </a:ln>
-        </p:spPr>
-        <p:style>
-          <a:lnRef idx="0">
-            <a:scrgbClr r="0" g="0" b="0"/>
-          </a:lnRef>
-          <a:fillRef idx="0">
-            <a:scrgbClr r="0" g="0" b="0"/>
-          </a:fillRef>
-          <a:effectRef idx="0">
-            <a:scrgbClr r="0" g="0" b="0"/>
-          </a:effectRef>
-          <a:fontRef idx="minor">
-            <a:schemeClr val="dk1"/>
-          </a:fontRef>
-        </p:style>
-        <p:txBody>
-          <a:bodyPr lIns="18000" tIns="18000" rIns="18000" bIns="18000" rtlCol="0" anchor="ctr"/>
-          <a:lstStyle/>
-          <a:p>
-            <a:r>
-              <a:rPr lang="en-SG" sz="1000" b="1" dirty="0"/>
-              <a:t>Wg1: 10.0.0.1</a:t>
-            </a:r>
-          </a:p>
-          <a:p>
-            <a:r>
-              <a:rPr lang="en-SG" sz="1000" b="1" dirty="0"/>
-              <a:t>172.31.103.201</a:t>
-            </a:r>
-          </a:p>
-        </p:txBody>
-      </p:sp>
-      <p:sp>
-        <p:nvSpPr>
-          <p:cNvPr id="24" name="Callout: Line with Accent Bar 23">
-            <a:extLst>
-              <a:ext uri="{FF2B5EF4-FFF2-40B4-BE49-F238E27FC236}">
-                <a16:creationId xmlns:a16="http://schemas.microsoft.com/office/drawing/2014/main" id="{5A66A21E-5E16-4FDB-B092-20F3AEC8DC4C}"/>
-              </a:ext>
-            </a:extLst>
-          </p:cNvPr>
-          <p:cNvSpPr/>
-          <p:nvPr/>
-        </p:nvSpPr>
-        <p:spPr>
-          <a:xfrm>
-            <a:off x="3852333" y="4263548"/>
-            <a:ext cx="1574619" cy="292573"/>
-          </a:xfrm>
-          <a:prstGeom prst="accentCallout1">
-            <a:avLst>
-              <a:gd name="adj1" fmla="val 60724"/>
-              <a:gd name="adj2" fmla="val -5100"/>
-              <a:gd name="adj3" fmla="val -246172"/>
-              <a:gd name="adj4" fmla="val -58607"/>
-            </a:avLst>
-          </a:prstGeom>
-          <a:noFill/>
-          <a:ln w="9525" cap="flat" cmpd="sng" algn="ctr">
-            <a:solidFill>
-              <a:schemeClr val="dk1"/>
-            </a:solidFill>
-            <a:prstDash val="sysDash"/>
-            <a:round/>
-            <a:headEnd type="none" w="med" len="med"/>
-            <a:tailEnd type="none" w="med" len="med"/>
-          </a:ln>
-        </p:spPr>
-        <p:style>
-          <a:lnRef idx="0">
-            <a:scrgbClr r="0" g="0" b="0"/>
-          </a:lnRef>
-          <a:fillRef idx="0">
-            <a:scrgbClr r="0" g="0" b="0"/>
-          </a:fillRef>
-          <a:effectRef idx="0">
-            <a:scrgbClr r="0" g="0" b="0"/>
-          </a:effectRef>
-          <a:fontRef idx="minor">
-            <a:schemeClr val="dk1"/>
-          </a:fontRef>
-        </p:style>
-        <p:txBody>
-          <a:bodyPr lIns="18000" tIns="18000" rIns="18000" bIns="18000" rtlCol="0" anchor="ctr"/>
-          <a:lstStyle/>
-          <a:p>
-            <a:r>
-              <a:rPr lang="en-SG" sz="1000" b="1" dirty="0"/>
-              <a:t>Wg0: 10.0.0.2</a:t>
-            </a:r>
-          </a:p>
-          <a:p>
-            <a:r>
-              <a:rPr lang="en-SG" sz="1000" b="1" dirty="0"/>
-              <a:t>172.31.103.202</a:t>
             </a:r>
           </a:p>
         </p:txBody>
@@ -4115,7 +4524,7 @@
         </p:nvSpPr>
         <p:spPr>
           <a:xfrm>
-            <a:off x="3782108" y="2191735"/>
+            <a:off x="6244485" y="2089898"/>
             <a:ext cx="1109066" cy="246221"/>
           </a:xfrm>
           <a:prstGeom prst="rect">
@@ -4130,8 +4539,14 @@
           <a:lstStyle/>
           <a:p>
             <a:r>
-              <a:rPr lang="en-SG" sz="1000" dirty="0"/>
-              <a:t>Http web request </a:t>
+              <a:rPr lang="en-SG" sz="1000" b="1" dirty="0">
+                <a:solidFill>
+                  <a:schemeClr val="accent1">
+                    <a:lumMod val="75000"/>
+                  </a:schemeClr>
+                </a:solidFill>
+              </a:rPr>
+              <a:t>Http Request </a:t>
             </a:r>
           </a:p>
         </p:txBody>
@@ -4192,8 +4607,8 @@
         </p:nvSpPr>
         <p:spPr>
           <a:xfrm>
-            <a:off x="923078" y="2497568"/>
-            <a:ext cx="943822" cy="245867"/>
+            <a:off x="903314" y="2497568"/>
+            <a:ext cx="963586" cy="245867"/>
           </a:xfrm>
           <a:prstGeom prst="rect">
             <a:avLst/>
@@ -4201,95 +4616,735 @@
           <a:solidFill>
             <a:schemeClr val="bg1"/>
           </a:solidFill>
+          <a:ln w="19050">
+            <a:solidFill>
+              <a:schemeClr val="tx1"/>
+            </a:solidFill>
+          </a:ln>
+        </p:spPr>
+        <p:txBody>
+          <a:bodyPr wrap="square" lIns="36000" tIns="36000" rIns="36000" bIns="36000" rtlCol="0">
+            <a:noAutofit/>
+          </a:bodyPr>
+          <a:lstStyle/>
+          <a:p>
+            <a:r>
+              <a:rPr lang="en-SG" sz="1000" b="1" dirty="0"/>
+              <a:t>Load Video File</a:t>
+            </a:r>
+          </a:p>
+        </p:txBody>
+      </p:sp>
+      <p:sp>
+        <p:nvSpPr>
+          <p:cNvPr id="41" name="TextBox 40">
+            <a:extLst>
+              <a:ext uri="{FF2B5EF4-FFF2-40B4-BE49-F238E27FC236}">
+                <a16:creationId xmlns:a16="http://schemas.microsoft.com/office/drawing/2014/main" id="{D7BB7550-9F0E-4F42-BD00-B486C717D33C}"/>
+              </a:ext>
+            </a:extLst>
+          </p:cNvPr>
+          <p:cNvSpPr txBox="1"/>
+          <p:nvPr/>
+        </p:nvSpPr>
+        <p:spPr>
+          <a:xfrm>
+            <a:off x="3774897" y="2640596"/>
+            <a:ext cx="1389967" cy="246221"/>
+          </a:xfrm>
+          <a:prstGeom prst="rect">
+            <a:avLst/>
+          </a:prstGeom>
+          <a:noFill/>
+        </p:spPr>
+        <p:txBody>
+          <a:bodyPr wrap="square" rtlCol="0">
+            <a:spAutoFit/>
+          </a:bodyPr>
+          <a:lstStyle/>
+          <a:p>
+            <a:r>
+              <a:rPr lang="en-SG" sz="1000" b="1" dirty="0">
+                <a:solidFill>
+                  <a:schemeClr val="accent1">
+                    <a:lumMod val="75000"/>
+                  </a:schemeClr>
+                </a:solidFill>
+              </a:rPr>
+              <a:t>Video Stream by TCP </a:t>
+            </a:r>
+          </a:p>
+        </p:txBody>
+      </p:sp>
+      <p:sp>
+        <p:nvSpPr>
+          <p:cNvPr id="42" name="TextBox 41">
+            <a:extLst>
+              <a:ext uri="{FF2B5EF4-FFF2-40B4-BE49-F238E27FC236}">
+                <a16:creationId xmlns:a16="http://schemas.microsoft.com/office/drawing/2014/main" id="{BA59BBD9-20F8-4269-978B-4586339E8B77}"/>
+              </a:ext>
+            </a:extLst>
+          </p:cNvPr>
+          <p:cNvSpPr txBox="1"/>
+          <p:nvPr/>
+        </p:nvSpPr>
+        <p:spPr>
+          <a:xfrm>
+            <a:off x="7068378" y="3333705"/>
+            <a:ext cx="1232028" cy="246221"/>
+          </a:xfrm>
+          <a:prstGeom prst="rect">
+            <a:avLst/>
+          </a:prstGeom>
+          <a:noFill/>
+        </p:spPr>
+        <p:txBody>
+          <a:bodyPr wrap="square" rtlCol="0">
+            <a:spAutoFit/>
+          </a:bodyPr>
+          <a:lstStyle/>
+          <a:p>
+            <a:r>
+              <a:rPr lang="en-SG" sz="1000" dirty="0"/>
+              <a:t>Buffer and display</a:t>
+            </a:r>
+          </a:p>
+        </p:txBody>
+      </p:sp>
+      <p:pic>
+        <p:nvPicPr>
+          <p:cNvPr id="1026" name="Picture 2" descr="Evolving the Firefox Brand - Mozilla Open Design">
+            <a:extLst>
+              <a:ext uri="{FF2B5EF4-FFF2-40B4-BE49-F238E27FC236}">
+                <a16:creationId xmlns:a16="http://schemas.microsoft.com/office/drawing/2014/main" id="{6B7ED005-E579-4B48-83B4-BD6A8D196B0D}"/>
+              </a:ext>
+            </a:extLst>
+          </p:cNvPr>
+          <p:cNvPicPr>
+            <a:picLocks noChangeAspect="1" noChangeArrowheads="1"/>
+          </p:cNvPicPr>
+          <p:nvPr/>
+        </p:nvPicPr>
+        <p:blipFill>
+          <a:blip r:embed="rId4">
+            <a:extLst>
+              <a:ext uri="{28A0092B-C50C-407E-A947-70E740481C1C}">
+                <a14:useLocalDpi xmlns:a14="http://schemas.microsoft.com/office/drawing/2010/main" val="0"/>
+              </a:ext>
+            </a:extLst>
+          </a:blip>
+          <a:srcRect/>
+          <a:stretch>
+            <a:fillRect/>
+          </a:stretch>
+        </p:blipFill>
+        <p:spPr bwMode="auto">
+          <a:xfrm>
+            <a:off x="6905456" y="2230959"/>
+            <a:ext cx="367410" cy="379353"/>
+          </a:xfrm>
+          <a:prstGeom prst="rect">
+            <a:avLst/>
+          </a:prstGeom>
+          <a:noFill/>
+          <a:extLst>
+            <a:ext uri="{909E8E84-426E-40DD-AFC4-6F175D3DCCD1}">
+              <a14:hiddenFill xmlns:a14="http://schemas.microsoft.com/office/drawing/2010/main">
+                <a:solidFill>
+                  <a:srgbClr val="FFFFFF"/>
+                </a:solidFill>
+              </a14:hiddenFill>
+            </a:ext>
+          </a:extLst>
+        </p:spPr>
+      </p:pic>
+      <p:sp>
+        <p:nvSpPr>
+          <p:cNvPr id="21" name="TextBox 20">
+            <a:extLst>
+              <a:ext uri="{FF2B5EF4-FFF2-40B4-BE49-F238E27FC236}">
+                <a16:creationId xmlns:a16="http://schemas.microsoft.com/office/drawing/2014/main" id="{642AEC1F-D9E1-4137-98B3-D6BA9A0167AD}"/>
+              </a:ext>
+            </a:extLst>
+          </p:cNvPr>
+          <p:cNvSpPr txBox="1"/>
+          <p:nvPr/>
+        </p:nvSpPr>
+        <p:spPr>
+          <a:xfrm>
+            <a:off x="2325400" y="3262706"/>
+            <a:ext cx="1574619" cy="600164"/>
+          </a:xfrm>
+          <a:prstGeom prst="rect">
+            <a:avLst/>
+          </a:prstGeom>
+          <a:noFill/>
+        </p:spPr>
+        <p:txBody>
+          <a:bodyPr wrap="square" rtlCol="0">
+            <a:spAutoFit/>
+          </a:bodyPr>
+          <a:lstStyle/>
+          <a:p>
+            <a:r>
+              <a:rPr lang="en-SG" sz="1100" b="1" dirty="0"/>
+              <a:t>Network Interface</a:t>
+            </a:r>
+          </a:p>
+          <a:p>
+            <a:r>
+              <a:rPr lang="en-SG" sz="1100" b="1" dirty="0" err="1"/>
+              <a:t>Pub_IP</a:t>
+            </a:r>
+            <a:r>
+              <a:rPr lang="en-SG" sz="1100" b="1" dirty="0"/>
+              <a:t>: 172.31.103.202</a:t>
+            </a:r>
+          </a:p>
+          <a:p>
+            <a:r>
+              <a:rPr lang="en-SG" sz="1100" b="1" dirty="0"/>
+              <a:t>Wg0: 10.0.0.2</a:t>
+            </a:r>
+          </a:p>
+        </p:txBody>
+      </p:sp>
+      <p:sp>
+        <p:nvSpPr>
+          <p:cNvPr id="34" name="TextBox 33">
+            <a:extLst>
+              <a:ext uri="{FF2B5EF4-FFF2-40B4-BE49-F238E27FC236}">
+                <a16:creationId xmlns:a16="http://schemas.microsoft.com/office/drawing/2014/main" id="{ECB2998C-C1E1-4D4B-AA27-BB7CC4FFB09C}"/>
+              </a:ext>
+            </a:extLst>
+          </p:cNvPr>
+          <p:cNvSpPr txBox="1"/>
+          <p:nvPr/>
+        </p:nvSpPr>
+        <p:spPr>
+          <a:xfrm>
+            <a:off x="5415983" y="3231467"/>
+            <a:ext cx="1574619" cy="600164"/>
+          </a:xfrm>
+          <a:prstGeom prst="rect">
+            <a:avLst/>
+          </a:prstGeom>
+          <a:noFill/>
+        </p:spPr>
+        <p:txBody>
+          <a:bodyPr wrap="square" rtlCol="0">
+            <a:spAutoFit/>
+          </a:bodyPr>
+          <a:lstStyle/>
+          <a:p>
+            <a:r>
+              <a:rPr lang="en-SG" sz="1100" b="1" dirty="0"/>
+              <a:t>Network Interface</a:t>
+            </a:r>
+          </a:p>
+          <a:p>
+            <a:r>
+              <a:rPr lang="en-SG" sz="1100" b="1" dirty="0" err="1"/>
+              <a:t>Pub_IP</a:t>
+            </a:r>
+            <a:r>
+              <a:rPr lang="en-SG" sz="1100" b="1" dirty="0"/>
+              <a:t>: 172.31.103.201</a:t>
+            </a:r>
+          </a:p>
+          <a:p>
+            <a:r>
+              <a:rPr lang="en-SG" sz="1100" b="1" dirty="0"/>
+              <a:t>Wg1: 10.0.0.1</a:t>
+            </a:r>
+          </a:p>
+        </p:txBody>
+      </p:sp>
+      <p:sp>
+        <p:nvSpPr>
+          <p:cNvPr id="26" name="Rectangle 25">
+            <a:extLst>
+              <a:ext uri="{FF2B5EF4-FFF2-40B4-BE49-F238E27FC236}">
+                <a16:creationId xmlns:a16="http://schemas.microsoft.com/office/drawing/2014/main" id="{78EBA63F-91DE-47C5-AB93-27E17B7747D1}"/>
+              </a:ext>
+            </a:extLst>
+          </p:cNvPr>
+          <p:cNvSpPr/>
+          <p:nvPr/>
+        </p:nvSpPr>
+        <p:spPr>
+          <a:xfrm>
+            <a:off x="2760338" y="2089898"/>
+            <a:ext cx="80597" cy="95211"/>
+          </a:xfrm>
+          <a:prstGeom prst="rect">
+            <a:avLst/>
+          </a:prstGeom>
+          <a:solidFill>
+            <a:srgbClr val="FFC000"/>
+          </a:solidFill>
+        </p:spPr>
+        <p:style>
+          <a:lnRef idx="2">
+            <a:schemeClr val="accent1">
+              <a:shade val="50000"/>
+            </a:schemeClr>
+          </a:lnRef>
+          <a:fillRef idx="1">
+            <a:schemeClr val="accent1"/>
+          </a:fillRef>
+          <a:effectRef idx="0">
+            <a:schemeClr val="accent1"/>
+          </a:effectRef>
+          <a:fontRef idx="minor">
+            <a:schemeClr val="lt1"/>
+          </a:fontRef>
+        </p:style>
+        <p:txBody>
+          <a:bodyPr rtlCol="0" anchor="ctr"/>
+          <a:lstStyle/>
+          <a:p>
+            <a:pPr algn="ctr"/>
+            <a:endParaRPr lang="en-SG"/>
+          </a:p>
+        </p:txBody>
+      </p:sp>
+      <p:sp>
+        <p:nvSpPr>
+          <p:cNvPr id="36" name="Rectangle 35">
+            <a:extLst>
+              <a:ext uri="{FF2B5EF4-FFF2-40B4-BE49-F238E27FC236}">
+                <a16:creationId xmlns:a16="http://schemas.microsoft.com/office/drawing/2014/main" id="{81513799-E542-4E61-9541-C5D9865647FD}"/>
+              </a:ext>
+            </a:extLst>
+          </p:cNvPr>
+          <p:cNvSpPr/>
+          <p:nvPr/>
+        </p:nvSpPr>
+        <p:spPr>
+          <a:xfrm>
+            <a:off x="2887384" y="2089898"/>
+            <a:ext cx="80597" cy="95211"/>
+          </a:xfrm>
+          <a:prstGeom prst="rect">
+            <a:avLst/>
+          </a:prstGeom>
+          <a:solidFill>
+            <a:srgbClr val="FFC000"/>
+          </a:solidFill>
+        </p:spPr>
+        <p:style>
+          <a:lnRef idx="2">
+            <a:schemeClr val="accent1">
+              <a:shade val="50000"/>
+            </a:schemeClr>
+          </a:lnRef>
+          <a:fillRef idx="1">
+            <a:schemeClr val="accent1"/>
+          </a:fillRef>
+          <a:effectRef idx="0">
+            <a:schemeClr val="accent1"/>
+          </a:effectRef>
+          <a:fontRef idx="minor">
+            <a:schemeClr val="lt1"/>
+          </a:fontRef>
+        </p:style>
+        <p:txBody>
+          <a:bodyPr rtlCol="0" anchor="ctr"/>
+          <a:lstStyle/>
+          <a:p>
+            <a:pPr algn="ctr"/>
+            <a:endParaRPr lang="en-SG" dirty="0"/>
+          </a:p>
+        </p:txBody>
+      </p:sp>
+      <p:sp>
+        <p:nvSpPr>
+          <p:cNvPr id="37" name="Rectangle 36">
+            <a:extLst>
+              <a:ext uri="{FF2B5EF4-FFF2-40B4-BE49-F238E27FC236}">
+                <a16:creationId xmlns:a16="http://schemas.microsoft.com/office/drawing/2014/main" id="{81F9E742-300E-42BE-B7C8-2B3649180DC6}"/>
+              </a:ext>
+            </a:extLst>
+          </p:cNvPr>
+          <p:cNvSpPr/>
+          <p:nvPr/>
+        </p:nvSpPr>
+        <p:spPr>
+          <a:xfrm>
+            <a:off x="6026123" y="2084615"/>
+            <a:ext cx="80597" cy="95211"/>
+          </a:xfrm>
+          <a:prstGeom prst="rect">
+            <a:avLst/>
+          </a:prstGeom>
+          <a:solidFill>
+            <a:srgbClr val="FFC000"/>
+          </a:solidFill>
+        </p:spPr>
+        <p:style>
+          <a:lnRef idx="2">
+            <a:schemeClr val="accent1">
+              <a:shade val="50000"/>
+            </a:schemeClr>
+          </a:lnRef>
+          <a:fillRef idx="1">
+            <a:schemeClr val="accent1"/>
+          </a:fillRef>
+          <a:effectRef idx="0">
+            <a:schemeClr val="accent1"/>
+          </a:effectRef>
+          <a:fontRef idx="minor">
+            <a:schemeClr val="lt1"/>
+          </a:fontRef>
+        </p:style>
+        <p:txBody>
+          <a:bodyPr rtlCol="0" anchor="ctr"/>
+          <a:lstStyle/>
+          <a:p>
+            <a:pPr algn="ctr"/>
+            <a:endParaRPr lang="en-SG"/>
+          </a:p>
+        </p:txBody>
+      </p:sp>
+      <p:sp>
+        <p:nvSpPr>
+          <p:cNvPr id="38" name="Rectangle 37">
+            <a:extLst>
+              <a:ext uri="{FF2B5EF4-FFF2-40B4-BE49-F238E27FC236}">
+                <a16:creationId xmlns:a16="http://schemas.microsoft.com/office/drawing/2014/main" id="{DA275337-E763-4CFA-A084-9BC4DF7F0635}"/>
+              </a:ext>
+            </a:extLst>
+          </p:cNvPr>
+          <p:cNvSpPr/>
+          <p:nvPr/>
+        </p:nvSpPr>
+        <p:spPr>
+          <a:xfrm>
+            <a:off x="6153169" y="2084615"/>
+            <a:ext cx="80597" cy="95211"/>
+          </a:xfrm>
+          <a:prstGeom prst="rect">
+            <a:avLst/>
+          </a:prstGeom>
+          <a:solidFill>
+            <a:srgbClr val="FFC000"/>
+          </a:solidFill>
+        </p:spPr>
+        <p:style>
+          <a:lnRef idx="2">
+            <a:schemeClr val="accent1">
+              <a:shade val="50000"/>
+            </a:schemeClr>
+          </a:lnRef>
+          <a:fillRef idx="1">
+            <a:schemeClr val="accent1"/>
+          </a:fillRef>
+          <a:effectRef idx="0">
+            <a:schemeClr val="accent1"/>
+          </a:effectRef>
+          <a:fontRef idx="minor">
+            <a:schemeClr val="lt1"/>
+          </a:fontRef>
+        </p:style>
+        <p:txBody>
+          <a:bodyPr rtlCol="0" anchor="ctr"/>
+          <a:lstStyle/>
+          <a:p>
+            <a:pPr algn="ctr"/>
+            <a:endParaRPr lang="en-SG"/>
+          </a:p>
+        </p:txBody>
+      </p:sp>
+      <p:pic>
+        <p:nvPicPr>
+          <p:cNvPr id="31" name="Picture 30">
+            <a:extLst>
+              <a:ext uri="{FF2B5EF4-FFF2-40B4-BE49-F238E27FC236}">
+                <a16:creationId xmlns:a16="http://schemas.microsoft.com/office/drawing/2014/main" id="{2D67C7FD-2B0E-45AB-9280-76FD83D41741}"/>
+              </a:ext>
+            </a:extLst>
+          </p:cNvPr>
+          <p:cNvPicPr>
+            <a:picLocks noChangeAspect="1"/>
+          </p:cNvPicPr>
+          <p:nvPr/>
+        </p:nvPicPr>
+        <p:blipFill>
+          <a:blip r:embed="rId5"/>
+          <a:stretch>
+            <a:fillRect/>
+          </a:stretch>
+        </p:blipFill>
+        <p:spPr>
+          <a:xfrm>
+            <a:off x="1450415" y="2786982"/>
+            <a:ext cx="254637" cy="293218"/>
+          </a:xfrm>
+          <a:prstGeom prst="rect">
+            <a:avLst/>
+          </a:prstGeom>
+        </p:spPr>
+      </p:pic>
+      <p:pic>
+        <p:nvPicPr>
+          <p:cNvPr id="43" name="Picture 42" descr="A picture containing basketball, game&#10;&#10;Description automatically generated">
+            <a:extLst>
+              <a:ext uri="{FF2B5EF4-FFF2-40B4-BE49-F238E27FC236}">
+                <a16:creationId xmlns:a16="http://schemas.microsoft.com/office/drawing/2014/main" id="{89459E4F-08D6-4F3E-BCDB-827122C65482}"/>
+              </a:ext>
+            </a:extLst>
+          </p:cNvPr>
+          <p:cNvPicPr>
+            <a:picLocks noChangeAspect="1"/>
+          </p:cNvPicPr>
+          <p:nvPr/>
+        </p:nvPicPr>
+        <p:blipFill>
+          <a:blip r:embed="rId6">
+            <a:extLst>
+              <a:ext uri="{28A0092B-C50C-407E-A947-70E740481C1C}">
+                <a14:useLocalDpi xmlns:a14="http://schemas.microsoft.com/office/drawing/2010/main" val="0"/>
+              </a:ext>
+            </a:extLst>
+          </a:blip>
+          <a:stretch>
+            <a:fillRect/>
+          </a:stretch>
+        </p:blipFill>
+        <p:spPr>
+          <a:xfrm>
+            <a:off x="2768535" y="2479125"/>
+            <a:ext cx="241356" cy="337898"/>
+          </a:xfrm>
+          <a:prstGeom prst="rect">
+            <a:avLst/>
+          </a:prstGeom>
           <a:ln w="3175">
             <a:solidFill>
               <a:schemeClr val="tx1"/>
             </a:solidFill>
           </a:ln>
         </p:spPr>
-        <p:txBody>
-          <a:bodyPr wrap="square" lIns="36000" tIns="36000" rIns="36000" bIns="36000" rtlCol="0">
-            <a:noAutofit/>
-          </a:bodyPr>
-          <a:lstStyle/>
-          <a:p>
-            <a:r>
-              <a:rPr lang="en-SG" sz="1000" b="1" dirty="0"/>
-              <a:t>Load Video File</a:t>
-            </a:r>
-          </a:p>
-        </p:txBody>
-      </p:sp>
-      <p:sp>
-        <p:nvSpPr>
-          <p:cNvPr id="41" name="TextBox 40">
-            <a:extLst>
-              <a:ext uri="{FF2B5EF4-FFF2-40B4-BE49-F238E27FC236}">
-                <a16:creationId xmlns:a16="http://schemas.microsoft.com/office/drawing/2014/main" id="{D7BB7550-9F0E-4F42-BD00-B486C717D33C}"/>
-              </a:ext>
-            </a:extLst>
-          </p:cNvPr>
-          <p:cNvSpPr txBox="1"/>
-          <p:nvPr/>
-        </p:nvSpPr>
-        <p:spPr>
-          <a:xfrm>
-            <a:off x="3774897" y="2640596"/>
-            <a:ext cx="1389967" cy="246221"/>
+      </p:pic>
+      <p:pic>
+        <p:nvPicPr>
+          <p:cNvPr id="45" name="Picture 44" descr="A picture containing basketball, game&#10;&#10;Description automatically generated">
+            <a:extLst>
+              <a:ext uri="{FF2B5EF4-FFF2-40B4-BE49-F238E27FC236}">
+                <a16:creationId xmlns:a16="http://schemas.microsoft.com/office/drawing/2014/main" id="{DFD6DBF7-16F2-41D0-BE82-2EBB4F983D7F}"/>
+              </a:ext>
+            </a:extLst>
+          </p:cNvPr>
+          <p:cNvPicPr>
+            <a:picLocks noChangeAspect="1"/>
+          </p:cNvPicPr>
+          <p:nvPr/>
+        </p:nvPicPr>
+        <p:blipFill>
+          <a:blip r:embed="rId6">
+            <a:extLst>
+              <a:ext uri="{28A0092B-C50C-407E-A947-70E740481C1C}">
+                <a14:useLocalDpi xmlns:a14="http://schemas.microsoft.com/office/drawing/2010/main" val="0"/>
+              </a:ext>
+            </a:extLst>
+          </a:blip>
+          <a:stretch>
+            <a:fillRect/>
+          </a:stretch>
+        </p:blipFill>
+        <p:spPr>
+          <a:xfrm>
+            <a:off x="6018225" y="2503170"/>
+            <a:ext cx="241356" cy="337898"/>
           </a:xfrm>
           <a:prstGeom prst="rect">
             <a:avLst/>
           </a:prstGeom>
-          <a:noFill/>
-        </p:spPr>
-        <p:txBody>
-          <a:bodyPr wrap="square" rtlCol="0">
-            <a:spAutoFit/>
-          </a:bodyPr>
-          <a:lstStyle/>
-          <a:p>
-            <a:r>
-              <a:rPr lang="en-SG" sz="1000" dirty="0"/>
-              <a:t>Video Stream by TCP </a:t>
-            </a:r>
-          </a:p>
-        </p:txBody>
-      </p:sp>
-      <p:sp>
-        <p:nvSpPr>
-          <p:cNvPr id="42" name="TextBox 41">
-            <a:extLst>
-              <a:ext uri="{FF2B5EF4-FFF2-40B4-BE49-F238E27FC236}">
-                <a16:creationId xmlns:a16="http://schemas.microsoft.com/office/drawing/2014/main" id="{BA59BBD9-20F8-4269-978B-4586339E8B77}"/>
-              </a:ext>
-            </a:extLst>
-          </p:cNvPr>
-          <p:cNvSpPr txBox="1"/>
-          <p:nvPr/>
-        </p:nvSpPr>
-        <p:spPr>
-          <a:xfrm>
-            <a:off x="6538436" y="3011014"/>
-            <a:ext cx="1232028" cy="246221"/>
+          <a:ln w="3175">
+            <a:solidFill>
+              <a:schemeClr val="tx1"/>
+            </a:solidFill>
+          </a:ln>
+        </p:spPr>
+      </p:pic>
+      <p:sp>
+        <p:nvSpPr>
+          <p:cNvPr id="2" name="Oval 1">
+            <a:extLst>
+              <a:ext uri="{FF2B5EF4-FFF2-40B4-BE49-F238E27FC236}">
+                <a16:creationId xmlns:a16="http://schemas.microsoft.com/office/drawing/2014/main" id="{E2DA8FA8-E668-487A-A394-83C4AA26A841}"/>
+              </a:ext>
+            </a:extLst>
+          </p:cNvPr>
+          <p:cNvSpPr/>
+          <p:nvPr/>
+        </p:nvSpPr>
+        <p:spPr>
+          <a:xfrm>
+            <a:off x="6579580" y="2311052"/>
+            <a:ext cx="143715" cy="156313"/>
+          </a:xfrm>
+          <a:prstGeom prst="ellipse">
+            <a:avLst/>
+          </a:prstGeom>
+          <a:solidFill>
+            <a:srgbClr val="92D050"/>
+          </a:solidFill>
+          <a:ln w="28575"/>
+        </p:spPr>
+        <p:style>
+          <a:lnRef idx="2">
+            <a:schemeClr val="accent1">
+              <a:shade val="50000"/>
+            </a:schemeClr>
+          </a:lnRef>
+          <a:fillRef idx="1">
+            <a:schemeClr val="accent1"/>
+          </a:fillRef>
+          <a:effectRef idx="0">
+            <a:schemeClr val="accent1"/>
+          </a:effectRef>
+          <a:fontRef idx="minor">
+            <a:schemeClr val="lt1"/>
+          </a:fontRef>
+        </p:style>
+        <p:txBody>
+          <a:bodyPr rtlCol="0" anchor="ctr"/>
+          <a:lstStyle/>
+          <a:p>
+            <a:pPr algn="ctr"/>
+            <a:endParaRPr lang="en-SG" dirty="0"/>
+          </a:p>
+        </p:txBody>
+      </p:sp>
+      <p:grpSp>
+        <p:nvGrpSpPr>
+          <p:cNvPr id="46" name="Group 45">
+            <a:extLst>
+              <a:ext uri="{FF2B5EF4-FFF2-40B4-BE49-F238E27FC236}">
+                <a16:creationId xmlns:a16="http://schemas.microsoft.com/office/drawing/2014/main" id="{FC80539E-8BE3-4A60-A93A-865C26FFAD71}"/>
+              </a:ext>
+            </a:extLst>
+          </p:cNvPr>
+          <p:cNvGrpSpPr/>
+          <p:nvPr/>
+        </p:nvGrpSpPr>
+        <p:grpSpPr>
+          <a:xfrm>
+            <a:off x="6894197" y="2664826"/>
+            <a:ext cx="866263" cy="841085"/>
+            <a:chOff x="5867864" y="2655220"/>
+            <a:chExt cx="914400" cy="914400"/>
+          </a:xfrm>
+        </p:grpSpPr>
+        <p:pic>
+          <p:nvPicPr>
+            <p:cNvPr id="47" name="Picture 46" descr="A picture containing indoor, appliance, dirty&#10;&#10;Description automatically generated">
+              <a:extLst>
+                <a:ext uri="{FF2B5EF4-FFF2-40B4-BE49-F238E27FC236}">
+                  <a16:creationId xmlns:a16="http://schemas.microsoft.com/office/drawing/2014/main" id="{79D9DC7F-A26F-4D9C-A954-1BB3D5A6AFEF}"/>
+                </a:ext>
+              </a:extLst>
+            </p:cNvPr>
+            <p:cNvPicPr>
+              <a:picLocks noChangeAspect="1"/>
+            </p:cNvPicPr>
+            <p:nvPr/>
+          </p:nvPicPr>
+          <p:blipFill>
+            <a:blip r:embed="rId7"/>
+            <a:stretch>
+              <a:fillRect/>
+            </a:stretch>
+          </p:blipFill>
+          <p:spPr>
+            <a:xfrm>
+              <a:off x="5980014" y="2837048"/>
+              <a:ext cx="690099" cy="477492"/>
+            </a:xfrm>
+            <a:prstGeom prst="rect">
+              <a:avLst/>
+            </a:prstGeom>
+          </p:spPr>
+        </p:pic>
+        <p:pic>
+          <p:nvPicPr>
+            <p:cNvPr id="48" name="Graphic 47" descr="Monitor with solid fill">
+              <a:extLst>
+                <a:ext uri="{FF2B5EF4-FFF2-40B4-BE49-F238E27FC236}">
+                  <a16:creationId xmlns:a16="http://schemas.microsoft.com/office/drawing/2014/main" id="{38952C94-7189-4065-A608-38AC02CE1CCC}"/>
+                </a:ext>
+              </a:extLst>
+            </p:cNvPr>
+            <p:cNvPicPr>
+              <a:picLocks noChangeAspect="1"/>
+            </p:cNvPicPr>
+            <p:nvPr/>
+          </p:nvPicPr>
+          <p:blipFill>
+            <a:blip r:embed="rId8">
+              <a:extLst>
+                <a:ext uri="{96DAC541-7B7A-43D3-8B79-37D633B846F1}">
+                  <asvg:svgBlip xmlns:asvg="http://schemas.microsoft.com/office/drawing/2016/SVG/main" r:embed="rId9"/>
+                </a:ext>
+              </a:extLst>
+            </a:blip>
+            <a:stretch>
+              <a:fillRect/>
+            </a:stretch>
+          </p:blipFill>
+          <p:spPr>
+            <a:xfrm>
+              <a:off x="5867864" y="2655220"/>
+              <a:ext cx="914400" cy="914400"/>
+            </a:xfrm>
+            <a:prstGeom prst="rect">
+              <a:avLst/>
+            </a:prstGeom>
+          </p:spPr>
+        </p:pic>
+      </p:grpSp>
+      <p:pic>
+        <p:nvPicPr>
+          <p:cNvPr id="49" name="Picture 48" descr="Graphical user interface, text, application, chat or text message&#10;&#10;Description automatically generated">
+            <a:extLst>
+              <a:ext uri="{FF2B5EF4-FFF2-40B4-BE49-F238E27FC236}">
+                <a16:creationId xmlns:a16="http://schemas.microsoft.com/office/drawing/2014/main" id="{FE1DDB65-EA19-4802-BEE0-491FDD4F6C97}"/>
+              </a:ext>
+            </a:extLst>
+          </p:cNvPr>
+          <p:cNvPicPr>
+            <a:picLocks noChangeAspect="1"/>
+          </p:cNvPicPr>
+          <p:nvPr/>
+        </p:nvPicPr>
+        <p:blipFill rotWithShape="1">
+          <a:blip r:embed="rId10">
+            <a:extLst>
+              <a:ext uri="{28A0092B-C50C-407E-A947-70E740481C1C}">
+                <a14:useLocalDpi xmlns:a14="http://schemas.microsoft.com/office/drawing/2010/main" val="0"/>
+              </a:ext>
+            </a:extLst>
+          </a:blip>
+          <a:srcRect r="36057"/>
+          <a:stretch/>
+        </p:blipFill>
+        <p:spPr>
+          <a:xfrm>
+            <a:off x="7295232" y="2161538"/>
+            <a:ext cx="1341391" cy="435909"/>
           </a:xfrm>
           <a:prstGeom prst="rect">
             <a:avLst/>
           </a:prstGeom>
-          <a:noFill/>
-        </p:spPr>
-        <p:txBody>
-          <a:bodyPr wrap="square" rtlCol="0">
-            <a:spAutoFit/>
-          </a:bodyPr>
-          <a:lstStyle/>
-          <a:p>
-            <a:r>
-              <a:rPr lang="en-SG" sz="1000" dirty="0"/>
-              <a:t>Buffer and display</a:t>
-            </a:r>
-          </a:p>
-        </p:txBody>
-      </p:sp>
+          <a:ln w="3175">
+            <a:solidFill>
+              <a:schemeClr val="tx1"/>
+            </a:solidFill>
+          </a:ln>
+        </p:spPr>
+      </p:pic>
     </p:spTree>
     <p:extLst>
       <p:ext uri="{BB962C8B-B14F-4D97-AF65-F5344CB8AC3E}">
@@ -4300,6 +5355,232 @@
   <p:clrMapOvr>
     <a:masterClrMapping/>
   </p:clrMapOvr>
+  <p:timing>
+    <p:tnLst>
+      <p:par>
+        <p:cTn id="1" dur="indefinite" restart="never" nodeType="tmRoot">
+          <p:childTnLst>
+            <p:seq concurrent="1" nextAc="seek">
+              <p:cTn id="2" dur="indefinite" nodeType="mainSeq">
+                <p:childTnLst>
+                  <p:par>
+                    <p:cTn id="3" fill="hold">
+                      <p:stCondLst>
+                        <p:cond delay="indefinite"/>
+                      </p:stCondLst>
+                      <p:childTnLst>
+                        <p:par>
+                          <p:cTn id="4" fill="hold">
+                            <p:stCondLst>
+                              <p:cond delay="0"/>
+                            </p:stCondLst>
+                            <p:childTnLst>
+                              <p:par>
+                                <p:cTn id="5" presetID="42" presetClass="path" presetSubtype="0" repeatCount="indefinite" accel="50000" decel="50000" fill="hold" grpId="0" nodeType="clickEffect">
+                                  <p:stCondLst>
+                                    <p:cond delay="0"/>
+                                  </p:stCondLst>
+                                  <p:childTnLst>
+                                    <p:animMotion origin="layout" path="M -2.91667E-6 0.00509 L -0.42109 0.00069 " pathEditMode="relative" rAng="0" ptsTypes="AA">
+                                      <p:cBhvr>
+                                        <p:cTn id="6" dur="5000" fill="hold"/>
+                                        <p:tgtEl>
+                                          <p:spTgt spid="2"/>
+                                        </p:tgtEl>
+                                        <p:attrNameLst>
+                                          <p:attrName>ppt_x</p:attrName>
+                                          <p:attrName>ppt_y</p:attrName>
+                                        </p:attrNameLst>
+                                      </p:cBhvr>
+                                      <p:rCtr x="-21055" y="-231"/>
+                                    </p:animMotion>
+                                  </p:childTnLst>
+                                </p:cTn>
+                              </p:par>
+                              <p:par>
+                                <p:cTn id="7" presetID="42" presetClass="path" presetSubtype="0" repeatCount="indefinite" accel="50000" decel="50000" fill="hold" grpId="0" nodeType="withEffect">
+                                  <p:stCondLst>
+                                    <p:cond delay="0"/>
+                                  </p:stCondLst>
+                                  <p:childTnLst>
+                                    <p:animMotion origin="layout" path="M 0.00261 0.00532 L -0.42304 -0.00024 " pathEditMode="relative" rAng="0" ptsTypes="AA">
+                                      <p:cBhvr>
+                                        <p:cTn id="8" dur="5000" fill="hold"/>
+                                        <p:tgtEl>
+                                          <p:spTgt spid="30"/>
+                                        </p:tgtEl>
+                                        <p:attrNameLst>
+                                          <p:attrName>ppt_x</p:attrName>
+                                          <p:attrName>ppt_y</p:attrName>
+                                        </p:attrNameLst>
+                                      </p:cBhvr>
+                                      <p:rCtr x="-21289" y="-278"/>
+                                    </p:animMotion>
+                                  </p:childTnLst>
+                                </p:cTn>
+                              </p:par>
+                              <p:par>
+                                <p:cTn id="9" presetID="26" presetClass="emph" presetSubtype="0" repeatCount="indefinite" fill="hold" grpId="2" nodeType="withEffect">
+                                  <p:stCondLst>
+                                    <p:cond delay="0"/>
+                                  </p:stCondLst>
+                                  <p:childTnLst>
+                                    <p:animEffect transition="out" filter="fade">
+                                      <p:cBhvr>
+                                        <p:cTn id="10" dur="500" tmFilter="0, 0; .2, .5; .8, .5; 1, 0"/>
+                                        <p:tgtEl>
+                                          <p:spTgt spid="26"/>
+                                        </p:tgtEl>
+                                      </p:cBhvr>
+                                    </p:animEffect>
+                                    <p:animScale>
+                                      <p:cBhvr>
+                                        <p:cTn id="11" dur="250" autoRev="1" fill="hold"/>
+                                        <p:tgtEl>
+                                          <p:spTgt spid="26"/>
+                                        </p:tgtEl>
+                                      </p:cBhvr>
+                                      <p:by x="105000" y="105000"/>
+                                    </p:animScale>
+                                  </p:childTnLst>
+                                </p:cTn>
+                              </p:par>
+                              <p:par>
+                                <p:cTn id="12" presetID="26" presetClass="emph" presetSubtype="0" repeatCount="indefinite" fill="hold" grpId="0" nodeType="withEffect">
+                                  <p:stCondLst>
+                                    <p:cond delay="600"/>
+                                  </p:stCondLst>
+                                  <p:childTnLst>
+                                    <p:animEffect transition="out" filter="fade">
+                                      <p:cBhvr>
+                                        <p:cTn id="13" dur="500" tmFilter="0, 0; .2, .5; .8, .5; 1, 0"/>
+                                        <p:tgtEl>
+                                          <p:spTgt spid="36"/>
+                                        </p:tgtEl>
+                                      </p:cBhvr>
+                                    </p:animEffect>
+                                    <p:animScale>
+                                      <p:cBhvr>
+                                        <p:cTn id="14" dur="250" autoRev="1" fill="hold"/>
+                                        <p:tgtEl>
+                                          <p:spTgt spid="36"/>
+                                        </p:tgtEl>
+                                      </p:cBhvr>
+                                      <p:by x="105000" y="105000"/>
+                                    </p:animScale>
+                                  </p:childTnLst>
+                                </p:cTn>
+                              </p:par>
+                              <p:par>
+                                <p:cTn id="15" presetID="26" presetClass="emph" presetSubtype="0" repeatCount="indefinite" fill="hold" grpId="0" nodeType="withEffect">
+                                  <p:stCondLst>
+                                    <p:cond delay="600"/>
+                                  </p:stCondLst>
+                                  <p:childTnLst>
+                                    <p:animEffect transition="out" filter="fade">
+                                      <p:cBhvr>
+                                        <p:cTn id="16" dur="500" tmFilter="0, 0; .2, .5; .8, .5; 1, 0"/>
+                                        <p:tgtEl>
+                                          <p:spTgt spid="37"/>
+                                        </p:tgtEl>
+                                      </p:cBhvr>
+                                    </p:animEffect>
+                                    <p:animScale>
+                                      <p:cBhvr>
+                                        <p:cTn id="17" dur="250" autoRev="1" fill="hold"/>
+                                        <p:tgtEl>
+                                          <p:spTgt spid="37"/>
+                                        </p:tgtEl>
+                                      </p:cBhvr>
+                                      <p:by x="105000" y="105000"/>
+                                    </p:animScale>
+                                  </p:childTnLst>
+                                </p:cTn>
+                              </p:par>
+                              <p:par>
+                                <p:cTn id="18" presetID="26" presetClass="emph" presetSubtype="0" repeatCount="indefinite" fill="hold" grpId="0" nodeType="withEffect">
+                                  <p:stCondLst>
+                                    <p:cond delay="0"/>
+                                  </p:stCondLst>
+                                  <p:childTnLst>
+                                    <p:animEffect transition="out" filter="fade">
+                                      <p:cBhvr>
+                                        <p:cTn id="19" dur="500" tmFilter="0, 0; .2, .5; .8, .5; 1, 0"/>
+                                        <p:tgtEl>
+                                          <p:spTgt spid="38"/>
+                                        </p:tgtEl>
+                                      </p:cBhvr>
+                                    </p:animEffect>
+                                    <p:animScale>
+                                      <p:cBhvr>
+                                        <p:cTn id="20" dur="250" autoRev="1" fill="hold"/>
+                                        <p:tgtEl>
+                                          <p:spTgt spid="38"/>
+                                        </p:tgtEl>
+                                      </p:cBhvr>
+                                      <p:by x="105000" y="105000"/>
+                                    </p:animScale>
+                                  </p:childTnLst>
+                                </p:cTn>
+                              </p:par>
+                              <p:par>
+                                <p:cTn id="21" presetID="42" presetClass="path" presetSubtype="0" repeatCount="indefinite" accel="50000" decel="50000" fill="hold" nodeType="withEffect">
+                                  <p:stCondLst>
+                                    <p:cond delay="0"/>
+                                  </p:stCondLst>
+                                  <p:childTnLst>
+                                    <p:animMotion origin="layout" path="M 2.91667E-6 2.22222E-6 L 0.422 -0.00347 " pathEditMode="relative" rAng="0" ptsTypes="AA">
+                                      <p:cBhvr>
+                                        <p:cTn id="22" dur="2000" fill="hold"/>
+                                        <p:tgtEl>
+                                          <p:spTgt spid="31"/>
+                                        </p:tgtEl>
+                                        <p:attrNameLst>
+                                          <p:attrName>ppt_x</p:attrName>
+                                          <p:attrName>ppt_y</p:attrName>
+                                        </p:attrNameLst>
+                                      </p:cBhvr>
+                                      <p:rCtr x="21094" y="-185"/>
+                                    </p:animMotion>
+                                  </p:childTnLst>
+                                </p:cTn>
+                              </p:par>
+                            </p:childTnLst>
+                          </p:cTn>
+                        </p:par>
+                      </p:childTnLst>
+                    </p:cTn>
+                  </p:par>
+                </p:childTnLst>
+              </p:cTn>
+              <p:prevCondLst>
+                <p:cond evt="onPrev" delay="0">
+                  <p:tgtEl>
+                    <p:sldTgt/>
+                  </p:tgtEl>
+                </p:cond>
+              </p:prevCondLst>
+              <p:nextCondLst>
+                <p:cond evt="onNext" delay="0">
+                  <p:tgtEl>
+                    <p:sldTgt/>
+                  </p:tgtEl>
+                </p:cond>
+              </p:nextCondLst>
+            </p:seq>
+          </p:childTnLst>
+        </p:cTn>
+      </p:par>
+    </p:tnLst>
+    <p:bldLst>
+      <p:bldP spid="30" grpId="0"/>
+      <p:bldP spid="26" grpId="2" animBg="1"/>
+      <p:bldP spid="36" grpId="0" animBg="1"/>
+      <p:bldP spid="37" grpId="0" animBg="1"/>
+      <p:bldP spid="38" grpId="0" animBg="1"/>
+      <p:bldP spid="2" grpId="0" animBg="1"/>
+    </p:bldLst>
+  </p:timing>
 </p:sld>
 </file>
 
@@ -4400,8 +5681,8 @@
         </p:nvSpPr>
         <p:spPr>
           <a:xfrm>
-            <a:off x="6262104" y="1392780"/>
-            <a:ext cx="3331308" cy="2623496"/>
+            <a:off x="6254730" y="1392780"/>
+            <a:ext cx="3182459" cy="2623496"/>
           </a:xfrm>
           <a:prstGeom prst="rect">
             <a:avLst/>
@@ -4500,8 +5781,8 @@
         </p:nvSpPr>
         <p:spPr>
           <a:xfrm>
-            <a:off x="430546" y="498275"/>
-            <a:ext cx="2834036" cy="369332"/>
+            <a:off x="578080" y="720806"/>
+            <a:ext cx="4631455" cy="369332"/>
           </a:xfrm>
           <a:prstGeom prst="rect">
             <a:avLst/>
@@ -4516,7 +5797,2367 @@
           <a:p>
             <a:r>
               <a:rPr lang="en-SG" b="1" dirty="0"/>
-              <a:t>Echo Camera Video Test </a:t>
+              <a:t>Echo Camera Video Demo (UDP Frame stream)</a:t>
+            </a:r>
+          </a:p>
+        </p:txBody>
+      </p:sp>
+      <p:sp>
+        <p:nvSpPr>
+          <p:cNvPr id="5" name="Rectangle 4">
+            <a:extLst>
+              <a:ext uri="{FF2B5EF4-FFF2-40B4-BE49-F238E27FC236}">
+                <a16:creationId xmlns:a16="http://schemas.microsoft.com/office/drawing/2014/main" id="{C46C5062-CB2F-49D1-B387-DDD07A5CFF6D}"/>
+              </a:ext>
+            </a:extLst>
+          </p:cNvPr>
+          <p:cNvSpPr/>
+          <p:nvPr/>
+        </p:nvSpPr>
+        <p:spPr>
+          <a:xfrm>
+            <a:off x="618972" y="1410622"/>
+            <a:ext cx="2274836" cy="2623496"/>
+          </a:xfrm>
+          <a:prstGeom prst="rect">
+            <a:avLst/>
+          </a:prstGeom>
+          <a:ln w="19050">
+            <a:solidFill>
+              <a:schemeClr val="tx1">
+                <a:lumMod val="50000"/>
+                <a:lumOff val="50000"/>
+              </a:schemeClr>
+            </a:solidFill>
+            <a:prstDash val="sysDash"/>
+          </a:ln>
+        </p:spPr>
+        <p:style>
+          <a:lnRef idx="2">
+            <a:schemeClr val="accent6"/>
+          </a:lnRef>
+          <a:fillRef idx="1">
+            <a:schemeClr val="lt1"/>
+          </a:fillRef>
+          <a:effectRef idx="0">
+            <a:schemeClr val="accent6"/>
+          </a:effectRef>
+          <a:fontRef idx="minor">
+            <a:schemeClr val="dk1"/>
+          </a:fontRef>
+        </p:style>
+        <p:txBody>
+          <a:bodyPr rtlCol="0" anchor="ctr"/>
+          <a:lstStyle/>
+          <a:p>
+            <a:pPr algn="ctr"/>
+            <a:endParaRPr lang="en-SG" dirty="0"/>
+          </a:p>
+        </p:txBody>
+      </p:sp>
+      <p:sp>
+        <p:nvSpPr>
+          <p:cNvPr id="12" name="TextBox 11">
+            <a:extLst>
+              <a:ext uri="{FF2B5EF4-FFF2-40B4-BE49-F238E27FC236}">
+                <a16:creationId xmlns:a16="http://schemas.microsoft.com/office/drawing/2014/main" id="{BEB94DEA-107B-4C2F-9AD2-9D164AF18514}"/>
+              </a:ext>
+            </a:extLst>
+          </p:cNvPr>
+          <p:cNvSpPr txBox="1"/>
+          <p:nvPr/>
+        </p:nvSpPr>
+        <p:spPr>
+          <a:xfrm>
+            <a:off x="781665" y="1791626"/>
+            <a:ext cx="1551464" cy="255901"/>
+          </a:xfrm>
+          <a:prstGeom prst="rect">
+            <a:avLst/>
+          </a:prstGeom>
+          <a:solidFill>
+            <a:schemeClr val="bg1"/>
+          </a:solidFill>
+          <a:ln w="19050">
+            <a:solidFill>
+              <a:schemeClr val="tx1"/>
+            </a:solidFill>
+          </a:ln>
+        </p:spPr>
+        <p:txBody>
+          <a:bodyPr wrap="square" lIns="36000" tIns="36000" rIns="36000" bIns="36000" rtlCol="0">
+            <a:noAutofit/>
+          </a:bodyPr>
+          <a:lstStyle/>
+          <a:p>
+            <a:r>
+              <a:rPr lang="en-SG" sz="1000" b="1" dirty="0"/>
+              <a:t> </a:t>
+            </a:r>
+            <a:r>
+              <a:rPr lang="en-SG" sz="1000" b="1" dirty="0" err="1"/>
+              <a:t>CamEchoClient</a:t>
+            </a:r>
+            <a:r>
+              <a:rPr lang="en-SG" sz="1000" b="1" dirty="0"/>
+              <a:t> Application </a:t>
+            </a:r>
+          </a:p>
+        </p:txBody>
+      </p:sp>
+      <p:sp>
+        <p:nvSpPr>
+          <p:cNvPr id="13" name="TextBox 12">
+            <a:extLst>
+              <a:ext uri="{FF2B5EF4-FFF2-40B4-BE49-F238E27FC236}">
+                <a16:creationId xmlns:a16="http://schemas.microsoft.com/office/drawing/2014/main" id="{ADBBDE76-012D-4BE9-961D-7E7565B21AD7}"/>
+              </a:ext>
+            </a:extLst>
+          </p:cNvPr>
+          <p:cNvSpPr txBox="1"/>
+          <p:nvPr/>
+        </p:nvSpPr>
+        <p:spPr>
+          <a:xfrm>
+            <a:off x="6346315" y="1791625"/>
+            <a:ext cx="1599259" cy="255894"/>
+          </a:xfrm>
+          <a:prstGeom prst="rect">
+            <a:avLst/>
+          </a:prstGeom>
+          <a:solidFill>
+            <a:schemeClr val="bg1"/>
+          </a:solidFill>
+          <a:ln w="12700">
+            <a:solidFill>
+              <a:schemeClr val="tx1"/>
+            </a:solidFill>
+          </a:ln>
+        </p:spPr>
+        <p:txBody>
+          <a:bodyPr wrap="square" lIns="36000" tIns="36000" rIns="36000" bIns="36000" rtlCol="0">
+            <a:noAutofit/>
+          </a:bodyPr>
+          <a:lstStyle/>
+          <a:p>
+            <a:r>
+              <a:rPr lang="en-SG" sz="1000" b="1" dirty="0"/>
+              <a:t> </a:t>
+            </a:r>
+            <a:r>
+              <a:rPr lang="en-SG" sz="1000" b="1" dirty="0" err="1"/>
+              <a:t>CamEchoServer</a:t>
+            </a:r>
+            <a:r>
+              <a:rPr lang="en-SG" sz="1000" b="1" dirty="0"/>
+              <a:t> Application</a:t>
+            </a:r>
+          </a:p>
+        </p:txBody>
+      </p:sp>
+      <p:cxnSp>
+        <p:nvCxnSpPr>
+          <p:cNvPr id="15" name="Straight Arrow Connector 14">
+            <a:extLst>
+              <a:ext uri="{FF2B5EF4-FFF2-40B4-BE49-F238E27FC236}">
+                <a16:creationId xmlns:a16="http://schemas.microsoft.com/office/drawing/2014/main" id="{016D545C-FB0D-48D7-BA89-3A3B1E26F980}"/>
+              </a:ext>
+            </a:extLst>
+          </p:cNvPr>
+          <p:cNvCxnSpPr/>
+          <p:nvPr/>
+        </p:nvCxnSpPr>
+        <p:spPr>
+          <a:xfrm>
+            <a:off x="1344706" y="2047527"/>
+            <a:ext cx="0" cy="1381473"/>
+          </a:xfrm>
+          <a:prstGeom prst="straightConnector1">
+            <a:avLst/>
+          </a:prstGeom>
+          <a:ln>
+            <a:tailEnd type="triangle"/>
+          </a:ln>
+        </p:spPr>
+        <p:style>
+          <a:lnRef idx="1">
+            <a:schemeClr val="accent1"/>
+          </a:lnRef>
+          <a:fillRef idx="0">
+            <a:schemeClr val="accent1"/>
+          </a:fillRef>
+          <a:effectRef idx="0">
+            <a:schemeClr val="accent1"/>
+          </a:effectRef>
+          <a:fontRef idx="minor">
+            <a:schemeClr val="tx1"/>
+          </a:fontRef>
+        </p:style>
+      </p:cxnSp>
+      <p:cxnSp>
+        <p:nvCxnSpPr>
+          <p:cNvPr id="17" name="Straight Arrow Connector 16">
+            <a:extLst>
+              <a:ext uri="{FF2B5EF4-FFF2-40B4-BE49-F238E27FC236}">
+                <a16:creationId xmlns:a16="http://schemas.microsoft.com/office/drawing/2014/main" id="{18E649A6-C561-44F7-9131-7F42D3E585E9}"/>
+              </a:ext>
+            </a:extLst>
+          </p:cNvPr>
+          <p:cNvCxnSpPr>
+            <a:cxnSpLocks/>
+          </p:cNvCxnSpPr>
+          <p:nvPr/>
+        </p:nvCxnSpPr>
+        <p:spPr>
+          <a:xfrm>
+            <a:off x="7301738" y="2061461"/>
+            <a:ext cx="0" cy="161929"/>
+          </a:xfrm>
+          <a:prstGeom prst="straightConnector1">
+            <a:avLst/>
+          </a:prstGeom>
+          <a:ln>
+            <a:tailEnd type="triangle"/>
+          </a:ln>
+        </p:spPr>
+        <p:style>
+          <a:lnRef idx="1">
+            <a:schemeClr val="accent1"/>
+          </a:lnRef>
+          <a:fillRef idx="0">
+            <a:schemeClr val="accent1"/>
+          </a:fillRef>
+          <a:effectRef idx="0">
+            <a:schemeClr val="accent1"/>
+          </a:effectRef>
+          <a:fontRef idx="minor">
+            <a:schemeClr val="tx1"/>
+          </a:fontRef>
+        </p:style>
+      </p:cxnSp>
+      <p:sp>
+        <p:nvSpPr>
+          <p:cNvPr id="18" name="Arrow: Left-Right 17">
+            <a:extLst>
+              <a:ext uri="{FF2B5EF4-FFF2-40B4-BE49-F238E27FC236}">
+                <a16:creationId xmlns:a16="http://schemas.microsoft.com/office/drawing/2014/main" id="{2FCDBD95-64A1-4AFC-A1E4-35CD44101C8A}"/>
+              </a:ext>
+            </a:extLst>
+          </p:cNvPr>
+          <p:cNvSpPr/>
+          <p:nvPr/>
+        </p:nvSpPr>
+        <p:spPr>
+          <a:xfrm>
+            <a:off x="3112799" y="1850468"/>
+            <a:ext cx="2908266" cy="1688995"/>
+          </a:xfrm>
+          <a:prstGeom prst="leftRightArrow">
+            <a:avLst/>
+          </a:prstGeom>
+          <a:noFill/>
+          <a:ln w="28575">
+            <a:solidFill>
+              <a:srgbClr val="00B050"/>
+            </a:solidFill>
+          </a:ln>
+        </p:spPr>
+        <p:style>
+          <a:lnRef idx="2">
+            <a:schemeClr val="accent1">
+              <a:shade val="50000"/>
+            </a:schemeClr>
+          </a:lnRef>
+          <a:fillRef idx="1">
+            <a:schemeClr val="accent1"/>
+          </a:fillRef>
+          <a:effectRef idx="0">
+            <a:schemeClr val="accent1"/>
+          </a:effectRef>
+          <a:fontRef idx="minor">
+            <a:schemeClr val="lt1"/>
+          </a:fontRef>
+        </p:style>
+        <p:txBody>
+          <a:bodyPr rtlCol="0" anchor="ctr"/>
+          <a:lstStyle/>
+          <a:p>
+            <a:pPr algn="ctr"/>
+            <a:endParaRPr lang="en-SG" dirty="0"/>
+          </a:p>
+        </p:txBody>
+      </p:sp>
+      <p:sp>
+        <p:nvSpPr>
+          <p:cNvPr id="22" name="TextBox 21">
+            <a:extLst>
+              <a:ext uri="{FF2B5EF4-FFF2-40B4-BE49-F238E27FC236}">
+                <a16:creationId xmlns:a16="http://schemas.microsoft.com/office/drawing/2014/main" id="{640B06E1-C3CB-4964-AEA1-5332555AC590}"/>
+              </a:ext>
+            </a:extLst>
+          </p:cNvPr>
+          <p:cNvSpPr txBox="1"/>
+          <p:nvPr/>
+        </p:nvSpPr>
+        <p:spPr>
+          <a:xfrm>
+            <a:off x="3112709" y="1349783"/>
+            <a:ext cx="1217507" cy="523220"/>
+          </a:xfrm>
+          <a:prstGeom prst="rect">
+            <a:avLst/>
+          </a:prstGeom>
+          <a:noFill/>
+        </p:spPr>
+        <p:txBody>
+          <a:bodyPr wrap="square" rtlCol="0">
+            <a:spAutoFit/>
+          </a:bodyPr>
+          <a:lstStyle/>
+          <a:p>
+            <a:r>
+              <a:rPr lang="en-SG" sz="1400" b="1" dirty="0">
+                <a:solidFill>
+                  <a:srgbClr val="00B050"/>
+                </a:solidFill>
+              </a:rPr>
+              <a:t>QS_WGVPN Tunnel </a:t>
+            </a:r>
+          </a:p>
+        </p:txBody>
+      </p:sp>
+      <p:sp>
+        <p:nvSpPr>
+          <p:cNvPr id="30" name="TextBox 29">
+            <a:extLst>
+              <a:ext uri="{FF2B5EF4-FFF2-40B4-BE49-F238E27FC236}">
+                <a16:creationId xmlns:a16="http://schemas.microsoft.com/office/drawing/2014/main" id="{093ACF4B-E0C8-4731-A4A7-9C946924046C}"/>
+              </a:ext>
+            </a:extLst>
+          </p:cNvPr>
+          <p:cNvSpPr txBox="1"/>
+          <p:nvPr/>
+        </p:nvSpPr>
+        <p:spPr>
+          <a:xfrm>
+            <a:off x="4058004" y="2195559"/>
+            <a:ext cx="1347058" cy="400110"/>
+          </a:xfrm>
+          <a:prstGeom prst="rect">
+            <a:avLst/>
+          </a:prstGeom>
+          <a:noFill/>
+        </p:spPr>
+        <p:txBody>
+          <a:bodyPr wrap="square" rtlCol="0">
+            <a:spAutoFit/>
+          </a:bodyPr>
+          <a:lstStyle/>
+          <a:p>
+            <a:r>
+              <a:rPr lang="en-SG" sz="1000" b="1" dirty="0">
+                <a:solidFill>
+                  <a:schemeClr val="accent1">
+                    <a:lumMod val="75000"/>
+                  </a:schemeClr>
+                </a:solidFill>
+              </a:rPr>
+              <a:t>Send Video frame data to through UDP</a:t>
+            </a:r>
+          </a:p>
+        </p:txBody>
+      </p:sp>
+      <p:sp>
+        <p:nvSpPr>
+          <p:cNvPr id="39" name="TextBox 38">
+            <a:extLst>
+              <a:ext uri="{FF2B5EF4-FFF2-40B4-BE49-F238E27FC236}">
+                <a16:creationId xmlns:a16="http://schemas.microsoft.com/office/drawing/2014/main" id="{0C973043-04A0-43D3-AB0F-68DA76E1938F}"/>
+              </a:ext>
+            </a:extLst>
+          </p:cNvPr>
+          <p:cNvSpPr txBox="1"/>
+          <p:nvPr/>
+        </p:nvSpPr>
+        <p:spPr>
+          <a:xfrm>
+            <a:off x="872794" y="2526548"/>
+            <a:ext cx="1323617" cy="245867"/>
+          </a:xfrm>
+          <a:prstGeom prst="rect">
+            <a:avLst/>
+          </a:prstGeom>
+          <a:solidFill>
+            <a:schemeClr val="bg1"/>
+          </a:solidFill>
+          <a:ln w="19050">
+            <a:solidFill>
+              <a:schemeClr val="tx1"/>
+            </a:solidFill>
+          </a:ln>
+        </p:spPr>
+        <p:txBody>
+          <a:bodyPr wrap="square" lIns="36000" tIns="36000" rIns="36000" bIns="36000" rtlCol="0">
+            <a:noAutofit/>
+          </a:bodyPr>
+          <a:lstStyle/>
+          <a:p>
+            <a:r>
+              <a:rPr lang="en-SG" sz="1000" b="1" dirty="0"/>
+              <a:t>Echo back image data</a:t>
+            </a:r>
+          </a:p>
+        </p:txBody>
+      </p:sp>
+      <p:sp>
+        <p:nvSpPr>
+          <p:cNvPr id="27" name="TextBox 26">
+            <a:extLst>
+              <a:ext uri="{FF2B5EF4-FFF2-40B4-BE49-F238E27FC236}">
+                <a16:creationId xmlns:a16="http://schemas.microsoft.com/office/drawing/2014/main" id="{1FDE57A2-2C2F-44BB-A46D-1BA495A683D3}"/>
+              </a:ext>
+            </a:extLst>
+          </p:cNvPr>
+          <p:cNvSpPr txBox="1"/>
+          <p:nvPr/>
+        </p:nvSpPr>
+        <p:spPr>
+          <a:xfrm>
+            <a:off x="6884893" y="2237743"/>
+            <a:ext cx="1956763" cy="364999"/>
+          </a:xfrm>
+          <a:prstGeom prst="rect">
+            <a:avLst/>
+          </a:prstGeom>
+          <a:solidFill>
+            <a:schemeClr val="bg1"/>
+          </a:solidFill>
+          <a:ln w="12700">
+            <a:solidFill>
+              <a:schemeClr val="tx1"/>
+            </a:solidFill>
+          </a:ln>
+        </p:spPr>
+        <p:txBody>
+          <a:bodyPr wrap="square" lIns="36000" tIns="36000" rIns="36000" bIns="36000" rtlCol="0">
+            <a:noAutofit/>
+          </a:bodyPr>
+          <a:lstStyle/>
+          <a:p>
+            <a:r>
+              <a:rPr lang="en-SG" sz="1000" b="1" dirty="0"/>
+              <a:t>Capture Video From Camera</a:t>
+            </a:r>
+          </a:p>
+        </p:txBody>
+      </p:sp>
+      <p:cxnSp>
+        <p:nvCxnSpPr>
+          <p:cNvPr id="28" name="Straight Arrow Connector 27">
+            <a:extLst>
+              <a:ext uri="{FF2B5EF4-FFF2-40B4-BE49-F238E27FC236}">
+                <a16:creationId xmlns:a16="http://schemas.microsoft.com/office/drawing/2014/main" id="{22030795-49CB-4148-A9C6-25CA8A3DBAD9}"/>
+              </a:ext>
+            </a:extLst>
+          </p:cNvPr>
+          <p:cNvCxnSpPr>
+            <a:cxnSpLocks/>
+          </p:cNvCxnSpPr>
+          <p:nvPr/>
+        </p:nvCxnSpPr>
+        <p:spPr>
+          <a:xfrm>
+            <a:off x="8550044" y="2601715"/>
+            <a:ext cx="0" cy="209274"/>
+          </a:xfrm>
+          <a:prstGeom prst="straightConnector1">
+            <a:avLst/>
+          </a:prstGeom>
+          <a:ln>
+            <a:tailEnd type="triangle"/>
+          </a:ln>
+        </p:spPr>
+        <p:style>
+          <a:lnRef idx="1">
+            <a:schemeClr val="accent1"/>
+          </a:lnRef>
+          <a:fillRef idx="0">
+            <a:schemeClr val="accent1"/>
+          </a:fillRef>
+          <a:effectRef idx="0">
+            <a:schemeClr val="accent1"/>
+          </a:effectRef>
+          <a:fontRef idx="minor">
+            <a:schemeClr val="tx1"/>
+          </a:fontRef>
+        </p:style>
+      </p:cxnSp>
+      <p:sp>
+        <p:nvSpPr>
+          <p:cNvPr id="29" name="TextBox 28">
+            <a:extLst>
+              <a:ext uri="{FF2B5EF4-FFF2-40B4-BE49-F238E27FC236}">
+                <a16:creationId xmlns:a16="http://schemas.microsoft.com/office/drawing/2014/main" id="{D68CA1E9-5791-48DF-BBB2-D587A8D080BE}"/>
+              </a:ext>
+            </a:extLst>
+          </p:cNvPr>
+          <p:cNvSpPr txBox="1"/>
+          <p:nvPr/>
+        </p:nvSpPr>
+        <p:spPr>
+          <a:xfrm>
+            <a:off x="8212795" y="2792967"/>
+            <a:ext cx="1159622" cy="363532"/>
+          </a:xfrm>
+          <a:prstGeom prst="rect">
+            <a:avLst/>
+          </a:prstGeom>
+          <a:solidFill>
+            <a:schemeClr val="bg1"/>
+          </a:solidFill>
+          <a:ln w="12700">
+            <a:solidFill>
+              <a:schemeClr val="tx1"/>
+            </a:solidFill>
+          </a:ln>
+        </p:spPr>
+        <p:txBody>
+          <a:bodyPr wrap="square" lIns="36000" tIns="36000" rIns="36000" bIns="36000" rtlCol="0">
+            <a:noAutofit/>
+          </a:bodyPr>
+          <a:lstStyle/>
+          <a:p>
+            <a:r>
+              <a:rPr lang="en-SG" sz="1000" b="1" dirty="0"/>
+              <a:t>Show Camera Image on laptop screen</a:t>
+            </a:r>
+          </a:p>
+        </p:txBody>
+      </p:sp>
+      <p:sp>
+        <p:nvSpPr>
+          <p:cNvPr id="31" name="TextBox 30">
+            <a:extLst>
+              <a:ext uri="{FF2B5EF4-FFF2-40B4-BE49-F238E27FC236}">
+                <a16:creationId xmlns:a16="http://schemas.microsoft.com/office/drawing/2014/main" id="{E15DC81E-7C8C-4647-A870-0766717AA11C}"/>
+              </a:ext>
+            </a:extLst>
+          </p:cNvPr>
+          <p:cNvSpPr txBox="1"/>
+          <p:nvPr/>
+        </p:nvSpPr>
+        <p:spPr>
+          <a:xfrm>
+            <a:off x="1387434" y="2933542"/>
+            <a:ext cx="1576793" cy="400110"/>
+          </a:xfrm>
+          <a:prstGeom prst="rect">
+            <a:avLst/>
+          </a:prstGeom>
+          <a:noFill/>
+        </p:spPr>
+        <p:txBody>
+          <a:bodyPr wrap="square" rtlCol="0">
+            <a:spAutoFit/>
+          </a:bodyPr>
+          <a:lstStyle/>
+          <a:p>
+            <a:r>
+              <a:rPr lang="en-SG" sz="1000" b="1" dirty="0">
+                <a:solidFill>
+                  <a:schemeClr val="accent1">
+                    <a:lumMod val="75000"/>
+                  </a:schemeClr>
+                </a:solidFill>
+              </a:rPr>
+              <a:t>Echo video frame data back through UDP</a:t>
+            </a:r>
+          </a:p>
+        </p:txBody>
+      </p:sp>
+      <p:sp>
+        <p:nvSpPr>
+          <p:cNvPr id="32" name="TextBox 31">
+            <a:extLst>
+              <a:ext uri="{FF2B5EF4-FFF2-40B4-BE49-F238E27FC236}">
+                <a16:creationId xmlns:a16="http://schemas.microsoft.com/office/drawing/2014/main" id="{19E65397-97D7-4B94-9CBE-106A1487666B}"/>
+              </a:ext>
+            </a:extLst>
+          </p:cNvPr>
+          <p:cNvSpPr txBox="1"/>
+          <p:nvPr/>
+        </p:nvSpPr>
+        <p:spPr>
+          <a:xfrm>
+            <a:off x="6883628" y="2792967"/>
+            <a:ext cx="1220611" cy="363188"/>
+          </a:xfrm>
+          <a:prstGeom prst="rect">
+            <a:avLst/>
+          </a:prstGeom>
+          <a:solidFill>
+            <a:schemeClr val="bg1"/>
+          </a:solidFill>
+          <a:ln w="12700">
+            <a:solidFill>
+              <a:schemeClr val="tx1"/>
+            </a:solidFill>
+          </a:ln>
+        </p:spPr>
+        <p:txBody>
+          <a:bodyPr wrap="square" lIns="36000" tIns="36000" rIns="36000" bIns="36000" rtlCol="0">
+            <a:noAutofit/>
+          </a:bodyPr>
+          <a:lstStyle/>
+          <a:p>
+            <a:r>
+              <a:rPr lang="en-SG" sz="1000" b="1" dirty="0"/>
+              <a:t>Show Echo Image on Monitor TV screen</a:t>
+            </a:r>
+          </a:p>
+          <a:p>
+            <a:r>
+              <a:rPr lang="en-SG" sz="1000" b="1" dirty="0"/>
+              <a:t> </a:t>
+            </a:r>
+          </a:p>
+        </p:txBody>
+      </p:sp>
+      <p:sp>
+        <p:nvSpPr>
+          <p:cNvPr id="37" name="TextBox 36">
+            <a:extLst>
+              <a:ext uri="{FF2B5EF4-FFF2-40B4-BE49-F238E27FC236}">
+                <a16:creationId xmlns:a16="http://schemas.microsoft.com/office/drawing/2014/main" id="{DA969DFB-A66C-4433-9DDB-EFDA034A6C7E}"/>
+              </a:ext>
+            </a:extLst>
+          </p:cNvPr>
+          <p:cNvSpPr txBox="1"/>
+          <p:nvPr/>
+        </p:nvSpPr>
+        <p:spPr>
+          <a:xfrm>
+            <a:off x="5072975" y="4333019"/>
+            <a:ext cx="2697489" cy="261610"/>
+          </a:xfrm>
+          <a:prstGeom prst="rect">
+            <a:avLst/>
+          </a:prstGeom>
+          <a:noFill/>
+        </p:spPr>
+        <p:txBody>
+          <a:bodyPr wrap="square" rtlCol="0">
+            <a:spAutoFit/>
+          </a:bodyPr>
+          <a:lstStyle/>
+          <a:p>
+            <a:r>
+              <a:rPr lang="en-SG" sz="1100" b="1" dirty="0"/>
+              <a:t>Network latency =   (                 -               ) /2</a:t>
+            </a:r>
+          </a:p>
+        </p:txBody>
+      </p:sp>
+      <p:cxnSp>
+        <p:nvCxnSpPr>
+          <p:cNvPr id="38" name="Straight Arrow Connector 37">
+            <a:extLst>
+              <a:ext uri="{FF2B5EF4-FFF2-40B4-BE49-F238E27FC236}">
+                <a16:creationId xmlns:a16="http://schemas.microsoft.com/office/drawing/2014/main" id="{FF917104-EFB2-45A4-B879-F751F1E6E032}"/>
+              </a:ext>
+            </a:extLst>
+          </p:cNvPr>
+          <p:cNvCxnSpPr/>
+          <p:nvPr/>
+        </p:nvCxnSpPr>
+        <p:spPr>
+          <a:xfrm>
+            <a:off x="8550044" y="1798468"/>
+            <a:ext cx="0" cy="415118"/>
+          </a:xfrm>
+          <a:prstGeom prst="straightConnector1">
+            <a:avLst/>
+          </a:prstGeom>
+          <a:ln>
+            <a:tailEnd type="triangle"/>
+          </a:ln>
+        </p:spPr>
+        <p:style>
+          <a:lnRef idx="1">
+            <a:schemeClr val="accent1"/>
+          </a:lnRef>
+          <a:fillRef idx="0">
+            <a:schemeClr val="accent1"/>
+          </a:fillRef>
+          <a:effectRef idx="0">
+            <a:schemeClr val="accent1"/>
+          </a:effectRef>
+          <a:fontRef idx="minor">
+            <a:schemeClr val="tx1"/>
+          </a:fontRef>
+        </p:style>
+      </p:cxnSp>
+      <p:sp>
+        <p:nvSpPr>
+          <p:cNvPr id="34" name="TextBox 33">
+            <a:extLst>
+              <a:ext uri="{FF2B5EF4-FFF2-40B4-BE49-F238E27FC236}">
+                <a16:creationId xmlns:a16="http://schemas.microsoft.com/office/drawing/2014/main" id="{6B277101-540D-4718-9396-6B3CD962BA8A}"/>
+              </a:ext>
+            </a:extLst>
+          </p:cNvPr>
+          <p:cNvSpPr txBox="1"/>
+          <p:nvPr/>
+        </p:nvSpPr>
+        <p:spPr>
+          <a:xfrm>
+            <a:off x="614097" y="1301596"/>
+            <a:ext cx="1915252" cy="260599"/>
+          </a:xfrm>
+          <a:prstGeom prst="rect">
+            <a:avLst/>
+          </a:prstGeom>
+          <a:solidFill>
+            <a:schemeClr val="bg1"/>
+          </a:solidFill>
+          <a:ln w="19050">
+            <a:solidFill>
+              <a:schemeClr val="tx1"/>
+            </a:solidFill>
+          </a:ln>
+        </p:spPr>
+        <p:txBody>
+          <a:bodyPr wrap="square" lIns="36000" tIns="36000" rIns="36000" bIns="36000" rtlCol="0">
+            <a:noAutofit/>
+          </a:bodyPr>
+          <a:lstStyle/>
+          <a:p>
+            <a:r>
+              <a:rPr lang="en-US" sz="1100" b="1" dirty="0"/>
+              <a:t>CQT lab laptop in Science (S15</a:t>
+            </a:r>
+            <a:r>
+              <a:rPr lang="en-US" sz="1100" dirty="0"/>
+              <a:t>)</a:t>
+            </a:r>
+            <a:endParaRPr lang="en-SG" sz="1100" b="1" dirty="0"/>
+          </a:p>
+        </p:txBody>
+      </p:sp>
+      <p:sp>
+        <p:nvSpPr>
+          <p:cNvPr id="40" name="TextBox 39">
+            <a:extLst>
+              <a:ext uri="{FF2B5EF4-FFF2-40B4-BE49-F238E27FC236}">
+                <a16:creationId xmlns:a16="http://schemas.microsoft.com/office/drawing/2014/main" id="{3F23E534-62AF-4A06-A883-69BAC8378BF9}"/>
+              </a:ext>
+            </a:extLst>
+          </p:cNvPr>
+          <p:cNvSpPr txBox="1"/>
+          <p:nvPr/>
+        </p:nvSpPr>
+        <p:spPr>
+          <a:xfrm>
+            <a:off x="6253946" y="1280322"/>
+            <a:ext cx="1388807" cy="260599"/>
+          </a:xfrm>
+          <a:prstGeom prst="rect">
+            <a:avLst/>
+          </a:prstGeom>
+          <a:solidFill>
+            <a:schemeClr val="bg1"/>
+          </a:solidFill>
+          <a:ln w="19050">
+            <a:solidFill>
+              <a:schemeClr val="tx1"/>
+            </a:solidFill>
+          </a:ln>
+        </p:spPr>
+        <p:txBody>
+          <a:bodyPr wrap="square" lIns="36000" tIns="36000" rIns="36000" bIns="36000" rtlCol="0">
+            <a:noAutofit/>
+          </a:bodyPr>
+          <a:lstStyle/>
+          <a:p>
+            <a:r>
+              <a:rPr lang="en-SG" sz="1100" b="1" dirty="0" err="1"/>
+              <a:t>CorpLab</a:t>
+            </a:r>
+            <a:r>
+              <a:rPr lang="en-SG" sz="1100" b="1" dirty="0"/>
+              <a:t> Laptop in I4.0</a:t>
+            </a:r>
+          </a:p>
+        </p:txBody>
+      </p:sp>
+      <p:sp>
+        <p:nvSpPr>
+          <p:cNvPr id="41" name="Rectangle 40">
+            <a:extLst>
+              <a:ext uri="{FF2B5EF4-FFF2-40B4-BE49-F238E27FC236}">
+                <a16:creationId xmlns:a16="http://schemas.microsoft.com/office/drawing/2014/main" id="{C57FC6AB-2C9C-4931-B235-33ED06FC2580}"/>
+              </a:ext>
+            </a:extLst>
+          </p:cNvPr>
+          <p:cNvSpPr/>
+          <p:nvPr/>
+        </p:nvSpPr>
+        <p:spPr>
+          <a:xfrm>
+            <a:off x="2718725" y="2091977"/>
+            <a:ext cx="323566" cy="1209697"/>
+          </a:xfrm>
+          <a:prstGeom prst="rect">
+            <a:avLst/>
+          </a:prstGeom>
+          <a:ln w="38100"/>
+        </p:spPr>
+        <p:style>
+          <a:lnRef idx="2">
+            <a:schemeClr val="accent6"/>
+          </a:lnRef>
+          <a:fillRef idx="1">
+            <a:schemeClr val="lt1"/>
+          </a:fillRef>
+          <a:effectRef idx="0">
+            <a:schemeClr val="accent6"/>
+          </a:effectRef>
+          <a:fontRef idx="minor">
+            <a:schemeClr val="dk1"/>
+          </a:fontRef>
+        </p:style>
+        <p:txBody>
+          <a:bodyPr rtlCol="0" anchor="ctr"/>
+          <a:lstStyle/>
+          <a:p>
+            <a:pPr algn="ctr"/>
+            <a:endParaRPr lang="en-SG" dirty="0"/>
+          </a:p>
+        </p:txBody>
+      </p:sp>
+      <p:pic>
+        <p:nvPicPr>
+          <p:cNvPr id="42" name="Picture 41">
+            <a:extLst>
+              <a:ext uri="{FF2B5EF4-FFF2-40B4-BE49-F238E27FC236}">
+                <a16:creationId xmlns:a16="http://schemas.microsoft.com/office/drawing/2014/main" id="{A331F583-BBBB-4600-9FB4-5619CE6309FD}"/>
+              </a:ext>
+            </a:extLst>
+          </p:cNvPr>
+          <p:cNvPicPr>
+            <a:picLocks noChangeAspect="1"/>
+          </p:cNvPicPr>
+          <p:nvPr/>
+        </p:nvPicPr>
+        <p:blipFill>
+          <a:blip r:embed="rId3">
+            <a:extLst>
+              <a:ext uri="{28A0092B-C50C-407E-A947-70E740481C1C}">
+                <a14:useLocalDpi xmlns:a14="http://schemas.microsoft.com/office/drawing/2010/main" val="0"/>
+              </a:ext>
+            </a:extLst>
+          </a:blip>
+          <a:stretch>
+            <a:fillRect/>
+          </a:stretch>
+        </p:blipFill>
+        <p:spPr>
+          <a:xfrm>
+            <a:off x="2747638" y="2990239"/>
+            <a:ext cx="265740" cy="265740"/>
+          </a:xfrm>
+          <a:prstGeom prst="rect">
+            <a:avLst/>
+          </a:prstGeom>
+        </p:spPr>
+      </p:pic>
+      <p:sp>
+        <p:nvSpPr>
+          <p:cNvPr id="43" name="Rectangle 42">
+            <a:extLst>
+              <a:ext uri="{FF2B5EF4-FFF2-40B4-BE49-F238E27FC236}">
+                <a16:creationId xmlns:a16="http://schemas.microsoft.com/office/drawing/2014/main" id="{3DA172F8-1A1A-49BD-9D00-8F1FA13CAAAA}"/>
+              </a:ext>
+            </a:extLst>
+          </p:cNvPr>
+          <p:cNvSpPr/>
+          <p:nvPr/>
+        </p:nvSpPr>
+        <p:spPr>
+          <a:xfrm>
+            <a:off x="2760338" y="2134348"/>
+            <a:ext cx="80597" cy="95211"/>
+          </a:xfrm>
+          <a:prstGeom prst="rect">
+            <a:avLst/>
+          </a:prstGeom>
+          <a:solidFill>
+            <a:srgbClr val="FFC000"/>
+          </a:solidFill>
+        </p:spPr>
+        <p:style>
+          <a:lnRef idx="2">
+            <a:schemeClr val="accent1">
+              <a:shade val="50000"/>
+            </a:schemeClr>
+          </a:lnRef>
+          <a:fillRef idx="1">
+            <a:schemeClr val="accent1"/>
+          </a:fillRef>
+          <a:effectRef idx="0">
+            <a:schemeClr val="accent1"/>
+          </a:effectRef>
+          <a:fontRef idx="minor">
+            <a:schemeClr val="lt1"/>
+          </a:fontRef>
+        </p:style>
+        <p:txBody>
+          <a:bodyPr rtlCol="0" anchor="ctr"/>
+          <a:lstStyle/>
+          <a:p>
+            <a:pPr algn="ctr"/>
+            <a:endParaRPr lang="en-SG"/>
+          </a:p>
+        </p:txBody>
+      </p:sp>
+      <p:sp>
+        <p:nvSpPr>
+          <p:cNvPr id="45" name="Rectangle 44">
+            <a:extLst>
+              <a:ext uri="{FF2B5EF4-FFF2-40B4-BE49-F238E27FC236}">
+                <a16:creationId xmlns:a16="http://schemas.microsoft.com/office/drawing/2014/main" id="{32117A13-8571-47B3-8A2E-03C5E734B04E}"/>
+              </a:ext>
+            </a:extLst>
+          </p:cNvPr>
+          <p:cNvSpPr/>
+          <p:nvPr/>
+        </p:nvSpPr>
+        <p:spPr>
+          <a:xfrm>
+            <a:off x="2887384" y="2134348"/>
+            <a:ext cx="80597" cy="95211"/>
+          </a:xfrm>
+          <a:prstGeom prst="rect">
+            <a:avLst/>
+          </a:prstGeom>
+          <a:solidFill>
+            <a:srgbClr val="FFC000"/>
+          </a:solidFill>
+        </p:spPr>
+        <p:style>
+          <a:lnRef idx="2">
+            <a:schemeClr val="accent1">
+              <a:shade val="50000"/>
+            </a:schemeClr>
+          </a:lnRef>
+          <a:fillRef idx="1">
+            <a:schemeClr val="accent1"/>
+          </a:fillRef>
+          <a:effectRef idx="0">
+            <a:schemeClr val="accent1"/>
+          </a:effectRef>
+          <a:fontRef idx="minor">
+            <a:schemeClr val="lt1"/>
+          </a:fontRef>
+        </p:style>
+        <p:txBody>
+          <a:bodyPr rtlCol="0" anchor="ctr"/>
+          <a:lstStyle/>
+          <a:p>
+            <a:pPr algn="ctr"/>
+            <a:endParaRPr lang="en-SG" dirty="0"/>
+          </a:p>
+        </p:txBody>
+      </p:sp>
+      <p:pic>
+        <p:nvPicPr>
+          <p:cNvPr id="46" name="Picture 45" descr="A picture containing basketball, game&#10;&#10;Description automatically generated">
+            <a:extLst>
+              <a:ext uri="{FF2B5EF4-FFF2-40B4-BE49-F238E27FC236}">
+                <a16:creationId xmlns:a16="http://schemas.microsoft.com/office/drawing/2014/main" id="{1865D468-38E7-4203-8A19-F0D018E9CD48}"/>
+              </a:ext>
+            </a:extLst>
+          </p:cNvPr>
+          <p:cNvPicPr>
+            <a:picLocks noChangeAspect="1"/>
+          </p:cNvPicPr>
+          <p:nvPr/>
+        </p:nvPicPr>
+        <p:blipFill>
+          <a:blip r:embed="rId4">
+            <a:extLst>
+              <a:ext uri="{28A0092B-C50C-407E-A947-70E740481C1C}">
+                <a14:useLocalDpi xmlns:a14="http://schemas.microsoft.com/office/drawing/2010/main" val="0"/>
+              </a:ext>
+            </a:extLst>
+          </a:blip>
+          <a:stretch>
+            <a:fillRect/>
+          </a:stretch>
+        </p:blipFill>
+        <p:spPr>
+          <a:xfrm>
+            <a:off x="2762185" y="2529925"/>
+            <a:ext cx="241356" cy="337898"/>
+          </a:xfrm>
+          <a:prstGeom prst="rect">
+            <a:avLst/>
+          </a:prstGeom>
+          <a:ln w="3175">
+            <a:solidFill>
+              <a:schemeClr val="tx1"/>
+            </a:solidFill>
+          </a:ln>
+        </p:spPr>
+      </p:pic>
+      <p:sp>
+        <p:nvSpPr>
+          <p:cNvPr id="47" name="Rectangle 46">
+            <a:extLst>
+              <a:ext uri="{FF2B5EF4-FFF2-40B4-BE49-F238E27FC236}">
+                <a16:creationId xmlns:a16="http://schemas.microsoft.com/office/drawing/2014/main" id="{D2D28D46-0C11-46C4-94B4-88B7CA5F17AE}"/>
+              </a:ext>
+            </a:extLst>
+          </p:cNvPr>
+          <p:cNvSpPr/>
+          <p:nvPr/>
+        </p:nvSpPr>
+        <p:spPr>
+          <a:xfrm>
+            <a:off x="6100321" y="2133414"/>
+            <a:ext cx="323566" cy="1209697"/>
+          </a:xfrm>
+          <a:prstGeom prst="rect">
+            <a:avLst/>
+          </a:prstGeom>
+          <a:ln w="38100"/>
+        </p:spPr>
+        <p:style>
+          <a:lnRef idx="2">
+            <a:schemeClr val="accent6"/>
+          </a:lnRef>
+          <a:fillRef idx="1">
+            <a:schemeClr val="lt1"/>
+          </a:fillRef>
+          <a:effectRef idx="0">
+            <a:schemeClr val="accent6"/>
+          </a:effectRef>
+          <a:fontRef idx="minor">
+            <a:schemeClr val="dk1"/>
+          </a:fontRef>
+        </p:style>
+        <p:txBody>
+          <a:bodyPr rtlCol="0" anchor="ctr"/>
+          <a:lstStyle/>
+          <a:p>
+            <a:pPr algn="ctr"/>
+            <a:endParaRPr lang="en-SG" dirty="0"/>
+          </a:p>
+        </p:txBody>
+      </p:sp>
+      <p:pic>
+        <p:nvPicPr>
+          <p:cNvPr id="48" name="Picture 47">
+            <a:extLst>
+              <a:ext uri="{FF2B5EF4-FFF2-40B4-BE49-F238E27FC236}">
+                <a16:creationId xmlns:a16="http://schemas.microsoft.com/office/drawing/2014/main" id="{FF8DFB73-E482-4FF5-8F1F-C79D5D02EC7F}"/>
+              </a:ext>
+            </a:extLst>
+          </p:cNvPr>
+          <p:cNvPicPr>
+            <a:picLocks noChangeAspect="1"/>
+          </p:cNvPicPr>
+          <p:nvPr/>
+        </p:nvPicPr>
+        <p:blipFill>
+          <a:blip r:embed="rId3">
+            <a:extLst>
+              <a:ext uri="{28A0092B-C50C-407E-A947-70E740481C1C}">
+                <a14:useLocalDpi xmlns:a14="http://schemas.microsoft.com/office/drawing/2010/main" val="0"/>
+              </a:ext>
+            </a:extLst>
+          </a:blip>
+          <a:stretch>
+            <a:fillRect/>
+          </a:stretch>
+        </p:blipFill>
+        <p:spPr>
+          <a:xfrm>
+            <a:off x="6129234" y="3031676"/>
+            <a:ext cx="265740" cy="265740"/>
+          </a:xfrm>
+          <a:prstGeom prst="rect">
+            <a:avLst/>
+          </a:prstGeom>
+        </p:spPr>
+      </p:pic>
+      <p:sp>
+        <p:nvSpPr>
+          <p:cNvPr id="49" name="Rectangle 48">
+            <a:extLst>
+              <a:ext uri="{FF2B5EF4-FFF2-40B4-BE49-F238E27FC236}">
+                <a16:creationId xmlns:a16="http://schemas.microsoft.com/office/drawing/2014/main" id="{78A05C1F-A187-43C5-8792-2B4ECAF4C628}"/>
+              </a:ext>
+            </a:extLst>
+          </p:cNvPr>
+          <p:cNvSpPr/>
+          <p:nvPr/>
+        </p:nvSpPr>
+        <p:spPr>
+          <a:xfrm>
+            <a:off x="6141934" y="2175785"/>
+            <a:ext cx="80597" cy="95211"/>
+          </a:xfrm>
+          <a:prstGeom prst="rect">
+            <a:avLst/>
+          </a:prstGeom>
+          <a:solidFill>
+            <a:srgbClr val="FFC000"/>
+          </a:solidFill>
+        </p:spPr>
+        <p:style>
+          <a:lnRef idx="2">
+            <a:schemeClr val="accent1">
+              <a:shade val="50000"/>
+            </a:schemeClr>
+          </a:lnRef>
+          <a:fillRef idx="1">
+            <a:schemeClr val="accent1"/>
+          </a:fillRef>
+          <a:effectRef idx="0">
+            <a:schemeClr val="accent1"/>
+          </a:effectRef>
+          <a:fontRef idx="minor">
+            <a:schemeClr val="lt1"/>
+          </a:fontRef>
+        </p:style>
+        <p:txBody>
+          <a:bodyPr rtlCol="0" anchor="ctr"/>
+          <a:lstStyle/>
+          <a:p>
+            <a:pPr algn="ctr"/>
+            <a:endParaRPr lang="en-SG"/>
+          </a:p>
+        </p:txBody>
+      </p:sp>
+      <p:sp>
+        <p:nvSpPr>
+          <p:cNvPr id="50" name="Rectangle 49">
+            <a:extLst>
+              <a:ext uri="{FF2B5EF4-FFF2-40B4-BE49-F238E27FC236}">
+                <a16:creationId xmlns:a16="http://schemas.microsoft.com/office/drawing/2014/main" id="{91CA36CB-1F46-4BD0-8E1C-7BEE6D4B9AF9}"/>
+              </a:ext>
+            </a:extLst>
+          </p:cNvPr>
+          <p:cNvSpPr/>
+          <p:nvPr/>
+        </p:nvSpPr>
+        <p:spPr>
+          <a:xfrm>
+            <a:off x="6268980" y="2175785"/>
+            <a:ext cx="80597" cy="95211"/>
+          </a:xfrm>
+          <a:prstGeom prst="rect">
+            <a:avLst/>
+          </a:prstGeom>
+          <a:solidFill>
+            <a:srgbClr val="FFC000"/>
+          </a:solidFill>
+        </p:spPr>
+        <p:style>
+          <a:lnRef idx="2">
+            <a:schemeClr val="accent1">
+              <a:shade val="50000"/>
+            </a:schemeClr>
+          </a:lnRef>
+          <a:fillRef idx="1">
+            <a:schemeClr val="accent1"/>
+          </a:fillRef>
+          <a:effectRef idx="0">
+            <a:schemeClr val="accent1"/>
+          </a:effectRef>
+          <a:fontRef idx="minor">
+            <a:schemeClr val="lt1"/>
+          </a:fontRef>
+        </p:style>
+        <p:txBody>
+          <a:bodyPr rtlCol="0" anchor="ctr"/>
+          <a:lstStyle/>
+          <a:p>
+            <a:pPr algn="ctr"/>
+            <a:endParaRPr lang="en-SG" dirty="0"/>
+          </a:p>
+        </p:txBody>
+      </p:sp>
+      <p:pic>
+        <p:nvPicPr>
+          <p:cNvPr id="51" name="Picture 50" descr="A picture containing basketball, game&#10;&#10;Description automatically generated">
+            <a:extLst>
+              <a:ext uri="{FF2B5EF4-FFF2-40B4-BE49-F238E27FC236}">
+                <a16:creationId xmlns:a16="http://schemas.microsoft.com/office/drawing/2014/main" id="{99A43A0C-8836-4B53-AF23-2FA29FDF4A4F}"/>
+              </a:ext>
+            </a:extLst>
+          </p:cNvPr>
+          <p:cNvPicPr>
+            <a:picLocks noChangeAspect="1"/>
+          </p:cNvPicPr>
+          <p:nvPr/>
+        </p:nvPicPr>
+        <p:blipFill>
+          <a:blip r:embed="rId4">
+            <a:extLst>
+              <a:ext uri="{28A0092B-C50C-407E-A947-70E740481C1C}">
+                <a14:useLocalDpi xmlns:a14="http://schemas.microsoft.com/office/drawing/2010/main" val="0"/>
+              </a:ext>
+            </a:extLst>
+          </a:blip>
+          <a:stretch>
+            <a:fillRect/>
+          </a:stretch>
+        </p:blipFill>
+        <p:spPr>
+          <a:xfrm>
+            <a:off x="6143781" y="2519744"/>
+            <a:ext cx="241356" cy="337898"/>
+          </a:xfrm>
+          <a:prstGeom prst="rect">
+            <a:avLst/>
+          </a:prstGeom>
+          <a:ln w="3175">
+            <a:solidFill>
+              <a:schemeClr val="tx1"/>
+            </a:solidFill>
+          </a:ln>
+        </p:spPr>
+      </p:pic>
+      <p:cxnSp>
+        <p:nvCxnSpPr>
+          <p:cNvPr id="25" name="Straight Arrow Connector 24">
+            <a:extLst>
+              <a:ext uri="{FF2B5EF4-FFF2-40B4-BE49-F238E27FC236}">
+                <a16:creationId xmlns:a16="http://schemas.microsoft.com/office/drawing/2014/main" id="{172239BF-4CD7-43E2-B5F9-2E87CDB474E5}"/>
+              </a:ext>
+            </a:extLst>
+          </p:cNvPr>
+          <p:cNvCxnSpPr>
+            <a:cxnSpLocks/>
+          </p:cNvCxnSpPr>
+          <p:nvPr/>
+        </p:nvCxnSpPr>
+        <p:spPr>
+          <a:xfrm>
+            <a:off x="1416092" y="2412853"/>
+            <a:ext cx="5468802" cy="0"/>
+          </a:xfrm>
+          <a:prstGeom prst="straightConnector1">
+            <a:avLst/>
+          </a:prstGeom>
+          <a:ln w="19050">
+            <a:headEnd type="triangle" w="med" len="med"/>
+            <a:tailEnd type="none" w="med" len="med"/>
+          </a:ln>
+        </p:spPr>
+        <p:style>
+          <a:lnRef idx="1">
+            <a:schemeClr val="accent1"/>
+          </a:lnRef>
+          <a:fillRef idx="0">
+            <a:schemeClr val="accent1"/>
+          </a:fillRef>
+          <a:effectRef idx="0">
+            <a:schemeClr val="accent1"/>
+          </a:effectRef>
+          <a:fontRef idx="minor">
+            <a:schemeClr val="tx1"/>
+          </a:fontRef>
+        </p:style>
+      </p:cxnSp>
+      <p:cxnSp>
+        <p:nvCxnSpPr>
+          <p:cNvPr id="33" name="Straight Arrow Connector 32">
+            <a:extLst>
+              <a:ext uri="{FF2B5EF4-FFF2-40B4-BE49-F238E27FC236}">
+                <a16:creationId xmlns:a16="http://schemas.microsoft.com/office/drawing/2014/main" id="{8AFCE24B-0233-4BF2-90D6-A8D538788DFA}"/>
+              </a:ext>
+            </a:extLst>
+          </p:cNvPr>
+          <p:cNvCxnSpPr>
+            <a:cxnSpLocks/>
+          </p:cNvCxnSpPr>
+          <p:nvPr/>
+        </p:nvCxnSpPr>
+        <p:spPr>
+          <a:xfrm flipH="1">
+            <a:off x="1472773" y="2936216"/>
+            <a:ext cx="5412121" cy="0"/>
+          </a:xfrm>
+          <a:prstGeom prst="straightConnector1">
+            <a:avLst/>
+          </a:prstGeom>
+          <a:ln w="19050">
+            <a:headEnd type="triangle" w="med" len="med"/>
+            <a:tailEnd type="none" w="med" len="med"/>
+          </a:ln>
+        </p:spPr>
+        <p:style>
+          <a:lnRef idx="1">
+            <a:schemeClr val="accent1"/>
+          </a:lnRef>
+          <a:fillRef idx="0">
+            <a:schemeClr val="accent1"/>
+          </a:fillRef>
+          <a:effectRef idx="0">
+            <a:schemeClr val="accent1"/>
+          </a:effectRef>
+          <a:fontRef idx="minor">
+            <a:schemeClr val="tx1"/>
+          </a:fontRef>
+        </p:style>
+      </p:cxnSp>
+      <p:sp>
+        <p:nvSpPr>
+          <p:cNvPr id="52" name="TextBox 51">
+            <a:extLst>
+              <a:ext uri="{FF2B5EF4-FFF2-40B4-BE49-F238E27FC236}">
+                <a16:creationId xmlns:a16="http://schemas.microsoft.com/office/drawing/2014/main" id="{A190EE3B-9AC2-4578-B0B8-6F4ABC04655E}"/>
+              </a:ext>
+            </a:extLst>
+          </p:cNvPr>
+          <p:cNvSpPr txBox="1"/>
+          <p:nvPr/>
+        </p:nvSpPr>
+        <p:spPr>
+          <a:xfrm>
+            <a:off x="2273702" y="3301534"/>
+            <a:ext cx="1574619" cy="600164"/>
+          </a:xfrm>
+          <a:prstGeom prst="rect">
+            <a:avLst/>
+          </a:prstGeom>
+          <a:noFill/>
+        </p:spPr>
+        <p:txBody>
+          <a:bodyPr wrap="square" rtlCol="0">
+            <a:spAutoFit/>
+          </a:bodyPr>
+          <a:lstStyle/>
+          <a:p>
+            <a:r>
+              <a:rPr lang="en-SG" sz="1100" b="1" dirty="0"/>
+              <a:t>Network Interface</a:t>
+            </a:r>
+          </a:p>
+          <a:p>
+            <a:r>
+              <a:rPr lang="en-SG" sz="1100" b="1" dirty="0" err="1"/>
+              <a:t>Pub_IP</a:t>
+            </a:r>
+            <a:r>
+              <a:rPr lang="en-SG" sz="1100" b="1" dirty="0"/>
+              <a:t>: 172.31.103.202</a:t>
+            </a:r>
+          </a:p>
+          <a:p>
+            <a:r>
+              <a:rPr lang="en-SG" sz="1100" b="1" dirty="0"/>
+              <a:t>Wg0: 10.0.0.2</a:t>
+            </a:r>
+          </a:p>
+        </p:txBody>
+      </p:sp>
+      <p:sp>
+        <p:nvSpPr>
+          <p:cNvPr id="53" name="TextBox 52">
+            <a:extLst>
+              <a:ext uri="{FF2B5EF4-FFF2-40B4-BE49-F238E27FC236}">
+                <a16:creationId xmlns:a16="http://schemas.microsoft.com/office/drawing/2014/main" id="{687F4146-CFFF-4D49-82FE-4EEDDD16F1E3}"/>
+              </a:ext>
+            </a:extLst>
+          </p:cNvPr>
+          <p:cNvSpPr txBox="1"/>
+          <p:nvPr/>
+        </p:nvSpPr>
+        <p:spPr>
+          <a:xfrm>
+            <a:off x="5442289" y="3291059"/>
+            <a:ext cx="1574619" cy="600164"/>
+          </a:xfrm>
+          <a:prstGeom prst="rect">
+            <a:avLst/>
+          </a:prstGeom>
+          <a:noFill/>
+        </p:spPr>
+        <p:txBody>
+          <a:bodyPr wrap="square" rtlCol="0">
+            <a:spAutoFit/>
+          </a:bodyPr>
+          <a:lstStyle/>
+          <a:p>
+            <a:r>
+              <a:rPr lang="en-SG" sz="1100" b="1" dirty="0"/>
+              <a:t>Network Interface</a:t>
+            </a:r>
+          </a:p>
+          <a:p>
+            <a:r>
+              <a:rPr lang="en-SG" sz="1100" b="1" dirty="0" err="1"/>
+              <a:t>Pub_IP</a:t>
+            </a:r>
+            <a:r>
+              <a:rPr lang="en-SG" sz="1100" b="1" dirty="0"/>
+              <a:t>: 172.31.103.201</a:t>
+            </a:r>
+          </a:p>
+          <a:p>
+            <a:r>
+              <a:rPr lang="en-SG" sz="1100" b="1" dirty="0"/>
+              <a:t>Wg1: 10.0.0.1</a:t>
+            </a:r>
+          </a:p>
+        </p:txBody>
+      </p:sp>
+      <p:pic>
+        <p:nvPicPr>
+          <p:cNvPr id="2050" name="Picture 2" descr="Laptop Icon Graphic by marco.livolsi2014 · Creative Fabrica">
+            <a:extLst>
+              <a:ext uri="{FF2B5EF4-FFF2-40B4-BE49-F238E27FC236}">
+                <a16:creationId xmlns:a16="http://schemas.microsoft.com/office/drawing/2014/main" id="{F7DE270B-D620-4E15-B026-E9AE7B5222F3}"/>
+              </a:ext>
+            </a:extLst>
+          </p:cNvPr>
+          <p:cNvPicPr>
+            <a:picLocks noChangeAspect="1" noChangeArrowheads="1"/>
+          </p:cNvPicPr>
+          <p:nvPr/>
+        </p:nvPicPr>
+        <p:blipFill>
+          <a:blip r:embed="rId5">
+            <a:extLst>
+              <a:ext uri="{28A0092B-C50C-407E-A947-70E740481C1C}">
+                <a14:useLocalDpi xmlns:a14="http://schemas.microsoft.com/office/drawing/2010/main" val="0"/>
+              </a:ext>
+            </a:extLst>
+          </a:blip>
+          <a:srcRect/>
+          <a:stretch>
+            <a:fillRect/>
+          </a:stretch>
+        </p:blipFill>
+        <p:spPr bwMode="auto">
+          <a:xfrm>
+            <a:off x="8193308" y="3297416"/>
+            <a:ext cx="919312" cy="611818"/>
+          </a:xfrm>
+          <a:prstGeom prst="rect">
+            <a:avLst/>
+          </a:prstGeom>
+          <a:noFill/>
+          <a:extLst>
+            <a:ext uri="{909E8E84-426E-40DD-AFC4-6F175D3DCCD1}">
+              <a14:hiddenFill xmlns:a14="http://schemas.microsoft.com/office/drawing/2010/main">
+                <a:solidFill>
+                  <a:srgbClr val="FFFFFF"/>
+                </a:solidFill>
+              </a14:hiddenFill>
+            </a:ext>
+          </a:extLst>
+        </p:spPr>
+      </p:pic>
+      <p:cxnSp>
+        <p:nvCxnSpPr>
+          <p:cNvPr id="54" name="Straight Arrow Connector 53">
+            <a:extLst>
+              <a:ext uri="{FF2B5EF4-FFF2-40B4-BE49-F238E27FC236}">
+                <a16:creationId xmlns:a16="http://schemas.microsoft.com/office/drawing/2014/main" id="{630A30AE-8FF4-4338-B4A6-8451BE532353}"/>
+              </a:ext>
+            </a:extLst>
+          </p:cNvPr>
+          <p:cNvCxnSpPr>
+            <a:cxnSpLocks/>
+          </p:cNvCxnSpPr>
+          <p:nvPr/>
+        </p:nvCxnSpPr>
+        <p:spPr>
+          <a:xfrm>
+            <a:off x="6574655" y="2921348"/>
+            <a:ext cx="0" cy="1429426"/>
+          </a:xfrm>
+          <a:prstGeom prst="straightConnector1">
+            <a:avLst/>
+          </a:prstGeom>
+          <a:ln>
+            <a:prstDash val="dash"/>
+            <a:tailEnd type="triangle"/>
+          </a:ln>
+        </p:spPr>
+        <p:style>
+          <a:lnRef idx="1">
+            <a:schemeClr val="accent1"/>
+          </a:lnRef>
+          <a:fillRef idx="0">
+            <a:schemeClr val="accent1"/>
+          </a:fillRef>
+          <a:effectRef idx="0">
+            <a:schemeClr val="accent1"/>
+          </a:effectRef>
+          <a:fontRef idx="minor">
+            <a:schemeClr val="tx1"/>
+          </a:fontRef>
+        </p:style>
+      </p:cxnSp>
+      <p:pic>
+        <p:nvPicPr>
+          <p:cNvPr id="9" name="Picture 8">
+            <a:extLst>
+              <a:ext uri="{FF2B5EF4-FFF2-40B4-BE49-F238E27FC236}">
+                <a16:creationId xmlns:a16="http://schemas.microsoft.com/office/drawing/2014/main" id="{E2E924FC-FED0-4369-B421-51225CA3D0E9}"/>
+              </a:ext>
+            </a:extLst>
+          </p:cNvPr>
+          <p:cNvPicPr>
+            <a:picLocks noChangeAspect="1"/>
+          </p:cNvPicPr>
+          <p:nvPr/>
+        </p:nvPicPr>
+        <p:blipFill>
+          <a:blip r:embed="rId6"/>
+          <a:stretch>
+            <a:fillRect/>
+          </a:stretch>
+        </p:blipFill>
+        <p:spPr>
+          <a:xfrm>
+            <a:off x="7243852" y="3375421"/>
+            <a:ext cx="605960" cy="509833"/>
+          </a:xfrm>
+          <a:prstGeom prst="rect">
+            <a:avLst/>
+          </a:prstGeom>
+        </p:spPr>
+      </p:pic>
+      <p:cxnSp>
+        <p:nvCxnSpPr>
+          <p:cNvPr id="55" name="Straight Arrow Connector 54">
+            <a:extLst>
+              <a:ext uri="{FF2B5EF4-FFF2-40B4-BE49-F238E27FC236}">
+                <a16:creationId xmlns:a16="http://schemas.microsoft.com/office/drawing/2014/main" id="{73F66A59-07BA-4FD6-9F1D-BD74B40ADF99}"/>
+              </a:ext>
+            </a:extLst>
+          </p:cNvPr>
+          <p:cNvCxnSpPr>
+            <a:cxnSpLocks/>
+          </p:cNvCxnSpPr>
+          <p:nvPr/>
+        </p:nvCxnSpPr>
+        <p:spPr>
+          <a:xfrm>
+            <a:off x="7537712" y="3192516"/>
+            <a:ext cx="0" cy="161929"/>
+          </a:xfrm>
+          <a:prstGeom prst="straightConnector1">
+            <a:avLst/>
+          </a:prstGeom>
+          <a:ln>
+            <a:tailEnd type="triangle"/>
+          </a:ln>
+        </p:spPr>
+        <p:style>
+          <a:lnRef idx="1">
+            <a:schemeClr val="accent1"/>
+          </a:lnRef>
+          <a:fillRef idx="0">
+            <a:schemeClr val="accent1"/>
+          </a:fillRef>
+          <a:effectRef idx="0">
+            <a:schemeClr val="accent1"/>
+          </a:effectRef>
+          <a:fontRef idx="minor">
+            <a:schemeClr val="tx1"/>
+          </a:fontRef>
+        </p:style>
+      </p:cxnSp>
+      <p:pic>
+        <p:nvPicPr>
+          <p:cNvPr id="1026" name="Picture 2" descr="Album, mountain, photo, frame, sky, gallery, photos icon - Free download">
+            <a:extLst>
+              <a:ext uri="{FF2B5EF4-FFF2-40B4-BE49-F238E27FC236}">
+                <a16:creationId xmlns:a16="http://schemas.microsoft.com/office/drawing/2014/main" id="{1FC80F7A-B859-4CB9-AF83-4C01A7F94051}"/>
+              </a:ext>
+            </a:extLst>
+          </p:cNvPr>
+          <p:cNvPicPr>
+            <a:picLocks noChangeAspect="1" noChangeArrowheads="1"/>
+          </p:cNvPicPr>
+          <p:nvPr/>
+        </p:nvPicPr>
+        <p:blipFill>
+          <a:blip r:embed="rId7">
+            <a:extLst>
+              <a:ext uri="{28A0092B-C50C-407E-A947-70E740481C1C}">
+                <a14:useLocalDpi xmlns:a14="http://schemas.microsoft.com/office/drawing/2010/main" val="0"/>
+              </a:ext>
+            </a:extLst>
+          </a:blip>
+          <a:srcRect/>
+          <a:stretch>
+            <a:fillRect/>
+          </a:stretch>
+        </p:blipFill>
+        <p:spPr bwMode="auto">
+          <a:xfrm flipV="1">
+            <a:off x="8452163" y="1466629"/>
+            <a:ext cx="331839" cy="331839"/>
+          </a:xfrm>
+          <a:prstGeom prst="rect">
+            <a:avLst/>
+          </a:prstGeom>
+          <a:noFill/>
+          <a:extLst>
+            <a:ext uri="{909E8E84-426E-40DD-AFC4-6F175D3DCCD1}">
+              <a14:hiddenFill xmlns:a14="http://schemas.microsoft.com/office/drawing/2010/main">
+                <a:solidFill>
+                  <a:srgbClr val="FFFFFF"/>
+                </a:solidFill>
+              </a14:hiddenFill>
+            </a:ext>
+          </a:extLst>
+        </p:spPr>
+      </p:pic>
+      <p:pic>
+        <p:nvPicPr>
+          <p:cNvPr id="44" name="Picture 2" descr="Album, mountain, photo, frame, sky, gallery, photos icon - Free download">
+            <a:extLst>
+              <a:ext uri="{FF2B5EF4-FFF2-40B4-BE49-F238E27FC236}">
+                <a16:creationId xmlns:a16="http://schemas.microsoft.com/office/drawing/2014/main" id="{9AEA44E9-8AF8-40C4-8965-218618CDA059}"/>
+              </a:ext>
+            </a:extLst>
+          </p:cNvPr>
+          <p:cNvPicPr>
+            <a:picLocks noChangeAspect="1" noChangeArrowheads="1"/>
+          </p:cNvPicPr>
+          <p:nvPr/>
+        </p:nvPicPr>
+        <p:blipFill>
+          <a:blip r:embed="rId7">
+            <a:extLst>
+              <a:ext uri="{28A0092B-C50C-407E-A947-70E740481C1C}">
+                <a14:useLocalDpi xmlns:a14="http://schemas.microsoft.com/office/drawing/2010/main" val="0"/>
+              </a:ext>
+            </a:extLst>
+          </a:blip>
+          <a:srcRect/>
+          <a:stretch>
+            <a:fillRect/>
+          </a:stretch>
+        </p:blipFill>
+        <p:spPr bwMode="auto">
+          <a:xfrm flipV="1">
+            <a:off x="8444821" y="2249260"/>
+            <a:ext cx="331839" cy="331839"/>
+          </a:xfrm>
+          <a:prstGeom prst="rect">
+            <a:avLst/>
+          </a:prstGeom>
+          <a:noFill/>
+          <a:extLst>
+            <a:ext uri="{909E8E84-426E-40DD-AFC4-6F175D3DCCD1}">
+              <a14:hiddenFill xmlns:a14="http://schemas.microsoft.com/office/drawing/2010/main">
+                <a:solidFill>
+                  <a:srgbClr val="FFFFFF"/>
+                </a:solidFill>
+              </a14:hiddenFill>
+            </a:ext>
+          </a:extLst>
+        </p:spPr>
+      </p:pic>
+      <p:sp>
+        <p:nvSpPr>
+          <p:cNvPr id="11" name="TextBox 10">
+            <a:extLst>
+              <a:ext uri="{FF2B5EF4-FFF2-40B4-BE49-F238E27FC236}">
+                <a16:creationId xmlns:a16="http://schemas.microsoft.com/office/drawing/2014/main" id="{431D6D60-BECD-47CC-B173-8B083127BE80}"/>
+              </a:ext>
+            </a:extLst>
+          </p:cNvPr>
+          <p:cNvSpPr txBox="1"/>
+          <p:nvPr/>
+        </p:nvSpPr>
+        <p:spPr>
+          <a:xfrm>
+            <a:off x="6377063" y="2156415"/>
+            <a:ext cx="607474" cy="246221"/>
+          </a:xfrm>
+          <a:prstGeom prst="rect">
+            <a:avLst/>
+          </a:prstGeom>
+          <a:noFill/>
+        </p:spPr>
+        <p:txBody>
+          <a:bodyPr wrap="square" rtlCol="0">
+            <a:spAutoFit/>
+          </a:bodyPr>
+          <a:lstStyle/>
+          <a:p>
+            <a:r>
+              <a:rPr lang="en-SG" sz="1000" b="1" dirty="0">
+                <a:solidFill>
+                  <a:srgbClr val="00B050"/>
+                </a:solidFill>
+              </a:rPr>
+              <a:t>Time[1]</a:t>
+            </a:r>
+          </a:p>
+        </p:txBody>
+      </p:sp>
+      <p:cxnSp>
+        <p:nvCxnSpPr>
+          <p:cNvPr id="16" name="Connector: Elbow 15">
+            <a:extLst>
+              <a:ext uri="{FF2B5EF4-FFF2-40B4-BE49-F238E27FC236}">
+                <a16:creationId xmlns:a16="http://schemas.microsoft.com/office/drawing/2014/main" id="{CB138E88-1869-4183-B2E1-F111CF6ADC94}"/>
+              </a:ext>
+            </a:extLst>
+          </p:cNvPr>
+          <p:cNvCxnSpPr>
+            <a:stCxn id="11" idx="2"/>
+          </p:cNvCxnSpPr>
+          <p:nvPr/>
+        </p:nvCxnSpPr>
+        <p:spPr>
+          <a:xfrm rot="16200000" flipH="1">
+            <a:off x="5942815" y="3140621"/>
+            <a:ext cx="1948138" cy="472168"/>
+          </a:xfrm>
+          <a:prstGeom prst="bentConnector3">
+            <a:avLst/>
+          </a:prstGeom>
+          <a:ln>
+            <a:prstDash val="dash"/>
+            <a:tailEnd type="triangle"/>
+          </a:ln>
+        </p:spPr>
+        <p:style>
+          <a:lnRef idx="1">
+            <a:schemeClr val="accent1"/>
+          </a:lnRef>
+          <a:fillRef idx="0">
+            <a:schemeClr val="accent1"/>
+          </a:fillRef>
+          <a:effectRef idx="0">
+            <a:schemeClr val="accent1"/>
+          </a:effectRef>
+          <a:fontRef idx="minor">
+            <a:schemeClr val="tx1"/>
+          </a:fontRef>
+        </p:style>
+      </p:cxnSp>
+      <p:sp>
+        <p:nvSpPr>
+          <p:cNvPr id="57" name="TextBox 56">
+            <a:extLst>
+              <a:ext uri="{FF2B5EF4-FFF2-40B4-BE49-F238E27FC236}">
+                <a16:creationId xmlns:a16="http://schemas.microsoft.com/office/drawing/2014/main" id="{202E5851-A3F3-4F13-896C-A7CB05F2704C}"/>
+              </a:ext>
+            </a:extLst>
+          </p:cNvPr>
+          <p:cNvSpPr txBox="1"/>
+          <p:nvPr/>
+        </p:nvSpPr>
+        <p:spPr>
+          <a:xfrm>
+            <a:off x="6385137" y="2687028"/>
+            <a:ext cx="607474" cy="246221"/>
+          </a:xfrm>
+          <a:prstGeom prst="rect">
+            <a:avLst/>
+          </a:prstGeom>
+          <a:noFill/>
+        </p:spPr>
+        <p:txBody>
+          <a:bodyPr wrap="square" rtlCol="0">
+            <a:spAutoFit/>
+          </a:bodyPr>
+          <a:lstStyle/>
+          <a:p>
+            <a:r>
+              <a:rPr lang="en-SG" sz="1000" b="1" dirty="0">
+                <a:solidFill>
+                  <a:schemeClr val="accent1">
+                    <a:lumMod val="75000"/>
+                  </a:schemeClr>
+                </a:solidFill>
+              </a:rPr>
+              <a:t>Time[2]</a:t>
+            </a:r>
+          </a:p>
+        </p:txBody>
+      </p:sp>
+      <p:cxnSp>
+        <p:nvCxnSpPr>
+          <p:cNvPr id="58" name="Straight Arrow Connector 57">
+            <a:extLst>
+              <a:ext uri="{FF2B5EF4-FFF2-40B4-BE49-F238E27FC236}">
+                <a16:creationId xmlns:a16="http://schemas.microsoft.com/office/drawing/2014/main" id="{3F605E4C-F149-4FC6-AE8E-DE305BC4C480}"/>
+              </a:ext>
+            </a:extLst>
+          </p:cNvPr>
+          <p:cNvCxnSpPr>
+            <a:cxnSpLocks/>
+          </p:cNvCxnSpPr>
+          <p:nvPr/>
+        </p:nvCxnSpPr>
+        <p:spPr>
+          <a:xfrm>
+            <a:off x="8550044" y="3156155"/>
+            <a:ext cx="0" cy="209274"/>
+          </a:xfrm>
+          <a:prstGeom prst="straightConnector1">
+            <a:avLst/>
+          </a:prstGeom>
+          <a:ln>
+            <a:tailEnd type="triangle"/>
+          </a:ln>
+        </p:spPr>
+        <p:style>
+          <a:lnRef idx="1">
+            <a:schemeClr val="accent1"/>
+          </a:lnRef>
+          <a:fillRef idx="0">
+            <a:schemeClr val="accent1"/>
+          </a:fillRef>
+          <a:effectRef idx="0">
+            <a:schemeClr val="accent1"/>
+          </a:effectRef>
+          <a:fontRef idx="minor">
+            <a:schemeClr val="tx1"/>
+          </a:fontRef>
+        </p:style>
+      </p:cxnSp>
+    </p:spTree>
+    <p:extLst>
+      <p:ext uri="{BB962C8B-B14F-4D97-AF65-F5344CB8AC3E}">
+        <p14:creationId xmlns:p14="http://schemas.microsoft.com/office/powerpoint/2010/main" val="759378634"/>
+      </p:ext>
+    </p:extLst>
+  </p:cSld>
+  <p:clrMapOvr>
+    <a:masterClrMapping/>
+  </p:clrMapOvr>
+  <p:timing>
+    <p:tnLst>
+      <p:par>
+        <p:cTn id="1" dur="indefinite" restart="never" nodeType="tmRoot">
+          <p:childTnLst>
+            <p:seq concurrent="1" nextAc="seek">
+              <p:cTn id="2" dur="indefinite" nodeType="mainSeq">
+                <p:childTnLst>
+                  <p:par>
+                    <p:cTn id="3" fill="hold">
+                      <p:stCondLst>
+                        <p:cond delay="indefinite"/>
+                      </p:stCondLst>
+                      <p:childTnLst>
+                        <p:par>
+                          <p:cTn id="4" fill="hold">
+                            <p:stCondLst>
+                              <p:cond delay="0"/>
+                            </p:stCondLst>
+                            <p:childTnLst>
+                              <p:par>
+                                <p:cTn id="5" presetID="16" presetClass="entr" presetSubtype="21" fill="hold" nodeType="clickEffect">
+                                  <p:stCondLst>
+                                    <p:cond delay="0"/>
+                                  </p:stCondLst>
+                                  <p:childTnLst>
+                                    <p:set>
+                                      <p:cBhvr>
+                                        <p:cTn id="6" dur="1" fill="hold">
+                                          <p:stCondLst>
+                                            <p:cond delay="0"/>
+                                          </p:stCondLst>
+                                        </p:cTn>
+                                        <p:tgtEl>
+                                          <p:spTgt spid="1026"/>
+                                        </p:tgtEl>
+                                        <p:attrNameLst>
+                                          <p:attrName>style.visibility</p:attrName>
+                                        </p:attrNameLst>
+                                      </p:cBhvr>
+                                      <p:to>
+                                        <p:strVal val="visible"/>
+                                      </p:to>
+                                    </p:set>
+                                    <p:animEffect transition="in" filter="barn(inVertical)">
+                                      <p:cBhvr>
+                                        <p:cTn id="7" dur="500"/>
+                                        <p:tgtEl>
+                                          <p:spTgt spid="1026"/>
+                                        </p:tgtEl>
+                                      </p:cBhvr>
+                                    </p:animEffect>
+                                  </p:childTnLst>
+                                </p:cTn>
+                              </p:par>
+                            </p:childTnLst>
+                          </p:cTn>
+                        </p:par>
+                      </p:childTnLst>
+                    </p:cTn>
+                  </p:par>
+                  <p:par>
+                    <p:cTn id="8" fill="hold">
+                      <p:stCondLst>
+                        <p:cond delay="indefinite"/>
+                      </p:stCondLst>
+                      <p:childTnLst>
+                        <p:par>
+                          <p:cTn id="9" fill="hold">
+                            <p:stCondLst>
+                              <p:cond delay="0"/>
+                            </p:stCondLst>
+                            <p:childTnLst>
+                              <p:par>
+                                <p:cTn id="10" presetID="42" presetClass="path" presetSubtype="0" accel="50000" decel="50000" fill="hold" nodeType="clickEffect">
+                                  <p:stCondLst>
+                                    <p:cond delay="0"/>
+                                  </p:stCondLst>
+                                  <p:childTnLst>
+                                    <p:animMotion origin="layout" path="M -8.33333E-7 -2.96296E-6 L -8.33333E-7 0.27824 " pathEditMode="relative" rAng="0" ptsTypes="AA">
+                                      <p:cBhvr>
+                                        <p:cTn id="11" dur="3000" fill="hold"/>
+                                        <p:tgtEl>
+                                          <p:spTgt spid="1026"/>
+                                        </p:tgtEl>
+                                        <p:attrNameLst>
+                                          <p:attrName>ppt_x</p:attrName>
+                                          <p:attrName>ppt_y</p:attrName>
+                                        </p:attrNameLst>
+                                      </p:cBhvr>
+                                      <p:rCtr x="0" y="13912"/>
+                                    </p:animMotion>
+                                  </p:childTnLst>
+                                </p:cTn>
+                              </p:par>
+                              <p:par>
+                                <p:cTn id="12" presetID="1" presetClass="entr" presetSubtype="0" fill="hold" nodeType="withEffect">
+                                  <p:stCondLst>
+                                    <p:cond delay="1500"/>
+                                  </p:stCondLst>
+                                  <p:childTnLst>
+                                    <p:set>
+                                      <p:cBhvr>
+                                        <p:cTn id="13" dur="1" fill="hold">
+                                          <p:stCondLst>
+                                            <p:cond delay="0"/>
+                                          </p:stCondLst>
+                                        </p:cTn>
+                                        <p:tgtEl>
+                                          <p:spTgt spid="44"/>
+                                        </p:tgtEl>
+                                        <p:attrNameLst>
+                                          <p:attrName>style.visibility</p:attrName>
+                                        </p:attrNameLst>
+                                      </p:cBhvr>
+                                      <p:to>
+                                        <p:strVal val="visible"/>
+                                      </p:to>
+                                    </p:set>
+                                  </p:childTnLst>
+                                </p:cTn>
+                              </p:par>
+                              <p:par>
+                                <p:cTn id="14" presetID="0" presetClass="path" presetSubtype="0" accel="50000" decel="50000" fill="hold" nodeType="withEffect">
+                                  <p:stCondLst>
+                                    <p:cond delay="1500"/>
+                                  </p:stCondLst>
+                                  <p:childTnLst>
+                                    <p:animMotion origin="layout" path="M 0 -3.33333E-6 L -0.59102 0.00186 L -0.59102 0.07894 L -0.08659 0.08218 C -0.08893 0.10973 -0.08437 0.1382 -0.08646 0.16621 " pathEditMode="relative" rAng="0" ptsTypes="AAAAA">
+                                      <p:cBhvr>
+                                        <p:cTn id="15" dur="5000" fill="hold"/>
+                                        <p:tgtEl>
+                                          <p:spTgt spid="44"/>
+                                        </p:tgtEl>
+                                        <p:attrNameLst>
+                                          <p:attrName>ppt_x</p:attrName>
+                                          <p:attrName>ppt_y</p:attrName>
+                                        </p:attrNameLst>
+                                      </p:cBhvr>
+                                      <p:rCtr x="-29557" y="8310"/>
+                                    </p:animMotion>
+                                  </p:childTnLst>
+                                </p:cTn>
+                              </p:par>
+                              <p:par>
+                                <p:cTn id="16" presetID="26" presetClass="emph" presetSubtype="0" repeatCount="indefinite" fill="hold" grpId="0" nodeType="withEffect">
+                                  <p:stCondLst>
+                                    <p:cond delay="0"/>
+                                  </p:stCondLst>
+                                  <p:childTnLst>
+                                    <p:animEffect transition="out" filter="fade">
+                                      <p:cBhvr>
+                                        <p:cTn id="17" dur="500" tmFilter="0, 0; .2, .5; .8, .5; 1, 0"/>
+                                        <p:tgtEl>
+                                          <p:spTgt spid="43"/>
+                                        </p:tgtEl>
+                                      </p:cBhvr>
+                                    </p:animEffect>
+                                    <p:animScale>
+                                      <p:cBhvr>
+                                        <p:cTn id="18" dur="250" autoRev="1" fill="hold"/>
+                                        <p:tgtEl>
+                                          <p:spTgt spid="43"/>
+                                        </p:tgtEl>
+                                      </p:cBhvr>
+                                      <p:by x="105000" y="105000"/>
+                                    </p:animScale>
+                                  </p:childTnLst>
+                                </p:cTn>
+                              </p:par>
+                              <p:par>
+                                <p:cTn id="19" presetID="26" presetClass="emph" presetSubtype="0" repeatCount="indefinite" fill="hold" grpId="0" nodeType="withEffect">
+                                  <p:stCondLst>
+                                    <p:cond delay="600"/>
+                                  </p:stCondLst>
+                                  <p:childTnLst>
+                                    <p:animEffect transition="out" filter="fade">
+                                      <p:cBhvr>
+                                        <p:cTn id="20" dur="500" tmFilter="0, 0; .2, .5; .8, .5; 1, 0"/>
+                                        <p:tgtEl>
+                                          <p:spTgt spid="45"/>
+                                        </p:tgtEl>
+                                      </p:cBhvr>
+                                    </p:animEffect>
+                                    <p:animScale>
+                                      <p:cBhvr>
+                                        <p:cTn id="21" dur="250" autoRev="1" fill="hold"/>
+                                        <p:tgtEl>
+                                          <p:spTgt spid="45"/>
+                                        </p:tgtEl>
+                                      </p:cBhvr>
+                                      <p:by x="105000" y="105000"/>
+                                    </p:animScale>
+                                  </p:childTnLst>
+                                </p:cTn>
+                              </p:par>
+                              <p:par>
+                                <p:cTn id="22" presetID="26" presetClass="emph" presetSubtype="0" repeatCount="indefinite" fill="hold" grpId="0" nodeType="withEffect">
+                                  <p:stCondLst>
+                                    <p:cond delay="0"/>
+                                  </p:stCondLst>
+                                  <p:childTnLst>
+                                    <p:animEffect transition="out" filter="fade">
+                                      <p:cBhvr>
+                                        <p:cTn id="23" dur="500" tmFilter="0, 0; .2, .5; .8, .5; 1, 0"/>
+                                        <p:tgtEl>
+                                          <p:spTgt spid="49"/>
+                                        </p:tgtEl>
+                                      </p:cBhvr>
+                                    </p:animEffect>
+                                    <p:animScale>
+                                      <p:cBhvr>
+                                        <p:cTn id="24" dur="250" autoRev="1" fill="hold"/>
+                                        <p:tgtEl>
+                                          <p:spTgt spid="49"/>
+                                        </p:tgtEl>
+                                      </p:cBhvr>
+                                      <p:by x="105000" y="105000"/>
+                                    </p:animScale>
+                                  </p:childTnLst>
+                                </p:cTn>
+                              </p:par>
+                              <p:par>
+                                <p:cTn id="25" presetID="26" presetClass="emph" presetSubtype="0" repeatCount="indefinite" fill="hold" grpId="0" nodeType="withEffect">
+                                  <p:stCondLst>
+                                    <p:cond delay="600"/>
+                                  </p:stCondLst>
+                                  <p:childTnLst>
+                                    <p:animEffect transition="out" filter="fade">
+                                      <p:cBhvr>
+                                        <p:cTn id="26" dur="500" tmFilter="0, 0; .2, .5; .8, .5; 1, 0"/>
+                                        <p:tgtEl>
+                                          <p:spTgt spid="50"/>
+                                        </p:tgtEl>
+                                      </p:cBhvr>
+                                    </p:animEffect>
+                                    <p:animScale>
+                                      <p:cBhvr>
+                                        <p:cTn id="27" dur="250" autoRev="1" fill="hold"/>
+                                        <p:tgtEl>
+                                          <p:spTgt spid="50"/>
+                                        </p:tgtEl>
+                                      </p:cBhvr>
+                                      <p:by x="105000" y="105000"/>
+                                    </p:animScale>
+                                  </p:childTnLst>
+                                </p:cTn>
+                              </p:par>
+                              <p:par>
+                                <p:cTn id="28" presetID="0" presetClass="path" presetSubtype="0" accel="50000" decel="50000" fill="hold" grpId="0" nodeType="withEffect">
+                                  <p:stCondLst>
+                                    <p:cond delay="2000"/>
+                                  </p:stCondLst>
+                                  <p:childTnLst>
+                                    <p:animMotion origin="layout" path="M -0.00118 4.07407E-6 L -0.00065 0.16226 L 0.0388 0.16342 L 0.0388 0.32152 " pathEditMode="relative" ptsTypes="AAAA">
+                                      <p:cBhvr>
+                                        <p:cTn id="29" dur="3600" fill="hold"/>
+                                        <p:tgtEl>
+                                          <p:spTgt spid="11"/>
+                                        </p:tgtEl>
+                                        <p:attrNameLst>
+                                          <p:attrName>ppt_x</p:attrName>
+                                          <p:attrName>ppt_y</p:attrName>
+                                        </p:attrNameLst>
+                                      </p:cBhvr>
+                                    </p:animMotion>
+                                  </p:childTnLst>
+                                </p:cTn>
+                              </p:par>
+                              <p:par>
+                                <p:cTn id="30" presetID="42" presetClass="path" presetSubtype="0" accel="50000" decel="50000" fill="hold" grpId="0" nodeType="withEffect">
+                                  <p:stCondLst>
+                                    <p:cond delay="5700"/>
+                                  </p:stCondLst>
+                                  <p:childTnLst>
+                                    <p:animMotion origin="layout" path="M -0.0013 -0.00069 L -0.00078 0.24306 " pathEditMode="relative" rAng="0" ptsTypes="AA">
+                                      <p:cBhvr>
+                                        <p:cTn id="31" dur="3400" fill="hold"/>
+                                        <p:tgtEl>
+                                          <p:spTgt spid="57"/>
+                                        </p:tgtEl>
+                                        <p:attrNameLst>
+                                          <p:attrName>ppt_x</p:attrName>
+                                          <p:attrName>ppt_y</p:attrName>
+                                        </p:attrNameLst>
+                                      </p:cBhvr>
+                                      <p:rCtr x="26" y="12176"/>
+                                    </p:animMotion>
+                                  </p:childTnLst>
+                                </p:cTn>
+                              </p:par>
+                            </p:childTnLst>
+                          </p:cTn>
+                        </p:par>
+                        <p:par>
+                          <p:cTn id="32" fill="hold">
+                            <p:stCondLst>
+                              <p:cond delay="9100"/>
+                            </p:stCondLst>
+                            <p:childTnLst>
+                              <p:par>
+                                <p:cTn id="33" presetID="1" presetClass="entr" presetSubtype="0" fill="hold" grpId="0" nodeType="afterEffect">
+                                  <p:stCondLst>
+                                    <p:cond delay="0"/>
+                                  </p:stCondLst>
+                                  <p:childTnLst>
+                                    <p:set>
+                                      <p:cBhvr>
+                                        <p:cTn id="34" dur="1" fill="hold">
+                                          <p:stCondLst>
+                                            <p:cond delay="0"/>
+                                          </p:stCondLst>
+                                        </p:cTn>
+                                        <p:tgtEl>
+                                          <p:spTgt spid="37"/>
+                                        </p:tgtEl>
+                                        <p:attrNameLst>
+                                          <p:attrName>style.visibility</p:attrName>
+                                        </p:attrNameLst>
+                                      </p:cBhvr>
+                                      <p:to>
+                                        <p:strVal val="visible"/>
+                                      </p:to>
+                                    </p:set>
+                                  </p:childTnLst>
+                                </p:cTn>
+                              </p:par>
+                            </p:childTnLst>
+                          </p:cTn>
+                        </p:par>
+                      </p:childTnLst>
+                    </p:cTn>
+                  </p:par>
+                </p:childTnLst>
+              </p:cTn>
+              <p:prevCondLst>
+                <p:cond evt="onPrev" delay="0">
+                  <p:tgtEl>
+                    <p:sldTgt/>
+                  </p:tgtEl>
+                </p:cond>
+              </p:prevCondLst>
+              <p:nextCondLst>
+                <p:cond evt="onNext" delay="0">
+                  <p:tgtEl>
+                    <p:sldTgt/>
+                  </p:tgtEl>
+                </p:cond>
+              </p:nextCondLst>
+            </p:seq>
+          </p:childTnLst>
+        </p:cTn>
+      </p:par>
+    </p:tnLst>
+    <p:bldLst>
+      <p:bldP spid="37" grpId="0"/>
+      <p:bldP spid="43" grpId="0" animBg="1"/>
+      <p:bldP spid="45" grpId="0" animBg="1"/>
+      <p:bldP spid="49" grpId="0" animBg="1"/>
+      <p:bldP spid="50" grpId="0" animBg="1"/>
+      <p:bldP spid="11" grpId="0"/>
+      <p:bldP spid="57" grpId="0"/>
+    </p:bldLst>
+  </p:timing>
+</p:sld>
+</file>
+
+<file path=ppt/slides/slide4.xml><?xml version="1.0" encoding="utf-8"?>
+<p:sld xmlns:a="http://schemas.openxmlformats.org/drawingml/2006/main" xmlns:r="http://schemas.openxmlformats.org/officeDocument/2006/relationships" xmlns:p="http://schemas.openxmlformats.org/presentationml/2006/main">
+  <p:cSld>
+    <p:spTree>
+      <p:nvGrpSpPr>
+        <p:cNvPr id="1" name=""/>
+        <p:cNvGrpSpPr/>
+        <p:nvPr/>
+      </p:nvGrpSpPr>
+      <p:grpSpPr>
+        <a:xfrm>
+          <a:off x="0" y="0"/>
+          <a:ext cx="0" cy="0"/>
+          <a:chOff x="0" y="0"/>
+          <a:chExt cx="0" cy="0"/>
+        </a:xfrm>
+      </p:grpSpPr>
+      <p:sp>
+        <p:nvSpPr>
+          <p:cNvPr id="7" name="Rectangle 6">
+            <a:extLst>
+              <a:ext uri="{FF2B5EF4-FFF2-40B4-BE49-F238E27FC236}">
+                <a16:creationId xmlns:a16="http://schemas.microsoft.com/office/drawing/2014/main" id="{B8E684BB-5C91-4BCF-8643-43230141762B}"/>
+              </a:ext>
+            </a:extLst>
+          </p:cNvPr>
+          <p:cNvSpPr/>
+          <p:nvPr/>
+        </p:nvSpPr>
+        <p:spPr>
+          <a:xfrm>
+            <a:off x="6262104" y="1392780"/>
+            <a:ext cx="3331308" cy="2623496"/>
+          </a:xfrm>
+          <a:prstGeom prst="rect">
+            <a:avLst/>
+          </a:prstGeom>
+          <a:ln w="3175">
+            <a:solidFill>
+              <a:schemeClr val="tx1">
+                <a:lumMod val="50000"/>
+                <a:lumOff val="50000"/>
+              </a:schemeClr>
+            </a:solidFill>
+            <a:prstDash val="dash"/>
+          </a:ln>
+        </p:spPr>
+        <p:style>
+          <a:lnRef idx="2">
+            <a:schemeClr val="accent6"/>
+          </a:lnRef>
+          <a:fillRef idx="1">
+            <a:schemeClr val="lt1"/>
+          </a:fillRef>
+          <a:effectRef idx="0">
+            <a:schemeClr val="accent6"/>
+          </a:effectRef>
+          <a:fontRef idx="minor">
+            <a:schemeClr val="dk1"/>
+          </a:fontRef>
+        </p:style>
+        <p:txBody>
+          <a:bodyPr rtlCol="0" anchor="ctr"/>
+          <a:lstStyle/>
+          <a:p>
+            <a:pPr algn="ctr"/>
+            <a:endParaRPr lang="en-SG" dirty="0"/>
+          </a:p>
+        </p:txBody>
+      </p:sp>
+      <p:pic>
+        <p:nvPicPr>
+          <p:cNvPr id="1030" name="Picture 6" descr="Camera Vector - Camera Icon Png Small - Free Transparent PNG Clipart Images  Download">
+            <a:extLst>
+              <a:ext uri="{FF2B5EF4-FFF2-40B4-BE49-F238E27FC236}">
+                <a16:creationId xmlns:a16="http://schemas.microsoft.com/office/drawing/2014/main" id="{7F9989C7-A716-4423-85FA-1360000BC514}"/>
+              </a:ext>
+            </a:extLst>
+          </p:cNvPr>
+          <p:cNvPicPr>
+            <a:picLocks noChangeAspect="1" noChangeArrowheads="1"/>
+          </p:cNvPicPr>
+          <p:nvPr/>
+        </p:nvPicPr>
+        <p:blipFill>
+          <a:blip r:embed="rId2">
+            <a:extLst>
+              <a:ext uri="{28A0092B-C50C-407E-A947-70E740481C1C}">
+                <a14:useLocalDpi xmlns:a14="http://schemas.microsoft.com/office/drawing/2010/main" val="0"/>
+              </a:ext>
+            </a:extLst>
+          </a:blip>
+          <a:srcRect/>
+          <a:stretch>
+            <a:fillRect/>
+          </a:stretch>
+        </p:blipFill>
+        <p:spPr bwMode="auto">
+          <a:xfrm rot="10800000" flipV="1">
+            <a:off x="8332615" y="1451503"/>
+            <a:ext cx="576956" cy="338691"/>
+          </a:xfrm>
+          <a:prstGeom prst="rect">
+            <a:avLst/>
+          </a:prstGeom>
+          <a:noFill/>
+          <a:extLst>
+            <a:ext uri="{909E8E84-426E-40DD-AFC4-6F175D3DCCD1}">
+              <a14:hiddenFill xmlns:a14="http://schemas.microsoft.com/office/drawing/2010/main">
+                <a:solidFill>
+                  <a:srgbClr val="FFFFFF"/>
+                </a:solidFill>
+              </a14:hiddenFill>
+            </a:ext>
+          </a:extLst>
+        </p:spPr>
+      </p:pic>
+      <p:sp>
+        <p:nvSpPr>
+          <p:cNvPr id="4" name="TextBox 3">
+            <a:extLst>
+              <a:ext uri="{FF2B5EF4-FFF2-40B4-BE49-F238E27FC236}">
+                <a16:creationId xmlns:a16="http://schemas.microsoft.com/office/drawing/2014/main" id="{1921C045-D1E4-41DF-A301-DACBDC389B34}"/>
+              </a:ext>
+            </a:extLst>
+          </p:cNvPr>
+          <p:cNvSpPr txBox="1"/>
+          <p:nvPr/>
+        </p:nvSpPr>
+        <p:spPr>
+          <a:xfrm>
+            <a:off x="578080" y="720806"/>
+            <a:ext cx="4631455" cy="369332"/>
+          </a:xfrm>
+          <a:prstGeom prst="rect">
+            <a:avLst/>
+          </a:prstGeom>
+          <a:noFill/>
+        </p:spPr>
+        <p:txBody>
+          <a:bodyPr wrap="square" rtlCol="0">
+            <a:spAutoFit/>
+          </a:bodyPr>
+          <a:lstStyle/>
+          <a:p>
+            <a:r>
+              <a:rPr lang="en-SG" b="1" dirty="0"/>
+              <a:t>Echo Camera Video Demo (UDP Frame stream)</a:t>
             </a:r>
           </a:p>
         </p:txBody>
@@ -5999,7 +9640,7 @@
 </p:sld>
 </file>
 
-<file path=ppt/slides/slide4.xml><?xml version="1.0" encoding="utf-8"?>
+<file path=ppt/slides/slide5.xml><?xml version="1.0" encoding="utf-8"?>
 <p:sld xmlns:a="http://schemas.openxmlformats.org/drawingml/2006/main" xmlns:r="http://schemas.openxmlformats.org/officeDocument/2006/relationships" xmlns:p="http://schemas.openxmlformats.org/presentationml/2006/main">
   <p:cSld>
     <p:spTree>
@@ -6065,7 +9706,7 @@
 </p:sld>
 </file>
 
-<file path=ppt/slides/slide5.xml><?xml version="1.0" encoding="utf-8"?>
+<file path=ppt/slides/slide6.xml><?xml version="1.0" encoding="utf-8"?>
 <p:sld xmlns:a="http://schemas.openxmlformats.org/drawingml/2006/main" xmlns:r="http://schemas.openxmlformats.org/officeDocument/2006/relationships" xmlns:p="http://schemas.openxmlformats.org/presentationml/2006/main">
   <p:cSld>
     <p:spTree>
@@ -6082,31 +9723,6 @@
           <a:chExt cx="0" cy="0"/>
         </a:xfrm>
       </p:grpSpPr>
-      <p:sp>
-        <p:nvSpPr>
-          <p:cNvPr id="2" name="Title 1">
-            <a:extLst>
-              <a:ext uri="{FF2B5EF4-FFF2-40B4-BE49-F238E27FC236}">
-                <a16:creationId xmlns:a16="http://schemas.microsoft.com/office/drawing/2014/main" id="{FC4057F3-AE3A-48A4-B08A-1BCFC8C2C143}"/>
-              </a:ext>
-            </a:extLst>
-          </p:cNvPr>
-          <p:cNvSpPr>
-            <a:spLocks noGrp="1"/>
-          </p:cNvSpPr>
-          <p:nvPr>
-            <p:ph type="title"/>
-          </p:nvPr>
-        </p:nvSpPr>
-        <p:spPr/>
-        <p:txBody>
-          <a:bodyPr/>
-          <a:lstStyle/>
-          <a:p>
-            <a:endParaRPr lang="en-SG"/>
-          </a:p>
-        </p:txBody>
-      </p:sp>
       <p:pic>
         <p:nvPicPr>
           <p:cNvPr id="5" name="Content Placeholder 4" descr="Diagram&#10;&#10;Description automatically generated">
@@ -6155,7 +9771,7 @@
 </p:sld>
 </file>
 
-<file path=ppt/slides/slide6.xml><?xml version="1.0" encoding="utf-8"?>
+<file path=ppt/slides/slide7.xml><?xml version="1.0" encoding="utf-8"?>
 <p:sld xmlns:a="http://schemas.openxmlformats.org/drawingml/2006/main" xmlns:r="http://schemas.openxmlformats.org/officeDocument/2006/relationships" xmlns:p="http://schemas.openxmlformats.org/presentationml/2006/main">
   <p:cSld>
     <p:spTree>
@@ -6691,4 +10307,299 @@
     </a:ext>
   </a:extLst>
 </a:theme>
+</file>
+
+<file path=ppt/theme/theme2.xml><?xml version="1.0" encoding="utf-8"?>
+<a:theme xmlns:a="http://schemas.openxmlformats.org/drawingml/2006/main" name="Office Theme">
+  <a:themeElements>
+    <a:clrScheme name="Office">
+      <a:dk1>
+        <a:sysClr val="windowText" lastClr="000000"/>
+      </a:dk1>
+      <a:lt1>
+        <a:sysClr val="window" lastClr="FFFFFF"/>
+      </a:lt1>
+      <a:dk2>
+        <a:srgbClr val="44546A"/>
+      </a:dk2>
+      <a:lt2>
+        <a:srgbClr val="E7E6E6"/>
+      </a:lt2>
+      <a:accent1>
+        <a:srgbClr val="4472C4"/>
+      </a:accent1>
+      <a:accent2>
+        <a:srgbClr val="ED7D31"/>
+      </a:accent2>
+      <a:accent3>
+        <a:srgbClr val="A5A5A5"/>
+      </a:accent3>
+      <a:accent4>
+        <a:srgbClr val="FFC000"/>
+      </a:accent4>
+      <a:accent5>
+        <a:srgbClr val="5B9BD5"/>
+      </a:accent5>
+      <a:accent6>
+        <a:srgbClr val="70AD47"/>
+      </a:accent6>
+      <a:hlink>
+        <a:srgbClr val="0563C1"/>
+      </a:hlink>
+      <a:folHlink>
+        <a:srgbClr val="954F72"/>
+      </a:folHlink>
+    </a:clrScheme>
+    <a:fontScheme name="Office">
+      <a:majorFont>
+        <a:latin typeface="Calibri Light" panose="020F0302020204030204"/>
+        <a:ea typeface=""/>
+        <a:cs typeface=""/>
+        <a:font script="Jpan" typeface="游ゴシック Light"/>
+        <a:font script="Hang" typeface="맑은 고딕"/>
+        <a:font script="Hans" typeface="等线 Light"/>
+        <a:font script="Hant" typeface="新細明體"/>
+        <a:font script="Arab" typeface="Times New Roman"/>
+        <a:font script="Hebr" typeface="Times New Roman"/>
+        <a:font script="Thai" typeface="Angsana New"/>
+        <a:font script="Ethi" typeface="Nyala"/>
+        <a:font script="Beng" typeface="Vrinda"/>
+        <a:font script="Gujr" typeface="Shruti"/>
+        <a:font script="Khmr" typeface="MoolBoran"/>
+        <a:font script="Knda" typeface="Tunga"/>
+        <a:font script="Guru" typeface="Raavi"/>
+        <a:font script="Cans" typeface="Euphemia"/>
+        <a:font script="Cher" typeface="Plantagenet Cherokee"/>
+        <a:font script="Yiii" typeface="Microsoft Yi Baiti"/>
+        <a:font script="Tibt" typeface="Microsoft Himalaya"/>
+        <a:font script="Thaa" typeface="MV Boli"/>
+        <a:font script="Deva" typeface="Mangal"/>
+        <a:font script="Telu" typeface="Gautami"/>
+        <a:font script="Taml" typeface="Latha"/>
+        <a:font script="Syrc" typeface="Estrangelo Edessa"/>
+        <a:font script="Orya" typeface="Kalinga"/>
+        <a:font script="Mlym" typeface="Kartika"/>
+        <a:font script="Laoo" typeface="DokChampa"/>
+        <a:font script="Sinh" typeface="Iskoola Pota"/>
+        <a:font script="Mong" typeface="Mongolian Baiti"/>
+        <a:font script="Viet" typeface="Times New Roman"/>
+        <a:font script="Uigh" typeface="Microsoft Uighur"/>
+        <a:font script="Geor" typeface="Sylfaen"/>
+        <a:font script="Armn" typeface="Arial"/>
+        <a:font script="Bugi" typeface="Leelawadee UI"/>
+        <a:font script="Bopo" typeface="Microsoft JhengHei"/>
+        <a:font script="Java" typeface="Javanese Text"/>
+        <a:font script="Lisu" typeface="Segoe UI"/>
+        <a:font script="Mymr" typeface="Myanmar Text"/>
+        <a:font script="Nkoo" typeface="Ebrima"/>
+        <a:font script="Olck" typeface="Nirmala UI"/>
+        <a:font script="Osma" typeface="Ebrima"/>
+        <a:font script="Phag" typeface="Phagspa"/>
+        <a:font script="Syrn" typeface="Estrangelo Edessa"/>
+        <a:font script="Syrj" typeface="Estrangelo Edessa"/>
+        <a:font script="Syre" typeface="Estrangelo Edessa"/>
+        <a:font script="Sora" typeface="Nirmala UI"/>
+        <a:font script="Tale" typeface="Microsoft Tai Le"/>
+        <a:font script="Talu" typeface="Microsoft New Tai Lue"/>
+        <a:font script="Tfng" typeface="Ebrima"/>
+      </a:majorFont>
+      <a:minorFont>
+        <a:latin typeface="Calibri" panose="020F0502020204030204"/>
+        <a:ea typeface=""/>
+        <a:cs typeface=""/>
+        <a:font script="Jpan" typeface="游ゴシック"/>
+        <a:font script="Hang" typeface="맑은 고딕"/>
+        <a:font script="Hans" typeface="等线"/>
+        <a:font script="Hant" typeface="新細明體"/>
+        <a:font script="Arab" typeface="Arial"/>
+        <a:font script="Hebr" typeface="Arial"/>
+        <a:font script="Thai" typeface="Cordia New"/>
+        <a:font script="Ethi" typeface="Nyala"/>
+        <a:font script="Beng" typeface="Vrinda"/>
+        <a:font script="Gujr" typeface="Shruti"/>
+        <a:font script="Khmr" typeface="DaunPenh"/>
+        <a:font script="Knda" typeface="Tunga"/>
+        <a:font script="Guru" typeface="Raavi"/>
+        <a:font script="Cans" typeface="Euphemia"/>
+        <a:font script="Cher" typeface="Plantagenet Cherokee"/>
+        <a:font script="Yiii" typeface="Microsoft Yi Baiti"/>
+        <a:font script="Tibt" typeface="Microsoft Himalaya"/>
+        <a:font script="Thaa" typeface="MV Boli"/>
+        <a:font script="Deva" typeface="Mangal"/>
+        <a:font script="Telu" typeface="Gautami"/>
+        <a:font script="Taml" typeface="Latha"/>
+        <a:font script="Syrc" typeface="Estrangelo Edessa"/>
+        <a:font script="Orya" typeface="Kalinga"/>
+        <a:font script="Mlym" typeface="Kartika"/>
+        <a:font script="Laoo" typeface="DokChampa"/>
+        <a:font script="Sinh" typeface="Iskoola Pota"/>
+        <a:font script="Mong" typeface="Mongolian Baiti"/>
+        <a:font script="Viet" typeface="Arial"/>
+        <a:font script="Uigh" typeface="Microsoft Uighur"/>
+        <a:font script="Geor" typeface="Sylfaen"/>
+        <a:font script="Armn" typeface="Arial"/>
+        <a:font script="Bugi" typeface="Leelawadee UI"/>
+        <a:font script="Bopo" typeface="Microsoft JhengHei"/>
+        <a:font script="Java" typeface="Javanese Text"/>
+        <a:font script="Lisu" typeface="Segoe UI"/>
+        <a:font script="Mymr" typeface="Myanmar Text"/>
+        <a:font script="Nkoo" typeface="Ebrima"/>
+        <a:font script="Olck" typeface="Nirmala UI"/>
+        <a:font script="Osma" typeface="Ebrima"/>
+        <a:font script="Phag" typeface="Phagspa"/>
+        <a:font script="Syrn" typeface="Estrangelo Edessa"/>
+        <a:font script="Syrj" typeface="Estrangelo Edessa"/>
+        <a:font script="Syre" typeface="Estrangelo Edessa"/>
+        <a:font script="Sora" typeface="Nirmala UI"/>
+        <a:font script="Tale" typeface="Microsoft Tai Le"/>
+        <a:font script="Talu" typeface="Microsoft New Tai Lue"/>
+        <a:font script="Tfng" typeface="Ebrima"/>
+      </a:minorFont>
+    </a:fontScheme>
+    <a:fmtScheme name="Office">
+      <a:fillStyleLst>
+        <a:solidFill>
+          <a:schemeClr val="phClr"/>
+        </a:solidFill>
+        <a:gradFill rotWithShape="1">
+          <a:gsLst>
+            <a:gs pos="0">
+              <a:schemeClr val="phClr">
+                <a:lumMod val="110000"/>
+                <a:satMod val="105000"/>
+                <a:tint val="67000"/>
+              </a:schemeClr>
+            </a:gs>
+            <a:gs pos="50000">
+              <a:schemeClr val="phClr">
+                <a:lumMod val="105000"/>
+                <a:satMod val="103000"/>
+                <a:tint val="73000"/>
+              </a:schemeClr>
+            </a:gs>
+            <a:gs pos="100000">
+              <a:schemeClr val="phClr">
+                <a:lumMod val="105000"/>
+                <a:satMod val="109000"/>
+                <a:tint val="81000"/>
+              </a:schemeClr>
+            </a:gs>
+          </a:gsLst>
+          <a:lin ang="5400000" scaled="0"/>
+        </a:gradFill>
+        <a:gradFill rotWithShape="1">
+          <a:gsLst>
+            <a:gs pos="0">
+              <a:schemeClr val="phClr">
+                <a:satMod val="103000"/>
+                <a:lumMod val="102000"/>
+                <a:tint val="94000"/>
+              </a:schemeClr>
+            </a:gs>
+            <a:gs pos="50000">
+              <a:schemeClr val="phClr">
+                <a:satMod val="110000"/>
+                <a:lumMod val="100000"/>
+                <a:shade val="100000"/>
+              </a:schemeClr>
+            </a:gs>
+            <a:gs pos="100000">
+              <a:schemeClr val="phClr">
+                <a:lumMod val="99000"/>
+                <a:satMod val="120000"/>
+                <a:shade val="78000"/>
+              </a:schemeClr>
+            </a:gs>
+          </a:gsLst>
+          <a:lin ang="5400000" scaled="0"/>
+        </a:gradFill>
+      </a:fillStyleLst>
+      <a:lnStyleLst>
+        <a:ln w="6350" cap="flat" cmpd="sng" algn="ctr">
+          <a:solidFill>
+            <a:schemeClr val="phClr"/>
+          </a:solidFill>
+          <a:prstDash val="solid"/>
+          <a:miter lim="800000"/>
+        </a:ln>
+        <a:ln w="12700" cap="flat" cmpd="sng" algn="ctr">
+          <a:solidFill>
+            <a:schemeClr val="phClr"/>
+          </a:solidFill>
+          <a:prstDash val="solid"/>
+          <a:miter lim="800000"/>
+        </a:ln>
+        <a:ln w="19050" cap="flat" cmpd="sng" algn="ctr">
+          <a:solidFill>
+            <a:schemeClr val="phClr"/>
+          </a:solidFill>
+          <a:prstDash val="solid"/>
+          <a:miter lim="800000"/>
+        </a:ln>
+      </a:lnStyleLst>
+      <a:effectStyleLst>
+        <a:effectStyle>
+          <a:effectLst/>
+        </a:effectStyle>
+        <a:effectStyle>
+          <a:effectLst/>
+        </a:effectStyle>
+        <a:effectStyle>
+          <a:effectLst>
+            <a:outerShdw blurRad="57150" dist="19050" dir="5400000" algn="ctr" rotWithShape="0">
+              <a:srgbClr val="000000">
+                <a:alpha val="63000"/>
+              </a:srgbClr>
+            </a:outerShdw>
+          </a:effectLst>
+        </a:effectStyle>
+      </a:effectStyleLst>
+      <a:bgFillStyleLst>
+        <a:solidFill>
+          <a:schemeClr val="phClr"/>
+        </a:solidFill>
+        <a:solidFill>
+          <a:schemeClr val="phClr">
+            <a:tint val="95000"/>
+            <a:satMod val="170000"/>
+          </a:schemeClr>
+        </a:solidFill>
+        <a:gradFill rotWithShape="1">
+          <a:gsLst>
+            <a:gs pos="0">
+              <a:schemeClr val="phClr">
+                <a:tint val="93000"/>
+                <a:satMod val="150000"/>
+                <a:shade val="98000"/>
+                <a:lumMod val="102000"/>
+              </a:schemeClr>
+            </a:gs>
+            <a:gs pos="50000">
+              <a:schemeClr val="phClr">
+                <a:tint val="98000"/>
+                <a:satMod val="130000"/>
+                <a:shade val="90000"/>
+                <a:lumMod val="103000"/>
+              </a:schemeClr>
+            </a:gs>
+            <a:gs pos="100000">
+              <a:schemeClr val="phClr">
+                <a:shade val="63000"/>
+                <a:satMod val="120000"/>
+              </a:schemeClr>
+            </a:gs>
+          </a:gsLst>
+          <a:lin ang="5400000" scaled="0"/>
+        </a:gradFill>
+      </a:bgFillStyleLst>
+    </a:fmtScheme>
+  </a:themeElements>
+  <a:objectDefaults/>
+  <a:extraClrSchemeLst/>
+  <a:extLst>
+    <a:ext uri="{05A4C25C-085E-4340-85A3-A5531E510DB2}">
+      <thm15:themeFamily xmlns:thm15="http://schemas.microsoft.com/office/thememl/2012/main" name="Office Theme" id="{62F939B6-93AF-4DB8-9C6B-D6C7DFDC589F}" vid="{4A3C46E8-61CC-4603-A589-7422A47A8E4A}"/>
+    </a:ext>
+  </a:extLst>
+</a:theme>
 </file>
--- a/videoSrc/videoDiagram.pptx
+++ b/videoSrc/videoDiagram.pptx
@@ -229,7 +229,7 @@
           <a:p>
             <a:fld id="{DA29B1D1-0F16-46E5-9DC2-1B3330132891}" type="datetimeFigureOut">
               <a:rPr lang="en-SG" smtClean="0"/>
-              <a:t>14/6/2021</a:t>
+              <a:t>16/6/2021</a:t>
             </a:fld>
             <a:endParaRPr lang="en-SG"/>
           </a:p>
@@ -730,7 +730,7 @@
           <a:p>
             <a:fld id="{BA645228-5478-4BEB-89AA-4F24018458AD}" type="datetimeFigureOut">
               <a:rPr lang="en-SG" smtClean="0"/>
-              <a:t>14/6/2021</a:t>
+              <a:t>16/6/2021</a:t>
             </a:fld>
             <a:endParaRPr lang="en-SG"/>
           </a:p>
@@ -930,7 +930,7 @@
           <a:p>
             <a:fld id="{BA645228-5478-4BEB-89AA-4F24018458AD}" type="datetimeFigureOut">
               <a:rPr lang="en-SG" smtClean="0"/>
-              <a:t>14/6/2021</a:t>
+              <a:t>16/6/2021</a:t>
             </a:fld>
             <a:endParaRPr lang="en-SG"/>
           </a:p>
@@ -1140,7 +1140,7 @@
           <a:p>
             <a:fld id="{BA645228-5478-4BEB-89AA-4F24018458AD}" type="datetimeFigureOut">
               <a:rPr lang="en-SG" smtClean="0"/>
-              <a:t>14/6/2021</a:t>
+              <a:t>16/6/2021</a:t>
             </a:fld>
             <a:endParaRPr lang="en-SG"/>
           </a:p>
@@ -1340,7 +1340,7 @@
           <a:p>
             <a:fld id="{BA645228-5478-4BEB-89AA-4F24018458AD}" type="datetimeFigureOut">
               <a:rPr lang="en-SG" smtClean="0"/>
-              <a:t>14/6/2021</a:t>
+              <a:t>16/6/2021</a:t>
             </a:fld>
             <a:endParaRPr lang="en-SG"/>
           </a:p>
@@ -1616,7 +1616,7 @@
           <a:p>
             <a:fld id="{BA645228-5478-4BEB-89AA-4F24018458AD}" type="datetimeFigureOut">
               <a:rPr lang="en-SG" smtClean="0"/>
-              <a:t>14/6/2021</a:t>
+              <a:t>16/6/2021</a:t>
             </a:fld>
             <a:endParaRPr lang="en-SG"/>
           </a:p>
@@ -1884,7 +1884,7 @@
           <a:p>
             <a:fld id="{BA645228-5478-4BEB-89AA-4F24018458AD}" type="datetimeFigureOut">
               <a:rPr lang="en-SG" smtClean="0"/>
-              <a:t>14/6/2021</a:t>
+              <a:t>16/6/2021</a:t>
             </a:fld>
             <a:endParaRPr lang="en-SG"/>
           </a:p>
@@ -2299,7 +2299,7 @@
           <a:p>
             <a:fld id="{BA645228-5478-4BEB-89AA-4F24018458AD}" type="datetimeFigureOut">
               <a:rPr lang="en-SG" smtClean="0"/>
-              <a:t>14/6/2021</a:t>
+              <a:t>16/6/2021</a:t>
             </a:fld>
             <a:endParaRPr lang="en-SG"/>
           </a:p>
@@ -2441,7 +2441,7 @@
           <a:p>
             <a:fld id="{BA645228-5478-4BEB-89AA-4F24018458AD}" type="datetimeFigureOut">
               <a:rPr lang="en-SG" smtClean="0"/>
-              <a:t>14/6/2021</a:t>
+              <a:t>16/6/2021</a:t>
             </a:fld>
             <a:endParaRPr lang="en-SG"/>
           </a:p>
@@ -2554,7 +2554,7 @@
           <a:p>
             <a:fld id="{BA645228-5478-4BEB-89AA-4F24018458AD}" type="datetimeFigureOut">
               <a:rPr lang="en-SG" smtClean="0"/>
-              <a:t>14/6/2021</a:t>
+              <a:t>16/6/2021</a:t>
             </a:fld>
             <a:endParaRPr lang="en-SG"/>
           </a:p>
@@ -2867,7 +2867,7 @@
           <a:p>
             <a:fld id="{BA645228-5478-4BEB-89AA-4F24018458AD}" type="datetimeFigureOut">
               <a:rPr lang="en-SG" smtClean="0"/>
-              <a:t>14/6/2021</a:t>
+              <a:t>16/6/2021</a:t>
             </a:fld>
             <a:endParaRPr lang="en-SG"/>
           </a:p>
@@ -3156,7 +3156,7 @@
           <a:p>
             <a:fld id="{BA645228-5478-4BEB-89AA-4F24018458AD}" type="datetimeFigureOut">
               <a:rPr lang="en-SG" smtClean="0"/>
-              <a:t>14/6/2021</a:t>
+              <a:t>16/6/2021</a:t>
             </a:fld>
             <a:endParaRPr lang="en-SG"/>
           </a:p>
@@ -3399,7 +3399,7 @@
           <a:p>
             <a:fld id="{BA645228-5478-4BEB-89AA-4F24018458AD}" type="datetimeFigureOut">
               <a:rPr lang="en-SG" smtClean="0"/>
-              <a:t>14/6/2021</a:t>
+              <a:t>16/6/2021</a:t>
             </a:fld>
             <a:endParaRPr lang="en-SG"/>
           </a:p>
@@ -4798,7 +4798,7 @@
             </a:r>
             <a:r>
               <a:rPr lang="en-SG" sz="1100" b="1" dirty="0"/>
-              <a:t>: 172.31.103.202</a:t>
+              <a:t>: 192.168.109.x</a:t>
             </a:r>
           </a:p>
           <a:p>
@@ -4849,7 +4849,7 @@
             </a:r>
             <a:r>
               <a:rPr lang="en-SG" sz="1100" b="1" dirty="0"/>
-              <a:t>: 172.31.103.201</a:t>
+              <a:t>: 192.168.109.y</a:t>
             </a:r>
           </a:p>
           <a:p>
@@ -7154,7 +7154,7 @@
             </a:r>
             <a:r>
               <a:rPr lang="en-SG" sz="1100" b="1" dirty="0"/>
-              <a:t>: 172.31.103.202</a:t>
+              <a:t>: 192.168.109.x</a:t>
             </a:r>
           </a:p>
           <a:p>
@@ -7205,7 +7205,7 @@
             </a:r>
             <a:r>
               <a:rPr lang="en-SG" sz="1100" b="1" dirty="0"/>
-              <a:t>: 172.31.103.201</a:t>
+              <a:t>: 192.168.109.y</a:t>
             </a:r>
           </a:p>
           <a:p>
@@ -7937,42 +7937,6 @@
                             </p:childTnLst>
                           </p:cTn>
                         </p:par>
-                        <p:par>
-                          <p:cTn id="32" fill="hold">
-                            <p:stCondLst>
-                              <p:cond delay="9100"/>
-                            </p:stCondLst>
-                            <p:childTnLst>
-                              <p:par>
-                                <p:cTn id="33" presetID="1" presetClass="entr" presetSubtype="0" fill="hold" grpId="0" nodeType="afterEffect">
-                                  <p:stCondLst>
-                                    <p:cond delay="0"/>
-                                  </p:stCondLst>
-                                  <p:childTnLst>
-                                    <p:set>
-                                      <p:cBhvr>
-                                        <p:cTn id="34" dur="1" fill="hold">
-                                          <p:stCondLst>
-                                            <p:cond delay="0"/>
-                                          </p:stCondLst>
-                                        </p:cTn>
-                                        <p:tgtEl>
-                                          <p:spTgt spid="37"/>
-                                        </p:tgtEl>
-                                        <p:attrNameLst>
-                                          <p:attrName>style.visibility</p:attrName>
-                                        </p:attrNameLst>
-                                      </p:cBhvr>
-                                      <p:to>
-                                        <p:strVal val="visible"/>
-                                      </p:to>
-                                    </p:set>
-                                  </p:childTnLst>
-                                </p:cTn>
-                              </p:par>
-                            </p:childTnLst>
-                          </p:cTn>
-                        </p:par>
                       </p:childTnLst>
                     </p:cTn>
                   </p:par>
@@ -7998,7 +7962,6 @@
       </p:par>
     </p:tnLst>
     <p:bldLst>
-      <p:bldP spid="37" grpId="0"/>
       <p:bldP spid="43" grpId="0" animBg="1"/>
       <p:bldP spid="45" grpId="0" animBg="1"/>
       <p:bldP spid="49" grpId="0" animBg="1"/>
